--- a/2018-05-15_Build_HttpTracer_XF3/2018-05-15_Build_HttpTracer_XF3.pptx
+++ b/2018-05-15_Build_HttpTracer_XF3/2018-05-15_Build_HttpTracer_XF3.pptx
@@ -5,7 +5,7 @@
     <p:sldMasterId id="2147483648" r:id="rId1"/>
   </p:sldMasterIdLst>
   <p:notesMasterIdLst>
-    <p:notesMasterId r:id="rId20"/>
+    <p:notesMasterId r:id="rId22"/>
   </p:notesMasterIdLst>
   <p:sldIdLst>
     <p:sldId id="256" r:id="rId2"/>
@@ -21,11 +21,13 @@
     <p:sldId id="272" r:id="rId12"/>
     <p:sldId id="299" r:id="rId13"/>
     <p:sldId id="328" r:id="rId14"/>
-    <p:sldId id="332" r:id="rId15"/>
-    <p:sldId id="342" r:id="rId16"/>
-    <p:sldId id="341" r:id="rId17"/>
-    <p:sldId id="343" r:id="rId18"/>
-    <p:sldId id="289" r:id="rId19"/>
+    <p:sldId id="344" r:id="rId15"/>
+    <p:sldId id="346" r:id="rId16"/>
+    <p:sldId id="332" r:id="rId17"/>
+    <p:sldId id="342" r:id="rId18"/>
+    <p:sldId id="341" r:id="rId19"/>
+    <p:sldId id="343" r:id="rId20"/>
+    <p:sldId id="289" r:id="rId21"/>
   </p:sldIdLst>
   <p:sldSz cx="12192000" cy="6858000"/>
   <p:notesSz cx="6858000" cy="9144000"/>
@@ -150,6 +152,8 @@
             <p14:sldId id="272"/>
             <p14:sldId id="299"/>
             <p14:sldId id="328"/>
+            <p14:sldId id="344"/>
+            <p14:sldId id="346"/>
             <p14:sldId id="332"/>
             <p14:sldId id="342"/>
             <p14:sldId id="341"/>
@@ -272,7 +276,7 @@
           <a:p>
             <a:fld id="{5A1A54DF-74C0-E146-BAD7-48563FFA43F1}" type="datetimeFigureOut">
               <a:rPr lang="en-US" smtClean="0"/>
-              <a:t>5/13/18</a:t>
+              <a:t>5/14/18</a:t>
             </a:fld>
             <a:endParaRPr lang="en-US"/>
           </a:p>
@@ -836,7 +840,7 @@
           <a:effectLst/>
           <a:extLst>
             <a:ext uri="{91240B29-F687-4f45-9708-019B960494DF}">
-              <a14:hiddenLine xmlns="" xmlns:a14="http://schemas.microsoft.com/office/drawing/2010/main" w="9525">
+              <a14:hiddenLine xmlns:a14="http://schemas.microsoft.com/office/drawing/2010/main" xmlns="" w="9525">
                 <a:solidFill>
                   <a:srgbClr val="000000"/>
                 </a:solidFill>
@@ -1029,7 +1033,7 @@
             <a:fld id="{08B9EBBA-996F-894A-B54A-D6246ED52CEA}" type="datetimeFigureOut">
               <a:rPr lang="en-US" dirty="0"/>
               <a:pPr/>
-              <a:t>5/13/18</a:t>
+              <a:t>5/14/18</a:t>
             </a:fld>
             <a:endParaRPr lang="en-US" dirty="0"/>
           </a:p>
@@ -1344,7 +1348,7 @@
             <a:fld id="{18C79C5D-2A6F-F04D-97DA-BEF2467B64E4}" type="datetimeFigureOut">
               <a:rPr lang="en-US" dirty="0"/>
               <a:pPr/>
-              <a:t>5/13/18</a:t>
+              <a:t>5/14/18</a:t>
             </a:fld>
             <a:endParaRPr lang="en-US" dirty="0"/>
           </a:p>
@@ -1829,7 +1833,7 @@
             <a:fld id="{8DFA1846-DA80-1C48-A609-854EA85C59AD}" type="datetimeFigureOut">
               <a:rPr lang="en-US" dirty="0"/>
               <a:pPr/>
-              <a:t>5/13/18</a:t>
+              <a:t>5/14/18</a:t>
             </a:fld>
             <a:endParaRPr lang="en-US" dirty="0"/>
           </a:p>
@@ -2195,7 +2199,7 @@
             <a:fld id="{FBF54567-0DE4-3F47-BF90-CB84690072F9}" type="datetimeFigureOut">
               <a:rPr lang="en-US" dirty="0"/>
               <a:pPr/>
-              <a:t>5/13/18</a:t>
+              <a:t>5/14/18</a:t>
             </a:fld>
             <a:endParaRPr lang="en-US" dirty="0"/>
           </a:p>
@@ -2346,7 +2350,7 @@
           <a:ln/>
           <a:extLst>
             <a:ext uri="{91240B29-F687-4f45-9708-019B960494DF}">
-              <a14:hiddenLine xmlns="" xmlns:a14="http://schemas.microsoft.com/office/drawing/2010/main" w="9525">
+              <a14:hiddenLine xmlns:a14="http://schemas.microsoft.com/office/drawing/2010/main" xmlns="" w="9525">
                 <a:solidFill>
                   <a:srgbClr val="000000"/>
                 </a:solidFill>
@@ -2469,7 +2473,7 @@
             <a:fld id="{C6C52C72-DE31-F449-A4ED-4C594FD91407}" type="datetimeFigureOut">
               <a:rPr lang="en-US" dirty="0"/>
               <a:pPr/>
-              <a:t>5/13/18</a:t>
+              <a:t>5/14/18</a:t>
             </a:fld>
             <a:endParaRPr lang="en-US" dirty="0"/>
           </a:p>
@@ -2622,7 +2626,7 @@
           <a:ln/>
           <a:extLst>
             <a:ext uri="{91240B29-F687-4f45-9708-019B960494DF}">
-              <a14:hiddenLine xmlns="" xmlns:a14="http://schemas.microsoft.com/office/drawing/2010/main" w="9525">
+              <a14:hiddenLine xmlns:a14="http://schemas.microsoft.com/office/drawing/2010/main" xmlns="" w="9525">
                 <a:solidFill>
                   <a:srgbClr val="000000"/>
                 </a:solidFill>
@@ -2751,7 +2755,7 @@
             <a:fld id="{ED62726E-379B-B349-9EED-81ED093FA806}" type="datetimeFigureOut">
               <a:rPr lang="en-US" dirty="0"/>
               <a:pPr/>
-              <a:t>5/13/18</a:t>
+              <a:t>5/14/18</a:t>
             </a:fld>
             <a:endParaRPr lang="en-US" dirty="0"/>
           </a:p>
@@ -2902,7 +2906,7 @@
           <a:ln/>
           <a:extLst>
             <a:ext uri="{91240B29-F687-4f45-9708-019B960494DF}">
-              <a14:hiddenLine xmlns="" xmlns:a14="http://schemas.microsoft.com/office/drawing/2010/main" w="9525">
+              <a14:hiddenLine xmlns:a14="http://schemas.microsoft.com/office/drawing/2010/main" xmlns="" w="9525">
                 <a:solidFill>
                   <a:srgbClr val="000000"/>
                 </a:solidFill>
@@ -3051,7 +3055,7 @@
             <a:fld id="{9B3A1323-8D79-1946-B0D7-40001CF92E9D}" type="datetimeFigureOut">
               <a:rPr lang="en-US" dirty="0"/>
               <a:pPr/>
-              <a:t>5/13/18</a:t>
+              <a:t>5/14/18</a:t>
             </a:fld>
             <a:endParaRPr lang="en-US" dirty="0"/>
           </a:p>
@@ -3390,7 +3394,7 @@
             <a:fld id="{8DFA1846-DA80-1C48-A609-854EA85C59AD}" type="datetimeFigureOut">
               <a:rPr lang="en-US" dirty="0"/>
               <a:pPr/>
-              <a:t>5/13/18</a:t>
+              <a:t>5/14/18</a:t>
             </a:fld>
             <a:endParaRPr lang="en-US" dirty="0"/>
           </a:p>
@@ -3541,7 +3545,7 @@
           <a:ln/>
           <a:extLst>
             <a:ext uri="{91240B29-F687-4f45-9708-019B960494DF}">
-              <a14:hiddenLine xmlns="" xmlns:a14="http://schemas.microsoft.com/office/drawing/2010/main" w="9525">
+              <a14:hiddenLine xmlns:a14="http://schemas.microsoft.com/office/drawing/2010/main" xmlns="" w="9525">
                 <a:solidFill>
                   <a:srgbClr val="000000"/>
                 </a:solidFill>
@@ -3760,7 +3764,7 @@
             <a:fld id="{57302355-E14B-8545-A8F8-0FE83CC9D524}" type="datetimeFigureOut">
               <a:rPr lang="en-US" dirty="0"/>
               <a:pPr/>
-              <a:t>5/13/18</a:t>
+              <a:t>5/14/18</a:t>
             </a:fld>
             <a:endParaRPr lang="en-US" dirty="0"/>
           </a:p>
@@ -3911,7 +3915,7 @@
           <a:ln/>
           <a:extLst>
             <a:ext uri="{91240B29-F687-4f45-9708-019B960494DF}">
-              <a14:hiddenLine xmlns="" xmlns:a14="http://schemas.microsoft.com/office/drawing/2010/main" w="9525">
+              <a14:hiddenLine xmlns:a14="http://schemas.microsoft.com/office/drawing/2010/main" xmlns="" w="9525">
                 <a:solidFill>
                   <a:srgbClr val="000000"/>
                 </a:solidFill>
@@ -4265,7 +4269,7 @@
             <a:fld id="{02640F58-564D-2B4F-AE67-E407BA4FCF45}" type="datetimeFigureOut">
               <a:rPr lang="en-US" dirty="0"/>
               <a:pPr/>
-              <a:t>5/13/18</a:t>
+              <a:t>5/14/18</a:t>
             </a:fld>
             <a:endParaRPr lang="en-US" dirty="0"/>
           </a:p>
@@ -4416,7 +4420,7 @@
           <a:ln/>
           <a:extLst>
             <a:ext uri="{91240B29-F687-4f45-9708-019B960494DF}">
-              <a14:hiddenLine xmlns="" xmlns:a14="http://schemas.microsoft.com/office/drawing/2010/main" w="9525">
+              <a14:hiddenLine xmlns:a14="http://schemas.microsoft.com/office/drawing/2010/main" xmlns="" w="9525">
                 <a:solidFill>
                   <a:srgbClr val="000000"/>
                 </a:solidFill>
@@ -4487,7 +4491,7 @@
             <a:fld id="{F13A34C8-038E-2045-AF43-DF7DBB8E0E9E}" type="datetimeFigureOut">
               <a:rPr lang="en-US" dirty="0"/>
               <a:pPr/>
-              <a:t>5/13/18</a:t>
+              <a:t>5/14/18</a:t>
             </a:fld>
             <a:endParaRPr lang="en-US" dirty="0"/>
           </a:p>
@@ -4579,7 +4583,7 @@
             <a:fld id="{8818C68F-D26B-8F47-958C-23B49CF8A634}" type="datetimeFigureOut">
               <a:rPr lang="en-US" dirty="0"/>
               <a:pPr/>
-              <a:t>5/13/18</a:t>
+              <a:t>5/14/18</a:t>
             </a:fld>
             <a:endParaRPr lang="en-US" dirty="0"/>
           </a:p>
@@ -4843,7 +4847,7 @@
           <a:ln/>
           <a:extLst>
             <a:ext uri="{91240B29-F687-4f45-9708-019B960494DF}">
-              <a14:hiddenLine xmlns="" xmlns:a14="http://schemas.microsoft.com/office/drawing/2010/main" w="9525">
+              <a14:hiddenLine xmlns:a14="http://schemas.microsoft.com/office/drawing/2010/main" xmlns="" w="9525">
                 <a:solidFill>
                   <a:srgbClr val="000000"/>
                 </a:solidFill>
@@ -5043,7 +5047,7 @@
             <a:fld id="{D0DF5E60-9974-AC48-9591-99C2BB44B7CF}" type="datetimeFigureOut">
               <a:rPr lang="en-US" dirty="0"/>
               <a:pPr/>
-              <a:t>5/13/18</a:t>
+              <a:t>5/14/18</a:t>
             </a:fld>
             <a:endParaRPr lang="en-US" dirty="0"/>
           </a:p>
@@ -5356,7 +5360,7 @@
             <a:fld id="{18C79C5D-2A6F-F04D-97DA-BEF2467B64E4}" type="datetimeFigureOut">
               <a:rPr lang="en-US" smtClean="0"/>
               <a:pPr/>
-              <a:t>5/13/18</a:t>
+              <a:t>5/14/18</a:t>
             </a:fld>
             <a:endParaRPr lang="en-US" dirty="0"/>
           </a:p>
@@ -5630,7 +5634,7 @@
             <a:fld id="{09B482E8-6E0E-1B4F-B1FD-C69DB9E858D9}" type="datetimeFigureOut">
               <a:rPr lang="en-US" dirty="0"/>
               <a:pPr/>
-              <a:t>5/13/18</a:t>
+              <a:t>5/14/18</a:t>
             </a:fld>
             <a:endParaRPr lang="en-US" dirty="0"/>
           </a:p>
@@ -6114,8 +6118,24 @@
           <a:lstStyle/>
           <a:p>
             <a:r>
-              <a:rPr lang="en-US" dirty="0"/>
-              <a:t>Mobile Offline Sync</a:t>
+              <a:rPr lang="en-CA" dirty="0"/>
+              <a:t>Build Conference, </a:t>
+            </a:r>
+            <a:r>
+              <a:rPr lang="en-CA" dirty="0" err="1"/>
+              <a:t>HttpTracer</a:t>
+            </a:r>
+            <a:r>
+              <a:rPr lang="en-CA" dirty="0"/>
+              <a:t>, </a:t>
+            </a:r>
+            <a:r>
+              <a:rPr lang="en-CA" dirty="0" err="1"/>
+              <a:t>Xamarin</a:t>
+            </a:r>
+            <a:r>
+              <a:rPr lang="en-CA" dirty="0"/>
+              <a:t> Forms 3.0</a:t>
             </a:r>
           </a:p>
         </p:txBody>
@@ -6470,16 +6490,21 @@
           <a:lstStyle/>
           <a:p>
             <a:r>
-              <a:rPr lang="en-US" dirty="0" err="1"/>
-              <a:t>HttpTracer</a:t>
-            </a:r>
-            <a:endParaRPr lang="en-US" dirty="0"/>
-          </a:p>
-        </p:txBody>
-      </p:sp>
-      <p:sp>
-        <p:nvSpPr>
-          <p:cNvPr id="5" name="Content Placeholder 4"/>
+              <a:rPr lang="en-US" dirty="0"/>
+              <a:t>Http Tracer Lib v-1.0.0</a:t>
+            </a:r>
+          </a:p>
+        </p:txBody>
+      </p:sp>
+      <p:sp>
+        <p:nvSpPr>
+          <p:cNvPr id="6" name="Content Placeholder 2">
+            <a:extLst>
+              <a:ext uri="{FF2B5EF4-FFF2-40B4-BE49-F238E27FC236}">
+                <a16:creationId xmlns:a16="http://schemas.microsoft.com/office/drawing/2014/main" id="{C5AD6D95-4EB7-6649-ABB6-86003EA31C7D}"/>
+              </a:ext>
+            </a:extLst>
+          </p:cNvPr>
           <p:cNvSpPr>
             <a:spLocks noGrp="1"/>
           </p:cNvSpPr>
@@ -6487,12 +6512,43 @@
             <p:ph idx="1"/>
           </p:nvPr>
         </p:nvSpPr>
-        <p:spPr/>
-        <p:txBody>
-          <a:bodyPr/>
+        <p:spPr>
+          <a:xfrm>
+            <a:off x="818711" y="2222287"/>
+            <a:ext cx="10655893" cy="3710162"/>
+          </a:xfrm>
+        </p:spPr>
+        <p:txBody>
+          <a:bodyPr>
+            <a:noAutofit/>
+          </a:bodyPr>
           <a:lstStyle/>
           <a:p>
-            <a:endParaRPr lang="en-US" dirty="0"/>
+            <a:r>
+              <a:rPr lang="en-US" sz="2400" dirty="0"/>
+              <a:t>Make our lives easier when debugging Http Calls</a:t>
+            </a:r>
+          </a:p>
+          <a:p>
+            <a:r>
+              <a:rPr lang="en-US" sz="2400" dirty="0"/>
+              <a:t>OSS</a:t>
+            </a:r>
+          </a:p>
+          <a:p>
+            <a:r>
+              <a:rPr lang="en-US" sz="2400" dirty="0"/>
+              <a:t>Easy to use and setup</a:t>
+            </a:r>
+          </a:p>
+          <a:p>
+            <a:r>
+              <a:rPr lang="en-US" sz="2400" dirty="0"/>
+              <a:t>Multi Target lib</a:t>
+            </a:r>
+          </a:p>
+          <a:p>
+            <a:endParaRPr lang="en-US" sz="2400" dirty="0"/>
           </a:p>
         </p:txBody>
       </p:sp>
@@ -6618,10 +6674,41 @@
       </p:grpSpPr>
       <p:sp>
         <p:nvSpPr>
-          <p:cNvPr id="2" name="Title 1">
+          <p:cNvPr id="4" name="Title 3"/>
+          <p:cNvSpPr>
+            <a:spLocks noGrp="1"/>
+          </p:cNvSpPr>
+          <p:nvPr>
+            <p:ph type="title"/>
+          </p:nvPr>
+        </p:nvSpPr>
+        <p:spPr/>
+        <p:txBody>
+          <a:bodyPr/>
+          <a:lstStyle/>
+          <a:p>
+            <a:r>
+              <a:rPr lang="en-US" dirty="0" err="1"/>
+              <a:t>HttpTracer</a:t>
+            </a:r>
+            <a:r>
+              <a:rPr lang="en-US" dirty="0"/>
+              <a:t> </a:t>
+            </a:r>
+            <a:r>
+              <a:rPr lang="en-CA" dirty="0"/>
+              <a:t>Improvements</a:t>
+            </a:r>
+            <a:endParaRPr lang="en-US" dirty="0"/>
+          </a:p>
+        </p:txBody>
+      </p:sp>
+      <p:sp>
+        <p:nvSpPr>
+          <p:cNvPr id="6" name="Content Placeholder 2">
             <a:extLst>
               <a:ext uri="{FF2B5EF4-FFF2-40B4-BE49-F238E27FC236}">
-                <a16:creationId xmlns:a16="http://schemas.microsoft.com/office/drawing/2014/main" id="{35C7633E-5210-5E47-9AA9-5C5E800C32F4}"/>
+                <a16:creationId xmlns:a16="http://schemas.microsoft.com/office/drawing/2014/main" id="{C5AD6D95-4EB7-6649-ABB6-86003EA31C7D}"/>
               </a:ext>
             </a:extLst>
           </p:cNvPr>
@@ -6629,53 +6716,46 @@
             <a:spLocks noGrp="1"/>
           </p:cNvSpPr>
           <p:nvPr>
-            <p:ph type="title"/>
-          </p:nvPr>
-        </p:nvSpPr>
-        <p:spPr/>
-        <p:txBody>
-          <a:bodyPr/>
+            <p:ph idx="1"/>
+          </p:nvPr>
+        </p:nvSpPr>
+        <p:spPr>
+          <a:xfrm>
+            <a:off x="818711" y="2222287"/>
+            <a:ext cx="10655893" cy="3710162"/>
+          </a:xfrm>
+        </p:spPr>
+        <p:txBody>
+          <a:bodyPr>
+            <a:noAutofit/>
+          </a:bodyPr>
           <a:lstStyle/>
           <a:p>
             <a:r>
-              <a:rPr lang="en-US" dirty="0"/>
-              <a:t>Microsoft Build 2018</a:t>
-            </a:r>
-          </a:p>
-        </p:txBody>
-      </p:sp>
-      <p:sp>
-        <p:nvSpPr>
-          <p:cNvPr id="3" name="Text Placeholder 2">
-            <a:extLst>
-              <a:ext uri="{FF2B5EF4-FFF2-40B4-BE49-F238E27FC236}">
-                <a16:creationId xmlns:a16="http://schemas.microsoft.com/office/drawing/2014/main" id="{90DE9B74-4623-6348-A380-C6472F59399C}"/>
-              </a:ext>
-            </a:extLst>
-          </p:cNvPr>
-          <p:cNvSpPr>
-            <a:spLocks noGrp="1"/>
-          </p:cNvSpPr>
-          <p:nvPr>
-            <p:ph type="body" idx="1"/>
-          </p:nvPr>
-        </p:nvSpPr>
-        <p:spPr/>
-        <p:txBody>
-          <a:bodyPr/>
-          <a:lstStyle/>
-          <a:p>
-            <a:r>
-              <a:rPr lang="en-US" dirty="0"/>
-              <a:t>Recap &amp; Announcements</a:t>
-            </a:r>
+              <a:rPr lang="en-CA" sz="2400" dirty="0"/>
+              <a:t>Cover types of requests like media</a:t>
+            </a:r>
+          </a:p>
+          <a:p>
+            <a:r>
+              <a:rPr lang="en-CA" sz="2400" dirty="0"/>
+              <a:t>Customise log text (simple, complex)</a:t>
+            </a:r>
+            <a:endParaRPr lang="en-US" sz="2400" dirty="0"/>
+          </a:p>
+          <a:p>
+            <a:r>
+              <a:rPr lang="en-CA" sz="2400" dirty="0"/>
+              <a:t>Make Visual studio extensions (Fiddler alike)</a:t>
+            </a:r>
+            <a:endParaRPr lang="en-US" sz="2400" dirty="0"/>
           </a:p>
         </p:txBody>
       </p:sp>
     </p:spTree>
     <p:extLst>
       <p:ext uri="{BB962C8B-B14F-4D97-AF65-F5344CB8AC3E}">
-        <p14:creationId xmlns:p14="http://schemas.microsoft.com/office/powerpoint/2010/main" val="3586196058"/>
+        <p14:creationId xmlns:p14="http://schemas.microsoft.com/office/powerpoint/2010/main" val="321494380"/>
       </p:ext>
     </p:extLst>
   </p:cSld>
@@ -6712,41 +6792,57 @@
             <p:ph type="title"/>
           </p:nvPr>
         </p:nvSpPr>
-        <p:spPr/>
+        <p:spPr>
+          <a:xfrm>
+            <a:off x="810000" y="447188"/>
+            <a:ext cx="10571998" cy="970450"/>
+          </a:xfrm>
+        </p:spPr>
         <p:txBody>
           <a:bodyPr/>
           <a:lstStyle/>
           <a:p>
             <a:r>
               <a:rPr lang="en-US" dirty="0"/>
-              <a:t>//build</a:t>
-            </a:r>
-          </a:p>
-        </p:txBody>
-      </p:sp>
-      <p:sp>
-        <p:nvSpPr>
-          <p:cNvPr id="5" name="Content Placeholder 4"/>
-          <p:cNvSpPr>
-            <a:spLocks noGrp="1"/>
-          </p:cNvSpPr>
-          <p:nvPr>
-            <p:ph idx="1"/>
-          </p:nvPr>
-        </p:nvSpPr>
-        <p:spPr/>
-        <p:txBody>
-          <a:bodyPr/>
-          <a:lstStyle/>
-          <a:p>
-            <a:endParaRPr lang="en-US" dirty="0"/>
-          </a:p>
-        </p:txBody>
-      </p:sp>
+              <a:t>Come contribute</a:t>
+            </a:r>
+          </a:p>
+        </p:txBody>
+      </p:sp>
+      <p:pic>
+        <p:nvPicPr>
+          <p:cNvPr id="3" name="Picture 2">
+            <a:extLst>
+              <a:ext uri="{FF2B5EF4-FFF2-40B4-BE49-F238E27FC236}">
+                <a16:creationId xmlns:a16="http://schemas.microsoft.com/office/drawing/2014/main" id="{94D9ECB6-5628-F545-98F0-417DC3C27E73}"/>
+              </a:ext>
+            </a:extLst>
+          </p:cNvPr>
+          <p:cNvPicPr>
+            <a:picLocks noChangeAspect="1"/>
+          </p:cNvPicPr>
+          <p:nvPr/>
+        </p:nvPicPr>
+        <p:blipFill>
+          <a:blip r:embed="rId2"/>
+          <a:stretch>
+            <a:fillRect/>
+          </a:stretch>
+        </p:blipFill>
+        <p:spPr>
+          <a:xfrm>
+            <a:off x="3468803" y="2768755"/>
+            <a:ext cx="4660435" cy="3101308"/>
+          </a:xfrm>
+          <a:prstGeom prst="rect">
+            <a:avLst/>
+          </a:prstGeom>
+        </p:spPr>
+      </p:pic>
     </p:spTree>
     <p:extLst>
       <p:ext uri="{BB962C8B-B14F-4D97-AF65-F5344CB8AC3E}">
-        <p14:creationId xmlns:p14="http://schemas.microsoft.com/office/powerpoint/2010/main" val="2810986831"/>
+        <p14:creationId xmlns:p14="http://schemas.microsoft.com/office/powerpoint/2010/main" val="934881386"/>
       </p:ext>
     </p:extLst>
   </p:cSld>
@@ -6795,12 +6891,8 @@
           <a:lstStyle/>
           <a:p>
             <a:r>
-              <a:rPr lang="en-US" dirty="0" err="1"/>
-              <a:t>Xamarin.Forms</a:t>
-            </a:r>
-            <a:r>
-              <a:rPr lang="en-US" dirty="0"/>
-              <a:t> 3.0</a:t>
+              <a:rPr lang="en-US" dirty="0"/>
+              <a:t>Microsoft Build 2018</a:t>
             </a:r>
           </a:p>
         </p:txBody>
@@ -6828,7 +6920,7 @@
           <a:p>
             <a:r>
               <a:rPr lang="en-US" dirty="0"/>
-              <a:t>What’s New?</a:t>
+              <a:t>Recap &amp; Announcements</a:t>
             </a:r>
           </a:p>
         </p:txBody>
@@ -6836,7 +6928,7 @@
     </p:spTree>
     <p:extLst>
       <p:ext uri="{BB962C8B-B14F-4D97-AF65-F5344CB8AC3E}">
-        <p14:creationId xmlns:p14="http://schemas.microsoft.com/office/powerpoint/2010/main" val="4250813406"/>
+        <p14:creationId xmlns:p14="http://schemas.microsoft.com/office/powerpoint/2010/main" val="3586196058"/>
       </p:ext>
     </p:extLst>
   </p:cSld>
@@ -6879,6 +6971,83 @@
           <a:lstStyle/>
           <a:p>
             <a:r>
+              <a:rPr lang="en-US" dirty="0"/>
+              <a:t>//build</a:t>
+            </a:r>
+          </a:p>
+        </p:txBody>
+      </p:sp>
+      <p:sp>
+        <p:nvSpPr>
+          <p:cNvPr id="5" name="Content Placeholder 4"/>
+          <p:cNvSpPr>
+            <a:spLocks noGrp="1"/>
+          </p:cNvSpPr>
+          <p:nvPr>
+            <p:ph idx="1"/>
+          </p:nvPr>
+        </p:nvSpPr>
+        <p:spPr/>
+        <p:txBody>
+          <a:bodyPr/>
+          <a:lstStyle/>
+          <a:p>
+            <a:endParaRPr lang="en-US" dirty="0"/>
+          </a:p>
+        </p:txBody>
+      </p:sp>
+    </p:spTree>
+    <p:extLst>
+      <p:ext uri="{BB962C8B-B14F-4D97-AF65-F5344CB8AC3E}">
+        <p14:creationId xmlns:p14="http://schemas.microsoft.com/office/powerpoint/2010/main" val="2810986831"/>
+      </p:ext>
+    </p:extLst>
+  </p:cSld>
+  <p:clrMapOvr>
+    <a:masterClrMapping/>
+  </p:clrMapOvr>
+</p:sld>
+</file>
+
+<file path=ppt/slides/slide18.xml><?xml version="1.0" encoding="utf-8"?>
+<p:sld xmlns:a="http://schemas.openxmlformats.org/drawingml/2006/main" xmlns:r="http://schemas.openxmlformats.org/officeDocument/2006/relationships" xmlns:p="http://schemas.openxmlformats.org/presentationml/2006/main">
+  <p:cSld>
+    <p:spTree>
+      <p:nvGrpSpPr>
+        <p:cNvPr id="1" name=""/>
+        <p:cNvGrpSpPr/>
+        <p:nvPr/>
+      </p:nvGrpSpPr>
+      <p:grpSpPr>
+        <a:xfrm>
+          <a:off x="0" y="0"/>
+          <a:ext cx="0" cy="0"/>
+          <a:chOff x="0" y="0"/>
+          <a:chExt cx="0" cy="0"/>
+        </a:xfrm>
+      </p:grpSpPr>
+      <p:sp>
+        <p:nvSpPr>
+          <p:cNvPr id="2" name="Title 1">
+            <a:extLst>
+              <a:ext uri="{FF2B5EF4-FFF2-40B4-BE49-F238E27FC236}">
+                <a16:creationId xmlns:a16="http://schemas.microsoft.com/office/drawing/2014/main" id="{35C7633E-5210-5E47-9AA9-5C5E800C32F4}"/>
+              </a:ext>
+            </a:extLst>
+          </p:cNvPr>
+          <p:cNvSpPr>
+            <a:spLocks noGrp="1"/>
+          </p:cNvSpPr>
+          <p:nvPr>
+            <p:ph type="title"/>
+          </p:nvPr>
+        </p:nvSpPr>
+        <p:spPr/>
+        <p:txBody>
+          <a:bodyPr/>
+          <a:lstStyle/>
+          <a:p>
+            <a:r>
               <a:rPr lang="en-US" dirty="0" err="1"/>
               <a:t>Xamarin.Forms</a:t>
             </a:r>
@@ -6891,12 +7060,18 @@
       </p:sp>
       <p:sp>
         <p:nvSpPr>
-          <p:cNvPr id="5" name="Content Placeholder 4"/>
-          <p:cNvSpPr>
-            <a:spLocks noGrp="1"/>
-          </p:cNvSpPr>
-          <p:nvPr>
-            <p:ph idx="1"/>
+          <p:cNvPr id="3" name="Text Placeholder 2">
+            <a:extLst>
+              <a:ext uri="{FF2B5EF4-FFF2-40B4-BE49-F238E27FC236}">
+                <a16:creationId xmlns:a16="http://schemas.microsoft.com/office/drawing/2014/main" id="{90DE9B74-4623-6348-A380-C6472F59399C}"/>
+              </a:ext>
+            </a:extLst>
+          </p:cNvPr>
+          <p:cNvSpPr>
+            <a:spLocks noGrp="1"/>
+          </p:cNvSpPr>
+          <p:nvPr>
+            <p:ph type="body" idx="1"/>
           </p:nvPr>
         </p:nvSpPr>
         <p:spPr/>
@@ -6904,7 +7079,133 @@
           <a:bodyPr/>
           <a:lstStyle/>
           <a:p>
-            <a:endParaRPr lang="en-US" dirty="0"/>
+            <a:r>
+              <a:rPr lang="en-US" dirty="0"/>
+              <a:t>What’s New?</a:t>
+            </a:r>
+          </a:p>
+        </p:txBody>
+      </p:sp>
+    </p:spTree>
+    <p:extLst>
+      <p:ext uri="{BB962C8B-B14F-4D97-AF65-F5344CB8AC3E}">
+        <p14:creationId xmlns:p14="http://schemas.microsoft.com/office/powerpoint/2010/main" val="4250813406"/>
+      </p:ext>
+    </p:extLst>
+  </p:cSld>
+  <p:clrMapOvr>
+    <a:masterClrMapping/>
+  </p:clrMapOvr>
+</p:sld>
+</file>
+
+<file path=ppt/slides/slide19.xml><?xml version="1.0" encoding="utf-8"?>
+<p:sld xmlns:a="http://schemas.openxmlformats.org/drawingml/2006/main" xmlns:r="http://schemas.openxmlformats.org/officeDocument/2006/relationships" xmlns:p="http://schemas.openxmlformats.org/presentationml/2006/main">
+  <p:cSld>
+    <p:spTree>
+      <p:nvGrpSpPr>
+        <p:cNvPr id="1" name=""/>
+        <p:cNvGrpSpPr/>
+        <p:nvPr/>
+      </p:nvGrpSpPr>
+      <p:grpSpPr>
+        <a:xfrm>
+          <a:off x="0" y="0"/>
+          <a:ext cx="0" cy="0"/>
+          <a:chOff x="0" y="0"/>
+          <a:chExt cx="0" cy="0"/>
+        </a:xfrm>
+      </p:grpSpPr>
+      <p:sp>
+        <p:nvSpPr>
+          <p:cNvPr id="4" name="Title 3"/>
+          <p:cNvSpPr>
+            <a:spLocks noGrp="1"/>
+          </p:cNvSpPr>
+          <p:nvPr>
+            <p:ph type="title"/>
+          </p:nvPr>
+        </p:nvSpPr>
+        <p:spPr/>
+        <p:txBody>
+          <a:bodyPr/>
+          <a:lstStyle/>
+          <a:p>
+            <a:r>
+              <a:rPr lang="en-US" dirty="0" err="1"/>
+              <a:t>Xamarin.Forms</a:t>
+            </a:r>
+            <a:r>
+              <a:rPr lang="en-US" dirty="0"/>
+              <a:t> 3.0</a:t>
+            </a:r>
+          </a:p>
+        </p:txBody>
+      </p:sp>
+      <p:sp>
+        <p:nvSpPr>
+          <p:cNvPr id="6" name="Content Placeholder 2">
+            <a:extLst>
+              <a:ext uri="{FF2B5EF4-FFF2-40B4-BE49-F238E27FC236}">
+                <a16:creationId xmlns:a16="http://schemas.microsoft.com/office/drawing/2014/main" id="{B74DA8F2-2D3F-8346-B61B-A67DEF5C707F}"/>
+              </a:ext>
+            </a:extLst>
+          </p:cNvPr>
+          <p:cNvSpPr>
+            <a:spLocks noGrp="1"/>
+          </p:cNvSpPr>
+          <p:nvPr>
+            <p:ph idx="1"/>
+          </p:nvPr>
+        </p:nvSpPr>
+        <p:spPr>
+          <a:xfrm>
+            <a:off x="818711" y="2222287"/>
+            <a:ext cx="10655893" cy="3710162"/>
+          </a:xfrm>
+        </p:spPr>
+        <p:txBody>
+          <a:bodyPr>
+            <a:noAutofit/>
+          </a:bodyPr>
+          <a:lstStyle/>
+          <a:p>
+            <a:r>
+              <a:rPr lang="en-CA" sz="2400" dirty="0"/>
+              <a:t>Globalization - Right to Left (RTL) flow direction for text, layouts, and images.</a:t>
+            </a:r>
+          </a:p>
+          <a:p>
+            <a:r>
+              <a:rPr lang="en-US" sz="2400" dirty="0"/>
+              <a:t>CSS - </a:t>
+            </a:r>
+            <a:r>
+              <a:rPr lang="en-CA" sz="2400" dirty="0"/>
+              <a:t>An alternative styling implementation to complement XAML styles and support</a:t>
+            </a:r>
+            <a:r>
+              <a:rPr lang="en-CA" dirty="0"/>
+              <a:t> </a:t>
+            </a:r>
+            <a:endParaRPr lang="en-US" sz="2400" dirty="0"/>
+          </a:p>
+          <a:p>
+            <a:r>
+              <a:rPr lang="en-CA" sz="2400" dirty="0" err="1"/>
+              <a:t>FlexLayout</a:t>
+            </a:r>
+            <a:r>
+              <a:rPr lang="en-CA" sz="2400" dirty="0"/>
+              <a:t>  - A flexible box layout container using</a:t>
+            </a:r>
+          </a:p>
+          <a:p>
+            <a:r>
+              <a:rPr lang="en-CA" sz="2400" dirty="0"/>
+              <a:t>Visual State Manager  - Specify states for a control to customize appearance and behavior.</a:t>
+            </a:r>
+            <a:endParaRPr lang="en-US" sz="2400" dirty="0"/>
           </a:p>
         </p:txBody>
       </p:sp>
@@ -6921,7 +7222,91 @@
 </p:sld>
 </file>
 
-<file path=ppt/slides/slide18.xml><?xml version="1.0" encoding="utf-8"?>
+<file path=ppt/slides/slide2.xml><?xml version="1.0" encoding="utf-8"?>
+<p:sld xmlns:a="http://schemas.openxmlformats.org/drawingml/2006/main" xmlns:r="http://schemas.openxmlformats.org/officeDocument/2006/relationships" xmlns:p="http://schemas.openxmlformats.org/presentationml/2006/main">
+  <p:cSld>
+    <p:spTree>
+      <p:nvGrpSpPr>
+        <p:cNvPr id="1" name=""/>
+        <p:cNvGrpSpPr/>
+        <p:nvPr/>
+      </p:nvGrpSpPr>
+      <p:grpSpPr>
+        <a:xfrm>
+          <a:off x="0" y="0"/>
+          <a:ext cx="0" cy="0"/>
+          <a:chOff x="0" y="0"/>
+          <a:chExt cx="0" cy="0"/>
+        </a:xfrm>
+      </p:grpSpPr>
+      <p:sp>
+        <p:nvSpPr>
+          <p:cNvPr id="2" name="Title 1"/>
+          <p:cNvSpPr>
+            <a:spLocks noGrp="1"/>
+          </p:cNvSpPr>
+          <p:nvPr>
+            <p:ph type="title"/>
+          </p:nvPr>
+        </p:nvSpPr>
+        <p:spPr/>
+        <p:txBody>
+          <a:bodyPr/>
+          <a:lstStyle/>
+          <a:p>
+            <a:r>
+              <a:rPr lang="en-US" dirty="0"/>
+              <a:t>Time &amp; Location</a:t>
+            </a:r>
+          </a:p>
+        </p:txBody>
+      </p:sp>
+      <p:sp>
+        <p:nvSpPr>
+          <p:cNvPr id="3" name="Content Placeholder 2"/>
+          <p:cNvSpPr>
+            <a:spLocks noGrp="1"/>
+          </p:cNvSpPr>
+          <p:nvPr>
+            <p:ph idx="1"/>
+          </p:nvPr>
+        </p:nvSpPr>
+        <p:spPr/>
+        <p:txBody>
+          <a:bodyPr/>
+          <a:lstStyle/>
+          <a:p>
+            <a:r>
+              <a:rPr lang="en-US" dirty="0"/>
+              <a:t>Third Tuesday of the month @ 6:00pm</a:t>
+            </a:r>
+          </a:p>
+          <a:p>
+            <a:r>
+              <a:rPr lang="en-US" dirty="0" err="1"/>
+              <a:t>HackerYou</a:t>
+            </a:r>
+            <a:r>
+              <a:rPr lang="en-US" dirty="0"/>
+              <a:t>, 485 Queen St West</a:t>
+            </a:r>
+          </a:p>
+        </p:txBody>
+      </p:sp>
+    </p:spTree>
+    <p:extLst>
+      <p:ext uri="{BB962C8B-B14F-4D97-AF65-F5344CB8AC3E}">
+        <p14:creationId xmlns:p14="http://schemas.microsoft.com/office/powerpoint/2010/main" val="45167416"/>
+      </p:ext>
+    </p:extLst>
+  </p:cSld>
+  <p:clrMapOvr>
+    <a:masterClrMapping/>
+  </p:clrMapOvr>
+</p:sld>
+</file>
+
+<file path=ppt/slides/slide20.xml><?xml version="1.0" encoding="utf-8"?>
 <p:sld xmlns:a="http://schemas.openxmlformats.org/drawingml/2006/main" xmlns:r="http://schemas.openxmlformats.org/officeDocument/2006/relationships" xmlns:p="http://schemas.openxmlformats.org/presentationml/2006/main">
   <p:cSld>
     <p:spTree>
@@ -7021,90 +7406,6 @@
     <p:extLst>
       <p:ext uri="{BB962C8B-B14F-4D97-AF65-F5344CB8AC3E}">
         <p14:creationId xmlns:p14="http://schemas.microsoft.com/office/powerpoint/2010/main" val="158586706"/>
-      </p:ext>
-    </p:extLst>
-  </p:cSld>
-  <p:clrMapOvr>
-    <a:masterClrMapping/>
-  </p:clrMapOvr>
-</p:sld>
-</file>
-
-<file path=ppt/slides/slide2.xml><?xml version="1.0" encoding="utf-8"?>
-<p:sld xmlns:a="http://schemas.openxmlformats.org/drawingml/2006/main" xmlns:r="http://schemas.openxmlformats.org/officeDocument/2006/relationships" xmlns:p="http://schemas.openxmlformats.org/presentationml/2006/main">
-  <p:cSld>
-    <p:spTree>
-      <p:nvGrpSpPr>
-        <p:cNvPr id="1" name=""/>
-        <p:cNvGrpSpPr/>
-        <p:nvPr/>
-      </p:nvGrpSpPr>
-      <p:grpSpPr>
-        <a:xfrm>
-          <a:off x="0" y="0"/>
-          <a:ext cx="0" cy="0"/>
-          <a:chOff x="0" y="0"/>
-          <a:chExt cx="0" cy="0"/>
-        </a:xfrm>
-      </p:grpSpPr>
-      <p:sp>
-        <p:nvSpPr>
-          <p:cNvPr id="2" name="Title 1"/>
-          <p:cNvSpPr>
-            <a:spLocks noGrp="1"/>
-          </p:cNvSpPr>
-          <p:nvPr>
-            <p:ph type="title"/>
-          </p:nvPr>
-        </p:nvSpPr>
-        <p:spPr/>
-        <p:txBody>
-          <a:bodyPr/>
-          <a:lstStyle/>
-          <a:p>
-            <a:r>
-              <a:rPr lang="en-US" dirty="0"/>
-              <a:t>Time &amp; Location</a:t>
-            </a:r>
-          </a:p>
-        </p:txBody>
-      </p:sp>
-      <p:sp>
-        <p:nvSpPr>
-          <p:cNvPr id="3" name="Content Placeholder 2"/>
-          <p:cNvSpPr>
-            <a:spLocks noGrp="1"/>
-          </p:cNvSpPr>
-          <p:nvPr>
-            <p:ph idx="1"/>
-          </p:nvPr>
-        </p:nvSpPr>
-        <p:spPr/>
-        <p:txBody>
-          <a:bodyPr/>
-          <a:lstStyle/>
-          <a:p>
-            <a:r>
-              <a:rPr lang="en-US" dirty="0"/>
-              <a:t>Third Tuesday of the month @ 6:00pm</a:t>
-            </a:r>
-          </a:p>
-          <a:p>
-            <a:r>
-              <a:rPr lang="en-US" dirty="0" err="1"/>
-              <a:t>HackerYou</a:t>
-            </a:r>
-            <a:r>
-              <a:rPr lang="en-US" dirty="0"/>
-              <a:t>, 485 Queen St West</a:t>
-            </a:r>
-          </a:p>
-        </p:txBody>
-      </p:sp>
-    </p:spTree>
-    <p:extLst>
-      <p:ext uri="{BB962C8B-B14F-4D97-AF65-F5344CB8AC3E}">
-        <p14:creationId xmlns:p14="http://schemas.microsoft.com/office/powerpoint/2010/main" val="45167416"/>
       </p:ext>
     </p:extLst>
   </p:cSld>

--- a/2018-05-15_Build_HttpTracer_XF3/2018-05-15_Build_HttpTracer_XF3.pptx
+++ b/2018-05-15_Build_HttpTracer_XF3/2018-05-15_Build_HttpTracer_XF3.pptx
@@ -5,7 +5,7 @@
     <p:sldMasterId id="2147483648" r:id="rId1"/>
   </p:sldMasterIdLst>
   <p:notesMasterIdLst>
-    <p:notesMasterId r:id="rId22"/>
+    <p:notesMasterId r:id="rId50"/>
   </p:notesMasterIdLst>
   <p:sldIdLst>
     <p:sldId id="256" r:id="rId2"/>
@@ -25,9 +25,37 @@
     <p:sldId id="346" r:id="rId16"/>
     <p:sldId id="332" r:id="rId17"/>
     <p:sldId id="342" r:id="rId18"/>
-    <p:sldId id="341" r:id="rId19"/>
-    <p:sldId id="343" r:id="rId20"/>
-    <p:sldId id="289" r:id="rId21"/>
+    <p:sldId id="349" r:id="rId19"/>
+    <p:sldId id="350" r:id="rId20"/>
+    <p:sldId id="351" r:id="rId21"/>
+    <p:sldId id="353" r:id="rId22"/>
+    <p:sldId id="347" r:id="rId23"/>
+    <p:sldId id="352" r:id="rId24"/>
+    <p:sldId id="354" r:id="rId25"/>
+    <p:sldId id="355" r:id="rId26"/>
+    <p:sldId id="356" r:id="rId27"/>
+    <p:sldId id="357" r:id="rId28"/>
+    <p:sldId id="358" r:id="rId29"/>
+    <p:sldId id="359" r:id="rId30"/>
+    <p:sldId id="363" r:id="rId31"/>
+    <p:sldId id="364" r:id="rId32"/>
+    <p:sldId id="365" r:id="rId33"/>
+    <p:sldId id="366" r:id="rId34"/>
+    <p:sldId id="367" r:id="rId35"/>
+    <p:sldId id="368" r:id="rId36"/>
+    <p:sldId id="370" r:id="rId37"/>
+    <p:sldId id="360" r:id="rId38"/>
+    <p:sldId id="361" r:id="rId39"/>
+    <p:sldId id="371" r:id="rId40"/>
+    <p:sldId id="362" r:id="rId41"/>
+    <p:sldId id="373" r:id="rId42"/>
+    <p:sldId id="372" r:id="rId43"/>
+    <p:sldId id="341" r:id="rId44"/>
+    <p:sldId id="343" r:id="rId45"/>
+    <p:sldId id="348" r:id="rId46"/>
+    <p:sldId id="375" r:id="rId47"/>
+    <p:sldId id="374" r:id="rId48"/>
+    <p:sldId id="289" r:id="rId49"/>
   </p:sldIdLst>
   <p:sldSz cx="12192000" cy="6858000"/>
   <p:notesSz cx="6858000" cy="9144000"/>
@@ -156,8 +184,36 @@
             <p14:sldId id="346"/>
             <p14:sldId id="332"/>
             <p14:sldId id="342"/>
+            <p14:sldId id="349"/>
+            <p14:sldId id="350"/>
+            <p14:sldId id="351"/>
+            <p14:sldId id="353"/>
+            <p14:sldId id="347"/>
+            <p14:sldId id="352"/>
+            <p14:sldId id="354"/>
+            <p14:sldId id="355"/>
+            <p14:sldId id="356"/>
+            <p14:sldId id="357"/>
+            <p14:sldId id="358"/>
+            <p14:sldId id="359"/>
+            <p14:sldId id="363"/>
+            <p14:sldId id="364"/>
+            <p14:sldId id="365"/>
+            <p14:sldId id="366"/>
+            <p14:sldId id="367"/>
+            <p14:sldId id="368"/>
+            <p14:sldId id="370"/>
+            <p14:sldId id="360"/>
+            <p14:sldId id="361"/>
+            <p14:sldId id="371"/>
+            <p14:sldId id="362"/>
+            <p14:sldId id="373"/>
+            <p14:sldId id="372"/>
             <p14:sldId id="341"/>
             <p14:sldId id="343"/>
+            <p14:sldId id="348"/>
+            <p14:sldId id="375"/>
+            <p14:sldId id="374"/>
           </p14:sldIdLst>
         </p14:section>
         <p14:section name="Closing" id="{7372B6C0-ECC0-1D48-AE2C-E949F83D2548}">
@@ -587,38 +643,7 @@
           <a:bodyPr/>
           <a:lstStyle/>
           <a:p>
-            <a:pPr lvl="1"/>
-            <a:r>
-              <a:rPr lang="en-US" dirty="0"/>
-              <a:t>Technical</a:t>
-            </a:r>
-          </a:p>
-          <a:p>
-            <a:pPr lvl="1"/>
-            <a:r>
-              <a:rPr lang="en-US" dirty="0"/>
-              <a:t>Marketing/Adoption</a:t>
-            </a:r>
-          </a:p>
-          <a:p>
-            <a:pPr lvl="1"/>
-            <a:r>
-              <a:rPr lang="en-US" dirty="0"/>
-              <a:t>Usability</a:t>
-            </a:r>
-          </a:p>
-          <a:p>
-            <a:r>
-              <a:rPr lang="en-US" dirty="0"/>
-              <a:t>HELP! I can’t do this all by myself </a:t>
-            </a:r>
-            <a:r>
-              <a:rPr lang="en-US" dirty="0">
-                <a:sym typeface="Wingdings"/>
-              </a:rPr>
-              <a:t></a:t>
-            </a:r>
-            <a:endParaRPr lang="en-US" dirty="0"/>
+            <a:endParaRPr lang="en-US"/>
           </a:p>
         </p:txBody>
       </p:sp>
@@ -639,7 +664,7 @@
           <a:p>
             <a:fld id="{B4A2F2D2-68CD-A44C-B834-D97B08098101}" type="slidenum">
               <a:rPr lang="en-US" smtClean="0"/>
-              <a:t>4</a:t>
+              <a:t>2</a:t>
             </a:fld>
             <a:endParaRPr lang="en-US"/>
           </a:p>
@@ -648,7 +673,847 @@
     </p:spTree>
     <p:extLst>
       <p:ext uri="{BB962C8B-B14F-4D97-AF65-F5344CB8AC3E}">
-        <p14:creationId xmlns:p14="http://schemas.microsoft.com/office/powerpoint/2010/main" val="1176534711"/>
+        <p14:creationId xmlns:p14="http://schemas.microsoft.com/office/powerpoint/2010/main" val="36729869"/>
+      </p:ext>
+    </p:extLst>
+  </p:cSld>
+  <p:clrMapOvr>
+    <a:masterClrMapping/>
+  </p:clrMapOvr>
+</p:notes>
+</file>
+
+<file path=ppt/notesSlides/notesSlide10.xml><?xml version="1.0" encoding="utf-8"?>
+<p:notes xmlns:a="http://schemas.openxmlformats.org/drawingml/2006/main" xmlns:r="http://schemas.openxmlformats.org/officeDocument/2006/relationships" xmlns:p="http://schemas.openxmlformats.org/presentationml/2006/main">
+  <p:cSld>
+    <p:spTree>
+      <p:nvGrpSpPr>
+        <p:cNvPr id="1" name=""/>
+        <p:cNvGrpSpPr/>
+        <p:nvPr/>
+      </p:nvGrpSpPr>
+      <p:grpSpPr>
+        <a:xfrm>
+          <a:off x="0" y="0"/>
+          <a:ext cx="0" cy="0"/>
+          <a:chOff x="0" y="0"/>
+          <a:chExt cx="0" cy="0"/>
+        </a:xfrm>
+      </p:grpSpPr>
+      <p:sp>
+        <p:nvSpPr>
+          <p:cNvPr id="2" name="Slide Image Placeholder 1"/>
+          <p:cNvSpPr>
+            <a:spLocks noGrp="1" noRot="1" noChangeAspect="1"/>
+          </p:cNvSpPr>
+          <p:nvPr>
+            <p:ph type="sldImg"/>
+          </p:nvPr>
+        </p:nvSpPr>
+        <p:spPr/>
+      </p:sp>
+      <p:sp>
+        <p:nvSpPr>
+          <p:cNvPr id="3" name="Notes Placeholder 2"/>
+          <p:cNvSpPr>
+            <a:spLocks noGrp="1"/>
+          </p:cNvSpPr>
+          <p:nvPr>
+            <p:ph type="body" idx="1"/>
+          </p:nvPr>
+        </p:nvSpPr>
+        <p:spPr/>
+        <p:txBody>
+          <a:bodyPr/>
+          <a:lstStyle/>
+          <a:p>
+            <a:endParaRPr lang="en-US"/>
+          </a:p>
+        </p:txBody>
+      </p:sp>
+      <p:sp>
+        <p:nvSpPr>
+          <p:cNvPr id="4" name="Slide Number Placeholder 3"/>
+          <p:cNvSpPr>
+            <a:spLocks noGrp="1"/>
+          </p:cNvSpPr>
+          <p:nvPr>
+            <p:ph type="sldNum" sz="quarter" idx="10"/>
+          </p:nvPr>
+        </p:nvSpPr>
+        <p:spPr/>
+        <p:txBody>
+          <a:bodyPr/>
+          <a:lstStyle/>
+          <a:p>
+            <a:fld id="{B4A2F2D2-68CD-A44C-B834-D97B08098101}" type="slidenum">
+              <a:rPr lang="en-US" smtClean="0"/>
+              <a:t>16</a:t>
+            </a:fld>
+            <a:endParaRPr lang="en-US"/>
+          </a:p>
+        </p:txBody>
+      </p:sp>
+    </p:spTree>
+    <p:extLst>
+      <p:ext uri="{BB962C8B-B14F-4D97-AF65-F5344CB8AC3E}">
+        <p14:creationId xmlns:p14="http://schemas.microsoft.com/office/powerpoint/2010/main" val="1180250324"/>
+      </p:ext>
+    </p:extLst>
+  </p:cSld>
+  <p:clrMapOvr>
+    <a:masterClrMapping/>
+  </p:clrMapOvr>
+</p:notes>
+</file>
+
+<file path=ppt/notesSlides/notesSlide11.xml><?xml version="1.0" encoding="utf-8"?>
+<p:notes xmlns:a="http://schemas.openxmlformats.org/drawingml/2006/main" xmlns:r="http://schemas.openxmlformats.org/officeDocument/2006/relationships" xmlns:p="http://schemas.openxmlformats.org/presentationml/2006/main">
+  <p:cSld>
+    <p:spTree>
+      <p:nvGrpSpPr>
+        <p:cNvPr id="1" name=""/>
+        <p:cNvGrpSpPr/>
+        <p:nvPr/>
+      </p:nvGrpSpPr>
+      <p:grpSpPr>
+        <a:xfrm>
+          <a:off x="0" y="0"/>
+          <a:ext cx="0" cy="0"/>
+          <a:chOff x="0" y="0"/>
+          <a:chExt cx="0" cy="0"/>
+        </a:xfrm>
+      </p:grpSpPr>
+      <p:sp>
+        <p:nvSpPr>
+          <p:cNvPr id="2" name="Slide Image Placeholder 1"/>
+          <p:cNvSpPr>
+            <a:spLocks noGrp="1" noRot="1" noChangeAspect="1"/>
+          </p:cNvSpPr>
+          <p:nvPr>
+            <p:ph type="sldImg"/>
+          </p:nvPr>
+        </p:nvSpPr>
+        <p:spPr/>
+      </p:sp>
+      <p:sp>
+        <p:nvSpPr>
+          <p:cNvPr id="3" name="Notes Placeholder 2"/>
+          <p:cNvSpPr>
+            <a:spLocks noGrp="1"/>
+          </p:cNvSpPr>
+          <p:nvPr>
+            <p:ph type="body" idx="1"/>
+          </p:nvPr>
+        </p:nvSpPr>
+        <p:spPr/>
+        <p:txBody>
+          <a:bodyPr/>
+          <a:lstStyle/>
+          <a:p>
+            <a:endParaRPr lang="en-US"/>
+          </a:p>
+        </p:txBody>
+      </p:sp>
+      <p:sp>
+        <p:nvSpPr>
+          <p:cNvPr id="4" name="Slide Number Placeholder 3"/>
+          <p:cNvSpPr>
+            <a:spLocks noGrp="1"/>
+          </p:cNvSpPr>
+          <p:nvPr>
+            <p:ph type="sldNum" sz="quarter" idx="10"/>
+          </p:nvPr>
+        </p:nvSpPr>
+        <p:spPr/>
+        <p:txBody>
+          <a:bodyPr/>
+          <a:lstStyle/>
+          <a:p>
+            <a:fld id="{B4A2F2D2-68CD-A44C-B834-D97B08098101}" type="slidenum">
+              <a:rPr lang="en-US" smtClean="0"/>
+              <a:t>17</a:t>
+            </a:fld>
+            <a:endParaRPr lang="en-US"/>
+          </a:p>
+        </p:txBody>
+      </p:sp>
+    </p:spTree>
+    <p:extLst>
+      <p:ext uri="{BB962C8B-B14F-4D97-AF65-F5344CB8AC3E}">
+        <p14:creationId xmlns:p14="http://schemas.microsoft.com/office/powerpoint/2010/main" val="777745382"/>
+      </p:ext>
+    </p:extLst>
+  </p:cSld>
+  <p:clrMapOvr>
+    <a:masterClrMapping/>
+  </p:clrMapOvr>
+</p:notes>
+</file>
+
+<file path=ppt/notesSlides/notesSlide12.xml><?xml version="1.0" encoding="utf-8"?>
+<p:notes xmlns:a="http://schemas.openxmlformats.org/drawingml/2006/main" xmlns:r="http://schemas.openxmlformats.org/officeDocument/2006/relationships" xmlns:p="http://schemas.openxmlformats.org/presentationml/2006/main">
+  <p:cSld>
+    <p:spTree>
+      <p:nvGrpSpPr>
+        <p:cNvPr id="1" name=""/>
+        <p:cNvGrpSpPr/>
+        <p:nvPr/>
+      </p:nvGrpSpPr>
+      <p:grpSpPr>
+        <a:xfrm>
+          <a:off x="0" y="0"/>
+          <a:ext cx="0" cy="0"/>
+          <a:chOff x="0" y="0"/>
+          <a:chExt cx="0" cy="0"/>
+        </a:xfrm>
+      </p:grpSpPr>
+      <p:sp>
+        <p:nvSpPr>
+          <p:cNvPr id="2" name="Slide Image Placeholder 1"/>
+          <p:cNvSpPr>
+            <a:spLocks noGrp="1" noRot="1" noChangeAspect="1"/>
+          </p:cNvSpPr>
+          <p:nvPr>
+            <p:ph type="sldImg"/>
+          </p:nvPr>
+        </p:nvSpPr>
+        <p:spPr/>
+      </p:sp>
+      <p:sp>
+        <p:nvSpPr>
+          <p:cNvPr id="3" name="Notes Placeholder 2"/>
+          <p:cNvSpPr>
+            <a:spLocks noGrp="1"/>
+          </p:cNvSpPr>
+          <p:nvPr>
+            <p:ph type="body" idx="1"/>
+          </p:nvPr>
+        </p:nvSpPr>
+        <p:spPr/>
+        <p:txBody>
+          <a:bodyPr/>
+          <a:lstStyle/>
+          <a:p>
+            <a:endParaRPr lang="en-US"/>
+          </a:p>
+        </p:txBody>
+      </p:sp>
+      <p:sp>
+        <p:nvSpPr>
+          <p:cNvPr id="4" name="Slide Number Placeholder 3"/>
+          <p:cNvSpPr>
+            <a:spLocks noGrp="1"/>
+          </p:cNvSpPr>
+          <p:nvPr>
+            <p:ph type="sldNum" sz="quarter" idx="10"/>
+          </p:nvPr>
+        </p:nvSpPr>
+        <p:spPr/>
+        <p:txBody>
+          <a:bodyPr/>
+          <a:lstStyle/>
+          <a:p>
+            <a:fld id="{B4A2F2D2-68CD-A44C-B834-D97B08098101}" type="slidenum">
+              <a:rPr lang="en-US" smtClean="0"/>
+              <a:t>18</a:t>
+            </a:fld>
+            <a:endParaRPr lang="en-US"/>
+          </a:p>
+        </p:txBody>
+      </p:sp>
+    </p:spTree>
+    <p:extLst>
+      <p:ext uri="{BB962C8B-B14F-4D97-AF65-F5344CB8AC3E}">
+        <p14:creationId xmlns:p14="http://schemas.microsoft.com/office/powerpoint/2010/main" val="601295036"/>
+      </p:ext>
+    </p:extLst>
+  </p:cSld>
+  <p:clrMapOvr>
+    <a:masterClrMapping/>
+  </p:clrMapOvr>
+</p:notes>
+</file>
+
+<file path=ppt/notesSlides/notesSlide13.xml><?xml version="1.0" encoding="utf-8"?>
+<p:notes xmlns:a="http://schemas.openxmlformats.org/drawingml/2006/main" xmlns:r="http://schemas.openxmlformats.org/officeDocument/2006/relationships" xmlns:p="http://schemas.openxmlformats.org/presentationml/2006/main">
+  <p:cSld>
+    <p:spTree>
+      <p:nvGrpSpPr>
+        <p:cNvPr id="1" name=""/>
+        <p:cNvGrpSpPr/>
+        <p:nvPr/>
+      </p:nvGrpSpPr>
+      <p:grpSpPr>
+        <a:xfrm>
+          <a:off x="0" y="0"/>
+          <a:ext cx="0" cy="0"/>
+          <a:chOff x="0" y="0"/>
+          <a:chExt cx="0" cy="0"/>
+        </a:xfrm>
+      </p:grpSpPr>
+      <p:sp>
+        <p:nvSpPr>
+          <p:cNvPr id="2" name="Slide Image Placeholder 1"/>
+          <p:cNvSpPr>
+            <a:spLocks noGrp="1" noRot="1" noChangeAspect="1"/>
+          </p:cNvSpPr>
+          <p:nvPr>
+            <p:ph type="sldImg"/>
+          </p:nvPr>
+        </p:nvSpPr>
+        <p:spPr/>
+      </p:sp>
+      <p:sp>
+        <p:nvSpPr>
+          <p:cNvPr id="3" name="Notes Placeholder 2"/>
+          <p:cNvSpPr>
+            <a:spLocks noGrp="1"/>
+          </p:cNvSpPr>
+          <p:nvPr>
+            <p:ph type="body" idx="1"/>
+          </p:nvPr>
+        </p:nvSpPr>
+        <p:spPr/>
+        <p:txBody>
+          <a:bodyPr/>
+          <a:lstStyle/>
+          <a:p>
+            <a:endParaRPr lang="en-US"/>
+          </a:p>
+        </p:txBody>
+      </p:sp>
+      <p:sp>
+        <p:nvSpPr>
+          <p:cNvPr id="4" name="Slide Number Placeholder 3"/>
+          <p:cNvSpPr>
+            <a:spLocks noGrp="1"/>
+          </p:cNvSpPr>
+          <p:nvPr>
+            <p:ph type="sldNum" sz="quarter" idx="10"/>
+          </p:nvPr>
+        </p:nvSpPr>
+        <p:spPr/>
+        <p:txBody>
+          <a:bodyPr/>
+          <a:lstStyle/>
+          <a:p>
+            <a:fld id="{B4A2F2D2-68CD-A44C-B834-D97B08098101}" type="slidenum">
+              <a:rPr lang="en-US" smtClean="0"/>
+              <a:t>19</a:t>
+            </a:fld>
+            <a:endParaRPr lang="en-US"/>
+          </a:p>
+        </p:txBody>
+      </p:sp>
+    </p:spTree>
+    <p:extLst>
+      <p:ext uri="{BB962C8B-B14F-4D97-AF65-F5344CB8AC3E}">
+        <p14:creationId xmlns:p14="http://schemas.microsoft.com/office/powerpoint/2010/main" val="2388904039"/>
+      </p:ext>
+    </p:extLst>
+  </p:cSld>
+  <p:clrMapOvr>
+    <a:masterClrMapping/>
+  </p:clrMapOvr>
+</p:notes>
+</file>
+
+<file path=ppt/notesSlides/notesSlide14.xml><?xml version="1.0" encoding="utf-8"?>
+<p:notes xmlns:a="http://schemas.openxmlformats.org/drawingml/2006/main" xmlns:r="http://schemas.openxmlformats.org/officeDocument/2006/relationships" xmlns:p="http://schemas.openxmlformats.org/presentationml/2006/main">
+  <p:cSld>
+    <p:spTree>
+      <p:nvGrpSpPr>
+        <p:cNvPr id="1" name=""/>
+        <p:cNvGrpSpPr/>
+        <p:nvPr/>
+      </p:nvGrpSpPr>
+      <p:grpSpPr>
+        <a:xfrm>
+          <a:off x="0" y="0"/>
+          <a:ext cx="0" cy="0"/>
+          <a:chOff x="0" y="0"/>
+          <a:chExt cx="0" cy="0"/>
+        </a:xfrm>
+      </p:grpSpPr>
+      <p:sp>
+        <p:nvSpPr>
+          <p:cNvPr id="2" name="Slide Image Placeholder 1"/>
+          <p:cNvSpPr>
+            <a:spLocks noGrp="1" noRot="1" noChangeAspect="1"/>
+          </p:cNvSpPr>
+          <p:nvPr>
+            <p:ph type="sldImg"/>
+          </p:nvPr>
+        </p:nvSpPr>
+        <p:spPr/>
+      </p:sp>
+      <p:sp>
+        <p:nvSpPr>
+          <p:cNvPr id="3" name="Notes Placeholder 2"/>
+          <p:cNvSpPr>
+            <a:spLocks noGrp="1"/>
+          </p:cNvSpPr>
+          <p:nvPr>
+            <p:ph type="body" idx="1"/>
+          </p:nvPr>
+        </p:nvSpPr>
+        <p:spPr/>
+        <p:txBody>
+          <a:bodyPr/>
+          <a:lstStyle/>
+          <a:p>
+            <a:endParaRPr lang="en-US"/>
+          </a:p>
+        </p:txBody>
+      </p:sp>
+      <p:sp>
+        <p:nvSpPr>
+          <p:cNvPr id="4" name="Slide Number Placeholder 3"/>
+          <p:cNvSpPr>
+            <a:spLocks noGrp="1"/>
+          </p:cNvSpPr>
+          <p:nvPr>
+            <p:ph type="sldNum" sz="quarter" idx="10"/>
+          </p:nvPr>
+        </p:nvSpPr>
+        <p:spPr/>
+        <p:txBody>
+          <a:bodyPr/>
+          <a:lstStyle/>
+          <a:p>
+            <a:fld id="{B4A2F2D2-68CD-A44C-B834-D97B08098101}" type="slidenum">
+              <a:rPr lang="en-US" smtClean="0"/>
+              <a:t>20</a:t>
+            </a:fld>
+            <a:endParaRPr lang="en-US"/>
+          </a:p>
+        </p:txBody>
+      </p:sp>
+    </p:spTree>
+    <p:extLst>
+      <p:ext uri="{BB962C8B-B14F-4D97-AF65-F5344CB8AC3E}">
+        <p14:creationId xmlns:p14="http://schemas.microsoft.com/office/powerpoint/2010/main" val="2544071924"/>
+      </p:ext>
+    </p:extLst>
+  </p:cSld>
+  <p:clrMapOvr>
+    <a:masterClrMapping/>
+  </p:clrMapOvr>
+</p:notes>
+</file>
+
+<file path=ppt/notesSlides/notesSlide15.xml><?xml version="1.0" encoding="utf-8"?>
+<p:notes xmlns:a="http://schemas.openxmlformats.org/drawingml/2006/main" xmlns:r="http://schemas.openxmlformats.org/officeDocument/2006/relationships" xmlns:p="http://schemas.openxmlformats.org/presentationml/2006/main">
+  <p:cSld>
+    <p:spTree>
+      <p:nvGrpSpPr>
+        <p:cNvPr id="1" name=""/>
+        <p:cNvGrpSpPr/>
+        <p:nvPr/>
+      </p:nvGrpSpPr>
+      <p:grpSpPr>
+        <a:xfrm>
+          <a:off x="0" y="0"/>
+          <a:ext cx="0" cy="0"/>
+          <a:chOff x="0" y="0"/>
+          <a:chExt cx="0" cy="0"/>
+        </a:xfrm>
+      </p:grpSpPr>
+      <p:sp>
+        <p:nvSpPr>
+          <p:cNvPr id="2" name="Slide Image Placeholder 1"/>
+          <p:cNvSpPr>
+            <a:spLocks noGrp="1" noRot="1" noChangeAspect="1"/>
+          </p:cNvSpPr>
+          <p:nvPr>
+            <p:ph type="sldImg"/>
+          </p:nvPr>
+        </p:nvSpPr>
+        <p:spPr/>
+      </p:sp>
+      <p:sp>
+        <p:nvSpPr>
+          <p:cNvPr id="3" name="Notes Placeholder 2"/>
+          <p:cNvSpPr>
+            <a:spLocks noGrp="1"/>
+          </p:cNvSpPr>
+          <p:nvPr>
+            <p:ph type="body" idx="1"/>
+          </p:nvPr>
+        </p:nvSpPr>
+        <p:spPr/>
+        <p:txBody>
+          <a:bodyPr/>
+          <a:lstStyle/>
+          <a:p>
+            <a:endParaRPr lang="en-US"/>
+          </a:p>
+        </p:txBody>
+      </p:sp>
+      <p:sp>
+        <p:nvSpPr>
+          <p:cNvPr id="4" name="Slide Number Placeholder 3"/>
+          <p:cNvSpPr>
+            <a:spLocks noGrp="1"/>
+          </p:cNvSpPr>
+          <p:nvPr>
+            <p:ph type="sldNum" sz="quarter" idx="10"/>
+          </p:nvPr>
+        </p:nvSpPr>
+        <p:spPr/>
+        <p:txBody>
+          <a:bodyPr/>
+          <a:lstStyle/>
+          <a:p>
+            <a:fld id="{B4A2F2D2-68CD-A44C-B834-D97B08098101}" type="slidenum">
+              <a:rPr lang="en-US" smtClean="0"/>
+              <a:t>21</a:t>
+            </a:fld>
+            <a:endParaRPr lang="en-US"/>
+          </a:p>
+        </p:txBody>
+      </p:sp>
+    </p:spTree>
+    <p:extLst>
+      <p:ext uri="{BB962C8B-B14F-4D97-AF65-F5344CB8AC3E}">
+        <p14:creationId xmlns:p14="http://schemas.microsoft.com/office/powerpoint/2010/main" val="3684092884"/>
+      </p:ext>
+    </p:extLst>
+  </p:cSld>
+  <p:clrMapOvr>
+    <a:masterClrMapping/>
+  </p:clrMapOvr>
+</p:notes>
+</file>
+
+<file path=ppt/notesSlides/notesSlide16.xml><?xml version="1.0" encoding="utf-8"?>
+<p:notes xmlns:a="http://schemas.openxmlformats.org/drawingml/2006/main" xmlns:r="http://schemas.openxmlformats.org/officeDocument/2006/relationships" xmlns:p="http://schemas.openxmlformats.org/presentationml/2006/main">
+  <p:cSld>
+    <p:spTree>
+      <p:nvGrpSpPr>
+        <p:cNvPr id="1" name=""/>
+        <p:cNvGrpSpPr/>
+        <p:nvPr/>
+      </p:nvGrpSpPr>
+      <p:grpSpPr>
+        <a:xfrm>
+          <a:off x="0" y="0"/>
+          <a:ext cx="0" cy="0"/>
+          <a:chOff x="0" y="0"/>
+          <a:chExt cx="0" cy="0"/>
+        </a:xfrm>
+      </p:grpSpPr>
+      <p:sp>
+        <p:nvSpPr>
+          <p:cNvPr id="2" name="Slide Image Placeholder 1"/>
+          <p:cNvSpPr>
+            <a:spLocks noGrp="1" noRot="1" noChangeAspect="1"/>
+          </p:cNvSpPr>
+          <p:nvPr>
+            <p:ph type="sldImg"/>
+          </p:nvPr>
+        </p:nvSpPr>
+        <p:spPr/>
+      </p:sp>
+      <p:sp>
+        <p:nvSpPr>
+          <p:cNvPr id="3" name="Notes Placeholder 2"/>
+          <p:cNvSpPr>
+            <a:spLocks noGrp="1"/>
+          </p:cNvSpPr>
+          <p:nvPr>
+            <p:ph type="body" idx="1"/>
+          </p:nvPr>
+        </p:nvSpPr>
+        <p:spPr/>
+        <p:txBody>
+          <a:bodyPr/>
+          <a:lstStyle/>
+          <a:p>
+            <a:endParaRPr lang="en-US"/>
+          </a:p>
+        </p:txBody>
+      </p:sp>
+      <p:sp>
+        <p:nvSpPr>
+          <p:cNvPr id="4" name="Slide Number Placeholder 3"/>
+          <p:cNvSpPr>
+            <a:spLocks noGrp="1"/>
+          </p:cNvSpPr>
+          <p:nvPr>
+            <p:ph type="sldNum" sz="quarter" idx="10"/>
+          </p:nvPr>
+        </p:nvSpPr>
+        <p:spPr/>
+        <p:txBody>
+          <a:bodyPr/>
+          <a:lstStyle/>
+          <a:p>
+            <a:fld id="{B4A2F2D2-68CD-A44C-B834-D97B08098101}" type="slidenum">
+              <a:rPr lang="en-US" smtClean="0"/>
+              <a:t>22</a:t>
+            </a:fld>
+            <a:endParaRPr lang="en-US"/>
+          </a:p>
+        </p:txBody>
+      </p:sp>
+    </p:spTree>
+    <p:extLst>
+      <p:ext uri="{BB962C8B-B14F-4D97-AF65-F5344CB8AC3E}">
+        <p14:creationId xmlns:p14="http://schemas.microsoft.com/office/powerpoint/2010/main" val="1414816992"/>
+      </p:ext>
+    </p:extLst>
+  </p:cSld>
+  <p:clrMapOvr>
+    <a:masterClrMapping/>
+  </p:clrMapOvr>
+</p:notes>
+</file>
+
+<file path=ppt/notesSlides/notesSlide17.xml><?xml version="1.0" encoding="utf-8"?>
+<p:notes xmlns:a="http://schemas.openxmlformats.org/drawingml/2006/main" xmlns:r="http://schemas.openxmlformats.org/officeDocument/2006/relationships" xmlns:p="http://schemas.openxmlformats.org/presentationml/2006/main">
+  <p:cSld>
+    <p:spTree>
+      <p:nvGrpSpPr>
+        <p:cNvPr id="1" name=""/>
+        <p:cNvGrpSpPr/>
+        <p:nvPr/>
+      </p:nvGrpSpPr>
+      <p:grpSpPr>
+        <a:xfrm>
+          <a:off x="0" y="0"/>
+          <a:ext cx="0" cy="0"/>
+          <a:chOff x="0" y="0"/>
+          <a:chExt cx="0" cy="0"/>
+        </a:xfrm>
+      </p:grpSpPr>
+      <p:sp>
+        <p:nvSpPr>
+          <p:cNvPr id="2" name="Slide Image Placeholder 1"/>
+          <p:cNvSpPr>
+            <a:spLocks noGrp="1" noRot="1" noChangeAspect="1"/>
+          </p:cNvSpPr>
+          <p:nvPr>
+            <p:ph type="sldImg"/>
+          </p:nvPr>
+        </p:nvSpPr>
+        <p:spPr/>
+      </p:sp>
+      <p:sp>
+        <p:nvSpPr>
+          <p:cNvPr id="3" name="Notes Placeholder 2"/>
+          <p:cNvSpPr>
+            <a:spLocks noGrp="1"/>
+          </p:cNvSpPr>
+          <p:nvPr>
+            <p:ph type="body" idx="1"/>
+          </p:nvPr>
+        </p:nvSpPr>
+        <p:spPr/>
+        <p:txBody>
+          <a:bodyPr/>
+          <a:lstStyle/>
+          <a:p>
+            <a:endParaRPr lang="en-US"/>
+          </a:p>
+        </p:txBody>
+      </p:sp>
+      <p:sp>
+        <p:nvSpPr>
+          <p:cNvPr id="4" name="Slide Number Placeholder 3"/>
+          <p:cNvSpPr>
+            <a:spLocks noGrp="1"/>
+          </p:cNvSpPr>
+          <p:nvPr>
+            <p:ph type="sldNum" sz="quarter" idx="10"/>
+          </p:nvPr>
+        </p:nvSpPr>
+        <p:spPr/>
+        <p:txBody>
+          <a:bodyPr/>
+          <a:lstStyle/>
+          <a:p>
+            <a:fld id="{B4A2F2D2-68CD-A44C-B834-D97B08098101}" type="slidenum">
+              <a:rPr lang="en-US" smtClean="0"/>
+              <a:t>23</a:t>
+            </a:fld>
+            <a:endParaRPr lang="en-US"/>
+          </a:p>
+        </p:txBody>
+      </p:sp>
+    </p:spTree>
+    <p:extLst>
+      <p:ext uri="{BB962C8B-B14F-4D97-AF65-F5344CB8AC3E}">
+        <p14:creationId xmlns:p14="http://schemas.microsoft.com/office/powerpoint/2010/main" val="136286428"/>
+      </p:ext>
+    </p:extLst>
+  </p:cSld>
+  <p:clrMapOvr>
+    <a:masterClrMapping/>
+  </p:clrMapOvr>
+</p:notes>
+</file>
+
+<file path=ppt/notesSlides/notesSlide18.xml><?xml version="1.0" encoding="utf-8"?>
+<p:notes xmlns:a="http://schemas.openxmlformats.org/drawingml/2006/main" xmlns:r="http://schemas.openxmlformats.org/officeDocument/2006/relationships" xmlns:p="http://schemas.openxmlformats.org/presentationml/2006/main">
+  <p:cSld>
+    <p:spTree>
+      <p:nvGrpSpPr>
+        <p:cNvPr id="1" name=""/>
+        <p:cNvGrpSpPr/>
+        <p:nvPr/>
+      </p:nvGrpSpPr>
+      <p:grpSpPr>
+        <a:xfrm>
+          <a:off x="0" y="0"/>
+          <a:ext cx="0" cy="0"/>
+          <a:chOff x="0" y="0"/>
+          <a:chExt cx="0" cy="0"/>
+        </a:xfrm>
+      </p:grpSpPr>
+      <p:sp>
+        <p:nvSpPr>
+          <p:cNvPr id="2" name="Slide Image Placeholder 1"/>
+          <p:cNvSpPr>
+            <a:spLocks noGrp="1" noRot="1" noChangeAspect="1"/>
+          </p:cNvSpPr>
+          <p:nvPr>
+            <p:ph type="sldImg"/>
+          </p:nvPr>
+        </p:nvSpPr>
+        <p:spPr/>
+      </p:sp>
+      <p:sp>
+        <p:nvSpPr>
+          <p:cNvPr id="3" name="Notes Placeholder 2"/>
+          <p:cNvSpPr>
+            <a:spLocks noGrp="1"/>
+          </p:cNvSpPr>
+          <p:nvPr>
+            <p:ph type="body" idx="1"/>
+          </p:nvPr>
+        </p:nvSpPr>
+        <p:spPr/>
+        <p:txBody>
+          <a:bodyPr/>
+          <a:lstStyle/>
+          <a:p>
+            <a:endParaRPr lang="en-US"/>
+          </a:p>
+        </p:txBody>
+      </p:sp>
+      <p:sp>
+        <p:nvSpPr>
+          <p:cNvPr id="4" name="Slide Number Placeholder 3"/>
+          <p:cNvSpPr>
+            <a:spLocks noGrp="1"/>
+          </p:cNvSpPr>
+          <p:nvPr>
+            <p:ph type="sldNum" sz="quarter" idx="10"/>
+          </p:nvPr>
+        </p:nvSpPr>
+        <p:spPr/>
+        <p:txBody>
+          <a:bodyPr/>
+          <a:lstStyle/>
+          <a:p>
+            <a:fld id="{B4A2F2D2-68CD-A44C-B834-D97B08098101}" type="slidenum">
+              <a:rPr lang="en-US" smtClean="0"/>
+              <a:t>24</a:t>
+            </a:fld>
+            <a:endParaRPr lang="en-US"/>
+          </a:p>
+        </p:txBody>
+      </p:sp>
+    </p:spTree>
+    <p:extLst>
+      <p:ext uri="{BB962C8B-B14F-4D97-AF65-F5344CB8AC3E}">
+        <p14:creationId xmlns:p14="http://schemas.microsoft.com/office/powerpoint/2010/main" val="2789357337"/>
+      </p:ext>
+    </p:extLst>
+  </p:cSld>
+  <p:clrMapOvr>
+    <a:masterClrMapping/>
+  </p:clrMapOvr>
+</p:notes>
+</file>
+
+<file path=ppt/notesSlides/notesSlide19.xml><?xml version="1.0" encoding="utf-8"?>
+<p:notes xmlns:a="http://schemas.openxmlformats.org/drawingml/2006/main" xmlns:r="http://schemas.openxmlformats.org/officeDocument/2006/relationships" xmlns:p="http://schemas.openxmlformats.org/presentationml/2006/main">
+  <p:cSld>
+    <p:spTree>
+      <p:nvGrpSpPr>
+        <p:cNvPr id="1" name=""/>
+        <p:cNvGrpSpPr/>
+        <p:nvPr/>
+      </p:nvGrpSpPr>
+      <p:grpSpPr>
+        <a:xfrm>
+          <a:off x="0" y="0"/>
+          <a:ext cx="0" cy="0"/>
+          <a:chOff x="0" y="0"/>
+          <a:chExt cx="0" cy="0"/>
+        </a:xfrm>
+      </p:grpSpPr>
+      <p:sp>
+        <p:nvSpPr>
+          <p:cNvPr id="2" name="Slide Image Placeholder 1"/>
+          <p:cNvSpPr>
+            <a:spLocks noGrp="1" noRot="1" noChangeAspect="1"/>
+          </p:cNvSpPr>
+          <p:nvPr>
+            <p:ph type="sldImg"/>
+          </p:nvPr>
+        </p:nvSpPr>
+        <p:spPr/>
+      </p:sp>
+      <p:sp>
+        <p:nvSpPr>
+          <p:cNvPr id="3" name="Notes Placeholder 2"/>
+          <p:cNvSpPr>
+            <a:spLocks noGrp="1"/>
+          </p:cNvSpPr>
+          <p:nvPr>
+            <p:ph type="body" idx="1"/>
+          </p:nvPr>
+        </p:nvSpPr>
+        <p:spPr/>
+        <p:txBody>
+          <a:bodyPr/>
+          <a:lstStyle/>
+          <a:p>
+            <a:endParaRPr lang="en-US"/>
+          </a:p>
+        </p:txBody>
+      </p:sp>
+      <p:sp>
+        <p:nvSpPr>
+          <p:cNvPr id="4" name="Slide Number Placeholder 3"/>
+          <p:cNvSpPr>
+            <a:spLocks noGrp="1"/>
+          </p:cNvSpPr>
+          <p:nvPr>
+            <p:ph type="sldNum" sz="quarter" idx="10"/>
+          </p:nvPr>
+        </p:nvSpPr>
+        <p:spPr/>
+        <p:txBody>
+          <a:bodyPr/>
+          <a:lstStyle/>
+          <a:p>
+            <a:fld id="{B4A2F2D2-68CD-A44C-B834-D97B08098101}" type="slidenum">
+              <a:rPr lang="en-US" smtClean="0"/>
+              <a:t>25</a:t>
+            </a:fld>
+            <a:endParaRPr lang="en-US"/>
+          </a:p>
+        </p:txBody>
+      </p:sp>
+    </p:spTree>
+    <p:extLst>
+      <p:ext uri="{BB962C8B-B14F-4D97-AF65-F5344CB8AC3E}">
+        <p14:creationId xmlns:p14="http://schemas.microsoft.com/office/powerpoint/2010/main" val="948695087"/>
       </p:ext>
     </p:extLst>
   </p:cSld>
@@ -702,6 +1567,2221 @@
           <a:bodyPr/>
           <a:lstStyle/>
           <a:p>
+            <a:endParaRPr lang="en-US"/>
+          </a:p>
+        </p:txBody>
+      </p:sp>
+      <p:sp>
+        <p:nvSpPr>
+          <p:cNvPr id="4" name="Slide Number Placeholder 3"/>
+          <p:cNvSpPr>
+            <a:spLocks noGrp="1"/>
+          </p:cNvSpPr>
+          <p:nvPr>
+            <p:ph type="sldNum" sz="quarter" idx="10"/>
+          </p:nvPr>
+        </p:nvSpPr>
+        <p:spPr/>
+        <p:txBody>
+          <a:bodyPr/>
+          <a:lstStyle/>
+          <a:p>
+            <a:fld id="{B4A2F2D2-68CD-A44C-B834-D97B08098101}" type="slidenum">
+              <a:rPr lang="en-US" smtClean="0"/>
+              <a:t>3</a:t>
+            </a:fld>
+            <a:endParaRPr lang="en-US"/>
+          </a:p>
+        </p:txBody>
+      </p:sp>
+    </p:spTree>
+    <p:extLst>
+      <p:ext uri="{BB962C8B-B14F-4D97-AF65-F5344CB8AC3E}">
+        <p14:creationId xmlns:p14="http://schemas.microsoft.com/office/powerpoint/2010/main" val="2111669409"/>
+      </p:ext>
+    </p:extLst>
+  </p:cSld>
+  <p:clrMapOvr>
+    <a:masterClrMapping/>
+  </p:clrMapOvr>
+</p:notes>
+</file>
+
+<file path=ppt/notesSlides/notesSlide20.xml><?xml version="1.0" encoding="utf-8"?>
+<p:notes xmlns:a="http://schemas.openxmlformats.org/drawingml/2006/main" xmlns:r="http://schemas.openxmlformats.org/officeDocument/2006/relationships" xmlns:p="http://schemas.openxmlformats.org/presentationml/2006/main">
+  <p:cSld>
+    <p:spTree>
+      <p:nvGrpSpPr>
+        <p:cNvPr id="1" name=""/>
+        <p:cNvGrpSpPr/>
+        <p:nvPr/>
+      </p:nvGrpSpPr>
+      <p:grpSpPr>
+        <a:xfrm>
+          <a:off x="0" y="0"/>
+          <a:ext cx="0" cy="0"/>
+          <a:chOff x="0" y="0"/>
+          <a:chExt cx="0" cy="0"/>
+        </a:xfrm>
+      </p:grpSpPr>
+      <p:sp>
+        <p:nvSpPr>
+          <p:cNvPr id="2" name="Slide Image Placeholder 1"/>
+          <p:cNvSpPr>
+            <a:spLocks noGrp="1" noRot="1" noChangeAspect="1"/>
+          </p:cNvSpPr>
+          <p:nvPr>
+            <p:ph type="sldImg"/>
+          </p:nvPr>
+        </p:nvSpPr>
+        <p:spPr/>
+      </p:sp>
+      <p:sp>
+        <p:nvSpPr>
+          <p:cNvPr id="3" name="Notes Placeholder 2"/>
+          <p:cNvSpPr>
+            <a:spLocks noGrp="1"/>
+          </p:cNvSpPr>
+          <p:nvPr>
+            <p:ph type="body" idx="1"/>
+          </p:nvPr>
+        </p:nvSpPr>
+        <p:spPr/>
+        <p:txBody>
+          <a:bodyPr/>
+          <a:lstStyle/>
+          <a:p>
+            <a:endParaRPr lang="en-US"/>
+          </a:p>
+        </p:txBody>
+      </p:sp>
+      <p:sp>
+        <p:nvSpPr>
+          <p:cNvPr id="4" name="Slide Number Placeholder 3"/>
+          <p:cNvSpPr>
+            <a:spLocks noGrp="1"/>
+          </p:cNvSpPr>
+          <p:nvPr>
+            <p:ph type="sldNum" sz="quarter" idx="10"/>
+          </p:nvPr>
+        </p:nvSpPr>
+        <p:spPr/>
+        <p:txBody>
+          <a:bodyPr/>
+          <a:lstStyle/>
+          <a:p>
+            <a:fld id="{B4A2F2D2-68CD-A44C-B834-D97B08098101}" type="slidenum">
+              <a:rPr lang="en-US" smtClean="0"/>
+              <a:t>26</a:t>
+            </a:fld>
+            <a:endParaRPr lang="en-US"/>
+          </a:p>
+        </p:txBody>
+      </p:sp>
+    </p:spTree>
+    <p:extLst>
+      <p:ext uri="{BB962C8B-B14F-4D97-AF65-F5344CB8AC3E}">
+        <p14:creationId xmlns:p14="http://schemas.microsoft.com/office/powerpoint/2010/main" val="2453028033"/>
+      </p:ext>
+    </p:extLst>
+  </p:cSld>
+  <p:clrMapOvr>
+    <a:masterClrMapping/>
+  </p:clrMapOvr>
+</p:notes>
+</file>
+
+<file path=ppt/notesSlides/notesSlide21.xml><?xml version="1.0" encoding="utf-8"?>
+<p:notes xmlns:a="http://schemas.openxmlformats.org/drawingml/2006/main" xmlns:r="http://schemas.openxmlformats.org/officeDocument/2006/relationships" xmlns:p="http://schemas.openxmlformats.org/presentationml/2006/main">
+  <p:cSld>
+    <p:spTree>
+      <p:nvGrpSpPr>
+        <p:cNvPr id="1" name=""/>
+        <p:cNvGrpSpPr/>
+        <p:nvPr/>
+      </p:nvGrpSpPr>
+      <p:grpSpPr>
+        <a:xfrm>
+          <a:off x="0" y="0"/>
+          <a:ext cx="0" cy="0"/>
+          <a:chOff x="0" y="0"/>
+          <a:chExt cx="0" cy="0"/>
+        </a:xfrm>
+      </p:grpSpPr>
+      <p:sp>
+        <p:nvSpPr>
+          <p:cNvPr id="2" name="Slide Image Placeholder 1"/>
+          <p:cNvSpPr>
+            <a:spLocks noGrp="1" noRot="1" noChangeAspect="1"/>
+          </p:cNvSpPr>
+          <p:nvPr>
+            <p:ph type="sldImg"/>
+          </p:nvPr>
+        </p:nvSpPr>
+        <p:spPr/>
+      </p:sp>
+      <p:sp>
+        <p:nvSpPr>
+          <p:cNvPr id="3" name="Notes Placeholder 2"/>
+          <p:cNvSpPr>
+            <a:spLocks noGrp="1"/>
+          </p:cNvSpPr>
+          <p:nvPr>
+            <p:ph type="body" idx="1"/>
+          </p:nvPr>
+        </p:nvSpPr>
+        <p:spPr/>
+        <p:txBody>
+          <a:bodyPr/>
+          <a:lstStyle/>
+          <a:p>
+            <a:endParaRPr lang="en-US"/>
+          </a:p>
+        </p:txBody>
+      </p:sp>
+      <p:sp>
+        <p:nvSpPr>
+          <p:cNvPr id="4" name="Slide Number Placeholder 3"/>
+          <p:cNvSpPr>
+            <a:spLocks noGrp="1"/>
+          </p:cNvSpPr>
+          <p:nvPr>
+            <p:ph type="sldNum" sz="quarter" idx="10"/>
+          </p:nvPr>
+        </p:nvSpPr>
+        <p:spPr/>
+        <p:txBody>
+          <a:bodyPr/>
+          <a:lstStyle/>
+          <a:p>
+            <a:fld id="{B4A2F2D2-68CD-A44C-B834-D97B08098101}" type="slidenum">
+              <a:rPr lang="en-US" smtClean="0"/>
+              <a:t>27</a:t>
+            </a:fld>
+            <a:endParaRPr lang="en-US"/>
+          </a:p>
+        </p:txBody>
+      </p:sp>
+    </p:spTree>
+    <p:extLst>
+      <p:ext uri="{BB962C8B-B14F-4D97-AF65-F5344CB8AC3E}">
+        <p14:creationId xmlns:p14="http://schemas.microsoft.com/office/powerpoint/2010/main" val="2940733092"/>
+      </p:ext>
+    </p:extLst>
+  </p:cSld>
+  <p:clrMapOvr>
+    <a:masterClrMapping/>
+  </p:clrMapOvr>
+</p:notes>
+</file>
+
+<file path=ppt/notesSlides/notesSlide22.xml><?xml version="1.0" encoding="utf-8"?>
+<p:notes xmlns:a="http://schemas.openxmlformats.org/drawingml/2006/main" xmlns:r="http://schemas.openxmlformats.org/officeDocument/2006/relationships" xmlns:p="http://schemas.openxmlformats.org/presentationml/2006/main">
+  <p:cSld>
+    <p:spTree>
+      <p:nvGrpSpPr>
+        <p:cNvPr id="1" name=""/>
+        <p:cNvGrpSpPr/>
+        <p:nvPr/>
+      </p:nvGrpSpPr>
+      <p:grpSpPr>
+        <a:xfrm>
+          <a:off x="0" y="0"/>
+          <a:ext cx="0" cy="0"/>
+          <a:chOff x="0" y="0"/>
+          <a:chExt cx="0" cy="0"/>
+        </a:xfrm>
+      </p:grpSpPr>
+      <p:sp>
+        <p:nvSpPr>
+          <p:cNvPr id="2" name="Slide Image Placeholder 1"/>
+          <p:cNvSpPr>
+            <a:spLocks noGrp="1" noRot="1" noChangeAspect="1"/>
+          </p:cNvSpPr>
+          <p:nvPr>
+            <p:ph type="sldImg"/>
+          </p:nvPr>
+        </p:nvSpPr>
+        <p:spPr/>
+      </p:sp>
+      <p:sp>
+        <p:nvSpPr>
+          <p:cNvPr id="3" name="Notes Placeholder 2"/>
+          <p:cNvSpPr>
+            <a:spLocks noGrp="1"/>
+          </p:cNvSpPr>
+          <p:nvPr>
+            <p:ph type="body" idx="1"/>
+          </p:nvPr>
+        </p:nvSpPr>
+        <p:spPr/>
+        <p:txBody>
+          <a:bodyPr/>
+          <a:lstStyle/>
+          <a:p>
+            <a:endParaRPr lang="en-US"/>
+          </a:p>
+        </p:txBody>
+      </p:sp>
+      <p:sp>
+        <p:nvSpPr>
+          <p:cNvPr id="4" name="Slide Number Placeholder 3"/>
+          <p:cNvSpPr>
+            <a:spLocks noGrp="1"/>
+          </p:cNvSpPr>
+          <p:nvPr>
+            <p:ph type="sldNum" sz="quarter" idx="10"/>
+          </p:nvPr>
+        </p:nvSpPr>
+        <p:spPr/>
+        <p:txBody>
+          <a:bodyPr/>
+          <a:lstStyle/>
+          <a:p>
+            <a:fld id="{B4A2F2D2-68CD-A44C-B834-D97B08098101}" type="slidenum">
+              <a:rPr lang="en-US" smtClean="0"/>
+              <a:t>28</a:t>
+            </a:fld>
+            <a:endParaRPr lang="en-US"/>
+          </a:p>
+        </p:txBody>
+      </p:sp>
+    </p:spTree>
+    <p:extLst>
+      <p:ext uri="{BB962C8B-B14F-4D97-AF65-F5344CB8AC3E}">
+        <p14:creationId xmlns:p14="http://schemas.microsoft.com/office/powerpoint/2010/main" val="4113856509"/>
+      </p:ext>
+    </p:extLst>
+  </p:cSld>
+  <p:clrMapOvr>
+    <a:masterClrMapping/>
+  </p:clrMapOvr>
+</p:notes>
+</file>
+
+<file path=ppt/notesSlides/notesSlide23.xml><?xml version="1.0" encoding="utf-8"?>
+<p:notes xmlns:a="http://schemas.openxmlformats.org/drawingml/2006/main" xmlns:r="http://schemas.openxmlformats.org/officeDocument/2006/relationships" xmlns:p="http://schemas.openxmlformats.org/presentationml/2006/main">
+  <p:cSld>
+    <p:spTree>
+      <p:nvGrpSpPr>
+        <p:cNvPr id="1" name=""/>
+        <p:cNvGrpSpPr/>
+        <p:nvPr/>
+      </p:nvGrpSpPr>
+      <p:grpSpPr>
+        <a:xfrm>
+          <a:off x="0" y="0"/>
+          <a:ext cx="0" cy="0"/>
+          <a:chOff x="0" y="0"/>
+          <a:chExt cx="0" cy="0"/>
+        </a:xfrm>
+      </p:grpSpPr>
+      <p:sp>
+        <p:nvSpPr>
+          <p:cNvPr id="2" name="Slide Image Placeholder 1"/>
+          <p:cNvSpPr>
+            <a:spLocks noGrp="1" noRot="1" noChangeAspect="1"/>
+          </p:cNvSpPr>
+          <p:nvPr>
+            <p:ph type="sldImg"/>
+          </p:nvPr>
+        </p:nvSpPr>
+        <p:spPr/>
+      </p:sp>
+      <p:sp>
+        <p:nvSpPr>
+          <p:cNvPr id="3" name="Notes Placeholder 2"/>
+          <p:cNvSpPr>
+            <a:spLocks noGrp="1"/>
+          </p:cNvSpPr>
+          <p:nvPr>
+            <p:ph type="body" idx="1"/>
+          </p:nvPr>
+        </p:nvSpPr>
+        <p:spPr/>
+        <p:txBody>
+          <a:bodyPr/>
+          <a:lstStyle/>
+          <a:p>
+            <a:endParaRPr lang="en-US"/>
+          </a:p>
+        </p:txBody>
+      </p:sp>
+      <p:sp>
+        <p:nvSpPr>
+          <p:cNvPr id="4" name="Slide Number Placeholder 3"/>
+          <p:cNvSpPr>
+            <a:spLocks noGrp="1"/>
+          </p:cNvSpPr>
+          <p:nvPr>
+            <p:ph type="sldNum" sz="quarter" idx="10"/>
+          </p:nvPr>
+        </p:nvSpPr>
+        <p:spPr/>
+        <p:txBody>
+          <a:bodyPr/>
+          <a:lstStyle/>
+          <a:p>
+            <a:fld id="{B4A2F2D2-68CD-A44C-B834-D97B08098101}" type="slidenum">
+              <a:rPr lang="en-US" smtClean="0"/>
+              <a:t>29</a:t>
+            </a:fld>
+            <a:endParaRPr lang="en-US"/>
+          </a:p>
+        </p:txBody>
+      </p:sp>
+    </p:spTree>
+    <p:extLst>
+      <p:ext uri="{BB962C8B-B14F-4D97-AF65-F5344CB8AC3E}">
+        <p14:creationId xmlns:p14="http://schemas.microsoft.com/office/powerpoint/2010/main" val="3609129199"/>
+      </p:ext>
+    </p:extLst>
+  </p:cSld>
+  <p:clrMapOvr>
+    <a:masterClrMapping/>
+  </p:clrMapOvr>
+</p:notes>
+</file>
+
+<file path=ppt/notesSlides/notesSlide24.xml><?xml version="1.0" encoding="utf-8"?>
+<p:notes xmlns:a="http://schemas.openxmlformats.org/drawingml/2006/main" xmlns:r="http://schemas.openxmlformats.org/officeDocument/2006/relationships" xmlns:p="http://schemas.openxmlformats.org/presentationml/2006/main">
+  <p:cSld>
+    <p:spTree>
+      <p:nvGrpSpPr>
+        <p:cNvPr id="1" name=""/>
+        <p:cNvGrpSpPr/>
+        <p:nvPr/>
+      </p:nvGrpSpPr>
+      <p:grpSpPr>
+        <a:xfrm>
+          <a:off x="0" y="0"/>
+          <a:ext cx="0" cy="0"/>
+          <a:chOff x="0" y="0"/>
+          <a:chExt cx="0" cy="0"/>
+        </a:xfrm>
+      </p:grpSpPr>
+      <p:sp>
+        <p:nvSpPr>
+          <p:cNvPr id="2" name="Slide Image Placeholder 1"/>
+          <p:cNvSpPr>
+            <a:spLocks noGrp="1" noRot="1" noChangeAspect="1"/>
+          </p:cNvSpPr>
+          <p:nvPr>
+            <p:ph type="sldImg"/>
+          </p:nvPr>
+        </p:nvSpPr>
+        <p:spPr/>
+      </p:sp>
+      <p:sp>
+        <p:nvSpPr>
+          <p:cNvPr id="3" name="Notes Placeholder 2"/>
+          <p:cNvSpPr>
+            <a:spLocks noGrp="1"/>
+          </p:cNvSpPr>
+          <p:nvPr>
+            <p:ph type="body" idx="1"/>
+          </p:nvPr>
+        </p:nvSpPr>
+        <p:spPr/>
+        <p:txBody>
+          <a:bodyPr/>
+          <a:lstStyle/>
+          <a:p>
+            <a:endParaRPr lang="en-US"/>
+          </a:p>
+        </p:txBody>
+      </p:sp>
+      <p:sp>
+        <p:nvSpPr>
+          <p:cNvPr id="4" name="Slide Number Placeholder 3"/>
+          <p:cNvSpPr>
+            <a:spLocks noGrp="1"/>
+          </p:cNvSpPr>
+          <p:nvPr>
+            <p:ph type="sldNum" sz="quarter" idx="10"/>
+          </p:nvPr>
+        </p:nvSpPr>
+        <p:spPr/>
+        <p:txBody>
+          <a:bodyPr/>
+          <a:lstStyle/>
+          <a:p>
+            <a:fld id="{B4A2F2D2-68CD-A44C-B834-D97B08098101}" type="slidenum">
+              <a:rPr lang="en-US" smtClean="0"/>
+              <a:t>30</a:t>
+            </a:fld>
+            <a:endParaRPr lang="en-US"/>
+          </a:p>
+        </p:txBody>
+      </p:sp>
+    </p:spTree>
+    <p:extLst>
+      <p:ext uri="{BB962C8B-B14F-4D97-AF65-F5344CB8AC3E}">
+        <p14:creationId xmlns:p14="http://schemas.microsoft.com/office/powerpoint/2010/main" val="2560204359"/>
+      </p:ext>
+    </p:extLst>
+  </p:cSld>
+  <p:clrMapOvr>
+    <a:masterClrMapping/>
+  </p:clrMapOvr>
+</p:notes>
+</file>
+
+<file path=ppt/notesSlides/notesSlide25.xml><?xml version="1.0" encoding="utf-8"?>
+<p:notes xmlns:a="http://schemas.openxmlformats.org/drawingml/2006/main" xmlns:r="http://schemas.openxmlformats.org/officeDocument/2006/relationships" xmlns:p="http://schemas.openxmlformats.org/presentationml/2006/main">
+  <p:cSld>
+    <p:spTree>
+      <p:nvGrpSpPr>
+        <p:cNvPr id="1" name=""/>
+        <p:cNvGrpSpPr/>
+        <p:nvPr/>
+      </p:nvGrpSpPr>
+      <p:grpSpPr>
+        <a:xfrm>
+          <a:off x="0" y="0"/>
+          <a:ext cx="0" cy="0"/>
+          <a:chOff x="0" y="0"/>
+          <a:chExt cx="0" cy="0"/>
+        </a:xfrm>
+      </p:grpSpPr>
+      <p:sp>
+        <p:nvSpPr>
+          <p:cNvPr id="2" name="Slide Image Placeholder 1"/>
+          <p:cNvSpPr>
+            <a:spLocks noGrp="1" noRot="1" noChangeAspect="1"/>
+          </p:cNvSpPr>
+          <p:nvPr>
+            <p:ph type="sldImg"/>
+          </p:nvPr>
+        </p:nvSpPr>
+        <p:spPr/>
+      </p:sp>
+      <p:sp>
+        <p:nvSpPr>
+          <p:cNvPr id="3" name="Notes Placeholder 2"/>
+          <p:cNvSpPr>
+            <a:spLocks noGrp="1"/>
+          </p:cNvSpPr>
+          <p:nvPr>
+            <p:ph type="body" idx="1"/>
+          </p:nvPr>
+        </p:nvSpPr>
+        <p:spPr/>
+        <p:txBody>
+          <a:bodyPr/>
+          <a:lstStyle/>
+          <a:p>
+            <a:endParaRPr lang="en-US"/>
+          </a:p>
+        </p:txBody>
+      </p:sp>
+      <p:sp>
+        <p:nvSpPr>
+          <p:cNvPr id="4" name="Slide Number Placeholder 3"/>
+          <p:cNvSpPr>
+            <a:spLocks noGrp="1"/>
+          </p:cNvSpPr>
+          <p:nvPr>
+            <p:ph type="sldNum" sz="quarter" idx="10"/>
+          </p:nvPr>
+        </p:nvSpPr>
+        <p:spPr/>
+        <p:txBody>
+          <a:bodyPr/>
+          <a:lstStyle/>
+          <a:p>
+            <a:fld id="{B4A2F2D2-68CD-A44C-B834-D97B08098101}" type="slidenum">
+              <a:rPr lang="en-US" smtClean="0"/>
+              <a:t>31</a:t>
+            </a:fld>
+            <a:endParaRPr lang="en-US"/>
+          </a:p>
+        </p:txBody>
+      </p:sp>
+    </p:spTree>
+    <p:extLst>
+      <p:ext uri="{BB962C8B-B14F-4D97-AF65-F5344CB8AC3E}">
+        <p14:creationId xmlns:p14="http://schemas.microsoft.com/office/powerpoint/2010/main" val="2314508530"/>
+      </p:ext>
+    </p:extLst>
+  </p:cSld>
+  <p:clrMapOvr>
+    <a:masterClrMapping/>
+  </p:clrMapOvr>
+</p:notes>
+</file>
+
+<file path=ppt/notesSlides/notesSlide26.xml><?xml version="1.0" encoding="utf-8"?>
+<p:notes xmlns:a="http://schemas.openxmlformats.org/drawingml/2006/main" xmlns:r="http://schemas.openxmlformats.org/officeDocument/2006/relationships" xmlns:p="http://schemas.openxmlformats.org/presentationml/2006/main">
+  <p:cSld>
+    <p:spTree>
+      <p:nvGrpSpPr>
+        <p:cNvPr id="1" name=""/>
+        <p:cNvGrpSpPr/>
+        <p:nvPr/>
+      </p:nvGrpSpPr>
+      <p:grpSpPr>
+        <a:xfrm>
+          <a:off x="0" y="0"/>
+          <a:ext cx="0" cy="0"/>
+          <a:chOff x="0" y="0"/>
+          <a:chExt cx="0" cy="0"/>
+        </a:xfrm>
+      </p:grpSpPr>
+      <p:sp>
+        <p:nvSpPr>
+          <p:cNvPr id="2" name="Slide Image Placeholder 1"/>
+          <p:cNvSpPr>
+            <a:spLocks noGrp="1" noRot="1" noChangeAspect="1"/>
+          </p:cNvSpPr>
+          <p:nvPr>
+            <p:ph type="sldImg"/>
+          </p:nvPr>
+        </p:nvSpPr>
+        <p:spPr/>
+      </p:sp>
+      <p:sp>
+        <p:nvSpPr>
+          <p:cNvPr id="3" name="Notes Placeholder 2"/>
+          <p:cNvSpPr>
+            <a:spLocks noGrp="1"/>
+          </p:cNvSpPr>
+          <p:nvPr>
+            <p:ph type="body" idx="1"/>
+          </p:nvPr>
+        </p:nvSpPr>
+        <p:spPr/>
+        <p:txBody>
+          <a:bodyPr/>
+          <a:lstStyle/>
+          <a:p>
+            <a:endParaRPr lang="en-US"/>
+          </a:p>
+        </p:txBody>
+      </p:sp>
+      <p:sp>
+        <p:nvSpPr>
+          <p:cNvPr id="4" name="Slide Number Placeholder 3"/>
+          <p:cNvSpPr>
+            <a:spLocks noGrp="1"/>
+          </p:cNvSpPr>
+          <p:nvPr>
+            <p:ph type="sldNum" sz="quarter" idx="10"/>
+          </p:nvPr>
+        </p:nvSpPr>
+        <p:spPr/>
+        <p:txBody>
+          <a:bodyPr/>
+          <a:lstStyle/>
+          <a:p>
+            <a:fld id="{B4A2F2D2-68CD-A44C-B834-D97B08098101}" type="slidenum">
+              <a:rPr lang="en-US" smtClean="0"/>
+              <a:t>32</a:t>
+            </a:fld>
+            <a:endParaRPr lang="en-US"/>
+          </a:p>
+        </p:txBody>
+      </p:sp>
+    </p:spTree>
+    <p:extLst>
+      <p:ext uri="{BB962C8B-B14F-4D97-AF65-F5344CB8AC3E}">
+        <p14:creationId xmlns:p14="http://schemas.microsoft.com/office/powerpoint/2010/main" val="1121253745"/>
+      </p:ext>
+    </p:extLst>
+  </p:cSld>
+  <p:clrMapOvr>
+    <a:masterClrMapping/>
+  </p:clrMapOvr>
+</p:notes>
+</file>
+
+<file path=ppt/notesSlides/notesSlide27.xml><?xml version="1.0" encoding="utf-8"?>
+<p:notes xmlns:a="http://schemas.openxmlformats.org/drawingml/2006/main" xmlns:r="http://schemas.openxmlformats.org/officeDocument/2006/relationships" xmlns:p="http://schemas.openxmlformats.org/presentationml/2006/main">
+  <p:cSld>
+    <p:spTree>
+      <p:nvGrpSpPr>
+        <p:cNvPr id="1" name=""/>
+        <p:cNvGrpSpPr/>
+        <p:nvPr/>
+      </p:nvGrpSpPr>
+      <p:grpSpPr>
+        <a:xfrm>
+          <a:off x="0" y="0"/>
+          <a:ext cx="0" cy="0"/>
+          <a:chOff x="0" y="0"/>
+          <a:chExt cx="0" cy="0"/>
+        </a:xfrm>
+      </p:grpSpPr>
+      <p:sp>
+        <p:nvSpPr>
+          <p:cNvPr id="2" name="Slide Image Placeholder 1"/>
+          <p:cNvSpPr>
+            <a:spLocks noGrp="1" noRot="1" noChangeAspect="1"/>
+          </p:cNvSpPr>
+          <p:nvPr>
+            <p:ph type="sldImg"/>
+          </p:nvPr>
+        </p:nvSpPr>
+        <p:spPr/>
+      </p:sp>
+      <p:sp>
+        <p:nvSpPr>
+          <p:cNvPr id="3" name="Notes Placeholder 2"/>
+          <p:cNvSpPr>
+            <a:spLocks noGrp="1"/>
+          </p:cNvSpPr>
+          <p:nvPr>
+            <p:ph type="body" idx="1"/>
+          </p:nvPr>
+        </p:nvSpPr>
+        <p:spPr/>
+        <p:txBody>
+          <a:bodyPr/>
+          <a:lstStyle/>
+          <a:p>
+            <a:endParaRPr lang="en-US"/>
+          </a:p>
+        </p:txBody>
+      </p:sp>
+      <p:sp>
+        <p:nvSpPr>
+          <p:cNvPr id="4" name="Slide Number Placeholder 3"/>
+          <p:cNvSpPr>
+            <a:spLocks noGrp="1"/>
+          </p:cNvSpPr>
+          <p:nvPr>
+            <p:ph type="sldNum" sz="quarter" idx="10"/>
+          </p:nvPr>
+        </p:nvSpPr>
+        <p:spPr/>
+        <p:txBody>
+          <a:bodyPr/>
+          <a:lstStyle/>
+          <a:p>
+            <a:fld id="{B4A2F2D2-68CD-A44C-B834-D97B08098101}" type="slidenum">
+              <a:rPr lang="en-US" smtClean="0"/>
+              <a:t>33</a:t>
+            </a:fld>
+            <a:endParaRPr lang="en-US"/>
+          </a:p>
+        </p:txBody>
+      </p:sp>
+    </p:spTree>
+    <p:extLst>
+      <p:ext uri="{BB962C8B-B14F-4D97-AF65-F5344CB8AC3E}">
+        <p14:creationId xmlns:p14="http://schemas.microsoft.com/office/powerpoint/2010/main" val="3769734404"/>
+      </p:ext>
+    </p:extLst>
+  </p:cSld>
+  <p:clrMapOvr>
+    <a:masterClrMapping/>
+  </p:clrMapOvr>
+</p:notes>
+</file>
+
+<file path=ppt/notesSlides/notesSlide28.xml><?xml version="1.0" encoding="utf-8"?>
+<p:notes xmlns:a="http://schemas.openxmlformats.org/drawingml/2006/main" xmlns:r="http://schemas.openxmlformats.org/officeDocument/2006/relationships" xmlns:p="http://schemas.openxmlformats.org/presentationml/2006/main">
+  <p:cSld>
+    <p:spTree>
+      <p:nvGrpSpPr>
+        <p:cNvPr id="1" name=""/>
+        <p:cNvGrpSpPr/>
+        <p:nvPr/>
+      </p:nvGrpSpPr>
+      <p:grpSpPr>
+        <a:xfrm>
+          <a:off x="0" y="0"/>
+          <a:ext cx="0" cy="0"/>
+          <a:chOff x="0" y="0"/>
+          <a:chExt cx="0" cy="0"/>
+        </a:xfrm>
+      </p:grpSpPr>
+      <p:sp>
+        <p:nvSpPr>
+          <p:cNvPr id="2" name="Slide Image Placeholder 1"/>
+          <p:cNvSpPr>
+            <a:spLocks noGrp="1" noRot="1" noChangeAspect="1"/>
+          </p:cNvSpPr>
+          <p:nvPr>
+            <p:ph type="sldImg"/>
+          </p:nvPr>
+        </p:nvSpPr>
+        <p:spPr/>
+      </p:sp>
+      <p:sp>
+        <p:nvSpPr>
+          <p:cNvPr id="3" name="Notes Placeholder 2"/>
+          <p:cNvSpPr>
+            <a:spLocks noGrp="1"/>
+          </p:cNvSpPr>
+          <p:nvPr>
+            <p:ph type="body" idx="1"/>
+          </p:nvPr>
+        </p:nvSpPr>
+        <p:spPr/>
+        <p:txBody>
+          <a:bodyPr/>
+          <a:lstStyle/>
+          <a:p>
+            <a:endParaRPr lang="en-US"/>
+          </a:p>
+        </p:txBody>
+      </p:sp>
+      <p:sp>
+        <p:nvSpPr>
+          <p:cNvPr id="4" name="Slide Number Placeholder 3"/>
+          <p:cNvSpPr>
+            <a:spLocks noGrp="1"/>
+          </p:cNvSpPr>
+          <p:nvPr>
+            <p:ph type="sldNum" sz="quarter" idx="10"/>
+          </p:nvPr>
+        </p:nvSpPr>
+        <p:spPr/>
+        <p:txBody>
+          <a:bodyPr/>
+          <a:lstStyle/>
+          <a:p>
+            <a:fld id="{B4A2F2D2-68CD-A44C-B834-D97B08098101}" type="slidenum">
+              <a:rPr lang="en-US" smtClean="0"/>
+              <a:t>34</a:t>
+            </a:fld>
+            <a:endParaRPr lang="en-US"/>
+          </a:p>
+        </p:txBody>
+      </p:sp>
+    </p:spTree>
+    <p:extLst>
+      <p:ext uri="{BB962C8B-B14F-4D97-AF65-F5344CB8AC3E}">
+        <p14:creationId xmlns:p14="http://schemas.microsoft.com/office/powerpoint/2010/main" val="1436721923"/>
+      </p:ext>
+    </p:extLst>
+  </p:cSld>
+  <p:clrMapOvr>
+    <a:masterClrMapping/>
+  </p:clrMapOvr>
+</p:notes>
+</file>
+
+<file path=ppt/notesSlides/notesSlide29.xml><?xml version="1.0" encoding="utf-8"?>
+<p:notes xmlns:a="http://schemas.openxmlformats.org/drawingml/2006/main" xmlns:r="http://schemas.openxmlformats.org/officeDocument/2006/relationships" xmlns:p="http://schemas.openxmlformats.org/presentationml/2006/main">
+  <p:cSld>
+    <p:spTree>
+      <p:nvGrpSpPr>
+        <p:cNvPr id="1" name=""/>
+        <p:cNvGrpSpPr/>
+        <p:nvPr/>
+      </p:nvGrpSpPr>
+      <p:grpSpPr>
+        <a:xfrm>
+          <a:off x="0" y="0"/>
+          <a:ext cx="0" cy="0"/>
+          <a:chOff x="0" y="0"/>
+          <a:chExt cx="0" cy="0"/>
+        </a:xfrm>
+      </p:grpSpPr>
+      <p:sp>
+        <p:nvSpPr>
+          <p:cNvPr id="2" name="Slide Image Placeholder 1"/>
+          <p:cNvSpPr>
+            <a:spLocks noGrp="1" noRot="1" noChangeAspect="1"/>
+          </p:cNvSpPr>
+          <p:nvPr>
+            <p:ph type="sldImg"/>
+          </p:nvPr>
+        </p:nvSpPr>
+        <p:spPr/>
+      </p:sp>
+      <p:sp>
+        <p:nvSpPr>
+          <p:cNvPr id="3" name="Notes Placeholder 2"/>
+          <p:cNvSpPr>
+            <a:spLocks noGrp="1"/>
+          </p:cNvSpPr>
+          <p:nvPr>
+            <p:ph type="body" idx="1"/>
+          </p:nvPr>
+        </p:nvSpPr>
+        <p:spPr/>
+        <p:txBody>
+          <a:bodyPr/>
+          <a:lstStyle/>
+          <a:p>
+            <a:endParaRPr lang="en-US"/>
+          </a:p>
+        </p:txBody>
+      </p:sp>
+      <p:sp>
+        <p:nvSpPr>
+          <p:cNvPr id="4" name="Slide Number Placeholder 3"/>
+          <p:cNvSpPr>
+            <a:spLocks noGrp="1"/>
+          </p:cNvSpPr>
+          <p:nvPr>
+            <p:ph type="sldNum" sz="quarter" idx="10"/>
+          </p:nvPr>
+        </p:nvSpPr>
+        <p:spPr/>
+        <p:txBody>
+          <a:bodyPr/>
+          <a:lstStyle/>
+          <a:p>
+            <a:fld id="{B4A2F2D2-68CD-A44C-B834-D97B08098101}" type="slidenum">
+              <a:rPr lang="en-US" smtClean="0"/>
+              <a:t>35</a:t>
+            </a:fld>
+            <a:endParaRPr lang="en-US"/>
+          </a:p>
+        </p:txBody>
+      </p:sp>
+    </p:spTree>
+    <p:extLst>
+      <p:ext uri="{BB962C8B-B14F-4D97-AF65-F5344CB8AC3E}">
+        <p14:creationId xmlns:p14="http://schemas.microsoft.com/office/powerpoint/2010/main" val="1983003114"/>
+      </p:ext>
+    </p:extLst>
+  </p:cSld>
+  <p:clrMapOvr>
+    <a:masterClrMapping/>
+  </p:clrMapOvr>
+</p:notes>
+</file>
+
+<file path=ppt/notesSlides/notesSlide3.xml><?xml version="1.0" encoding="utf-8"?>
+<p:notes xmlns:a="http://schemas.openxmlformats.org/drawingml/2006/main" xmlns:r="http://schemas.openxmlformats.org/officeDocument/2006/relationships" xmlns:p="http://schemas.openxmlformats.org/presentationml/2006/main">
+  <p:cSld>
+    <p:spTree>
+      <p:nvGrpSpPr>
+        <p:cNvPr id="1" name=""/>
+        <p:cNvGrpSpPr/>
+        <p:nvPr/>
+      </p:nvGrpSpPr>
+      <p:grpSpPr>
+        <a:xfrm>
+          <a:off x="0" y="0"/>
+          <a:ext cx="0" cy="0"/>
+          <a:chOff x="0" y="0"/>
+          <a:chExt cx="0" cy="0"/>
+        </a:xfrm>
+      </p:grpSpPr>
+      <p:sp>
+        <p:nvSpPr>
+          <p:cNvPr id="2" name="Slide Image Placeholder 1"/>
+          <p:cNvSpPr>
+            <a:spLocks noGrp="1" noRot="1" noChangeAspect="1"/>
+          </p:cNvSpPr>
+          <p:nvPr>
+            <p:ph type="sldImg"/>
+          </p:nvPr>
+        </p:nvSpPr>
+        <p:spPr/>
+      </p:sp>
+      <p:sp>
+        <p:nvSpPr>
+          <p:cNvPr id="3" name="Notes Placeholder 2"/>
+          <p:cNvSpPr>
+            <a:spLocks noGrp="1"/>
+          </p:cNvSpPr>
+          <p:nvPr>
+            <p:ph type="body" idx="1"/>
+          </p:nvPr>
+        </p:nvSpPr>
+        <p:spPr/>
+        <p:txBody>
+          <a:bodyPr/>
+          <a:lstStyle/>
+          <a:p>
+            <a:pPr lvl="1"/>
+            <a:r>
+              <a:rPr lang="en-US" dirty="0"/>
+              <a:t>Technical</a:t>
+            </a:r>
+          </a:p>
+          <a:p>
+            <a:pPr lvl="1"/>
+            <a:r>
+              <a:rPr lang="en-US" dirty="0"/>
+              <a:t>Marketing/Adoption</a:t>
+            </a:r>
+          </a:p>
+          <a:p>
+            <a:pPr lvl="1"/>
+            <a:r>
+              <a:rPr lang="en-US" dirty="0"/>
+              <a:t>Usability</a:t>
+            </a:r>
+          </a:p>
+          <a:p>
+            <a:r>
+              <a:rPr lang="en-US" dirty="0"/>
+              <a:t>HELP! I can’t do this all by myself </a:t>
+            </a:r>
+            <a:r>
+              <a:rPr lang="en-US" dirty="0">
+                <a:sym typeface="Wingdings"/>
+              </a:rPr>
+              <a:t></a:t>
+            </a:r>
+            <a:endParaRPr lang="en-US" dirty="0"/>
+          </a:p>
+        </p:txBody>
+      </p:sp>
+      <p:sp>
+        <p:nvSpPr>
+          <p:cNvPr id="4" name="Slide Number Placeholder 3"/>
+          <p:cNvSpPr>
+            <a:spLocks noGrp="1"/>
+          </p:cNvSpPr>
+          <p:nvPr>
+            <p:ph type="sldNum" sz="quarter" idx="10"/>
+          </p:nvPr>
+        </p:nvSpPr>
+        <p:spPr/>
+        <p:txBody>
+          <a:bodyPr/>
+          <a:lstStyle/>
+          <a:p>
+            <a:fld id="{B4A2F2D2-68CD-A44C-B834-D97B08098101}" type="slidenum">
+              <a:rPr lang="en-US" smtClean="0"/>
+              <a:t>4</a:t>
+            </a:fld>
+            <a:endParaRPr lang="en-US"/>
+          </a:p>
+        </p:txBody>
+      </p:sp>
+    </p:spTree>
+    <p:extLst>
+      <p:ext uri="{BB962C8B-B14F-4D97-AF65-F5344CB8AC3E}">
+        <p14:creationId xmlns:p14="http://schemas.microsoft.com/office/powerpoint/2010/main" val="1176534711"/>
+      </p:ext>
+    </p:extLst>
+  </p:cSld>
+  <p:clrMapOvr>
+    <a:masterClrMapping/>
+  </p:clrMapOvr>
+</p:notes>
+</file>
+
+<file path=ppt/notesSlides/notesSlide30.xml><?xml version="1.0" encoding="utf-8"?>
+<p:notes xmlns:a="http://schemas.openxmlformats.org/drawingml/2006/main" xmlns:r="http://schemas.openxmlformats.org/officeDocument/2006/relationships" xmlns:p="http://schemas.openxmlformats.org/presentationml/2006/main">
+  <p:cSld>
+    <p:spTree>
+      <p:nvGrpSpPr>
+        <p:cNvPr id="1" name=""/>
+        <p:cNvGrpSpPr/>
+        <p:nvPr/>
+      </p:nvGrpSpPr>
+      <p:grpSpPr>
+        <a:xfrm>
+          <a:off x="0" y="0"/>
+          <a:ext cx="0" cy="0"/>
+          <a:chOff x="0" y="0"/>
+          <a:chExt cx="0" cy="0"/>
+        </a:xfrm>
+      </p:grpSpPr>
+      <p:sp>
+        <p:nvSpPr>
+          <p:cNvPr id="2" name="Slide Image Placeholder 1"/>
+          <p:cNvSpPr>
+            <a:spLocks noGrp="1" noRot="1" noChangeAspect="1"/>
+          </p:cNvSpPr>
+          <p:nvPr>
+            <p:ph type="sldImg"/>
+          </p:nvPr>
+        </p:nvSpPr>
+        <p:spPr/>
+      </p:sp>
+      <p:sp>
+        <p:nvSpPr>
+          <p:cNvPr id="3" name="Notes Placeholder 2"/>
+          <p:cNvSpPr>
+            <a:spLocks noGrp="1"/>
+          </p:cNvSpPr>
+          <p:nvPr>
+            <p:ph type="body" idx="1"/>
+          </p:nvPr>
+        </p:nvSpPr>
+        <p:spPr/>
+        <p:txBody>
+          <a:bodyPr/>
+          <a:lstStyle/>
+          <a:p>
+            <a:endParaRPr lang="en-US"/>
+          </a:p>
+        </p:txBody>
+      </p:sp>
+      <p:sp>
+        <p:nvSpPr>
+          <p:cNvPr id="4" name="Slide Number Placeholder 3"/>
+          <p:cNvSpPr>
+            <a:spLocks noGrp="1"/>
+          </p:cNvSpPr>
+          <p:nvPr>
+            <p:ph type="sldNum" sz="quarter" idx="10"/>
+          </p:nvPr>
+        </p:nvSpPr>
+        <p:spPr/>
+        <p:txBody>
+          <a:bodyPr/>
+          <a:lstStyle/>
+          <a:p>
+            <a:fld id="{B4A2F2D2-68CD-A44C-B834-D97B08098101}" type="slidenum">
+              <a:rPr lang="en-US" smtClean="0"/>
+              <a:t>36</a:t>
+            </a:fld>
+            <a:endParaRPr lang="en-US"/>
+          </a:p>
+        </p:txBody>
+      </p:sp>
+    </p:spTree>
+    <p:extLst>
+      <p:ext uri="{BB962C8B-B14F-4D97-AF65-F5344CB8AC3E}">
+        <p14:creationId xmlns:p14="http://schemas.microsoft.com/office/powerpoint/2010/main" val="1683035237"/>
+      </p:ext>
+    </p:extLst>
+  </p:cSld>
+  <p:clrMapOvr>
+    <a:masterClrMapping/>
+  </p:clrMapOvr>
+</p:notes>
+</file>
+
+<file path=ppt/notesSlides/notesSlide31.xml><?xml version="1.0" encoding="utf-8"?>
+<p:notes xmlns:a="http://schemas.openxmlformats.org/drawingml/2006/main" xmlns:r="http://schemas.openxmlformats.org/officeDocument/2006/relationships" xmlns:p="http://schemas.openxmlformats.org/presentationml/2006/main">
+  <p:cSld>
+    <p:spTree>
+      <p:nvGrpSpPr>
+        <p:cNvPr id="1" name=""/>
+        <p:cNvGrpSpPr/>
+        <p:nvPr/>
+      </p:nvGrpSpPr>
+      <p:grpSpPr>
+        <a:xfrm>
+          <a:off x="0" y="0"/>
+          <a:ext cx="0" cy="0"/>
+          <a:chOff x="0" y="0"/>
+          <a:chExt cx="0" cy="0"/>
+        </a:xfrm>
+      </p:grpSpPr>
+      <p:sp>
+        <p:nvSpPr>
+          <p:cNvPr id="2" name="Slide Image Placeholder 1"/>
+          <p:cNvSpPr>
+            <a:spLocks noGrp="1" noRot="1" noChangeAspect="1"/>
+          </p:cNvSpPr>
+          <p:nvPr>
+            <p:ph type="sldImg"/>
+          </p:nvPr>
+        </p:nvSpPr>
+        <p:spPr/>
+      </p:sp>
+      <p:sp>
+        <p:nvSpPr>
+          <p:cNvPr id="3" name="Notes Placeholder 2"/>
+          <p:cNvSpPr>
+            <a:spLocks noGrp="1"/>
+          </p:cNvSpPr>
+          <p:nvPr>
+            <p:ph type="body" idx="1"/>
+          </p:nvPr>
+        </p:nvSpPr>
+        <p:spPr/>
+        <p:txBody>
+          <a:bodyPr/>
+          <a:lstStyle/>
+          <a:p>
+            <a:endParaRPr lang="en-US"/>
+          </a:p>
+        </p:txBody>
+      </p:sp>
+      <p:sp>
+        <p:nvSpPr>
+          <p:cNvPr id="4" name="Slide Number Placeholder 3"/>
+          <p:cNvSpPr>
+            <a:spLocks noGrp="1"/>
+          </p:cNvSpPr>
+          <p:nvPr>
+            <p:ph type="sldNum" sz="quarter" idx="10"/>
+          </p:nvPr>
+        </p:nvSpPr>
+        <p:spPr/>
+        <p:txBody>
+          <a:bodyPr/>
+          <a:lstStyle/>
+          <a:p>
+            <a:fld id="{B4A2F2D2-68CD-A44C-B834-D97B08098101}" type="slidenum">
+              <a:rPr lang="en-US" smtClean="0"/>
+              <a:t>37</a:t>
+            </a:fld>
+            <a:endParaRPr lang="en-US"/>
+          </a:p>
+        </p:txBody>
+      </p:sp>
+    </p:spTree>
+    <p:extLst>
+      <p:ext uri="{BB962C8B-B14F-4D97-AF65-F5344CB8AC3E}">
+        <p14:creationId xmlns:p14="http://schemas.microsoft.com/office/powerpoint/2010/main" val="619720018"/>
+      </p:ext>
+    </p:extLst>
+  </p:cSld>
+  <p:clrMapOvr>
+    <a:masterClrMapping/>
+  </p:clrMapOvr>
+</p:notes>
+</file>
+
+<file path=ppt/notesSlides/notesSlide32.xml><?xml version="1.0" encoding="utf-8"?>
+<p:notes xmlns:a="http://schemas.openxmlformats.org/drawingml/2006/main" xmlns:r="http://schemas.openxmlformats.org/officeDocument/2006/relationships" xmlns:p="http://schemas.openxmlformats.org/presentationml/2006/main">
+  <p:cSld>
+    <p:spTree>
+      <p:nvGrpSpPr>
+        <p:cNvPr id="1" name=""/>
+        <p:cNvGrpSpPr/>
+        <p:nvPr/>
+      </p:nvGrpSpPr>
+      <p:grpSpPr>
+        <a:xfrm>
+          <a:off x="0" y="0"/>
+          <a:ext cx="0" cy="0"/>
+          <a:chOff x="0" y="0"/>
+          <a:chExt cx="0" cy="0"/>
+        </a:xfrm>
+      </p:grpSpPr>
+      <p:sp>
+        <p:nvSpPr>
+          <p:cNvPr id="2" name="Slide Image Placeholder 1"/>
+          <p:cNvSpPr>
+            <a:spLocks noGrp="1" noRot="1" noChangeAspect="1"/>
+          </p:cNvSpPr>
+          <p:nvPr>
+            <p:ph type="sldImg"/>
+          </p:nvPr>
+        </p:nvSpPr>
+        <p:spPr/>
+      </p:sp>
+      <p:sp>
+        <p:nvSpPr>
+          <p:cNvPr id="3" name="Notes Placeholder 2"/>
+          <p:cNvSpPr>
+            <a:spLocks noGrp="1"/>
+          </p:cNvSpPr>
+          <p:nvPr>
+            <p:ph type="body" idx="1"/>
+          </p:nvPr>
+        </p:nvSpPr>
+        <p:spPr/>
+        <p:txBody>
+          <a:bodyPr/>
+          <a:lstStyle/>
+          <a:p>
+            <a:endParaRPr lang="en-US"/>
+          </a:p>
+        </p:txBody>
+      </p:sp>
+      <p:sp>
+        <p:nvSpPr>
+          <p:cNvPr id="4" name="Slide Number Placeholder 3"/>
+          <p:cNvSpPr>
+            <a:spLocks noGrp="1"/>
+          </p:cNvSpPr>
+          <p:nvPr>
+            <p:ph type="sldNum" sz="quarter" idx="10"/>
+          </p:nvPr>
+        </p:nvSpPr>
+        <p:spPr/>
+        <p:txBody>
+          <a:bodyPr/>
+          <a:lstStyle/>
+          <a:p>
+            <a:fld id="{B4A2F2D2-68CD-A44C-B834-D97B08098101}" type="slidenum">
+              <a:rPr lang="en-US" smtClean="0"/>
+              <a:t>38</a:t>
+            </a:fld>
+            <a:endParaRPr lang="en-US"/>
+          </a:p>
+        </p:txBody>
+      </p:sp>
+    </p:spTree>
+    <p:extLst>
+      <p:ext uri="{BB962C8B-B14F-4D97-AF65-F5344CB8AC3E}">
+        <p14:creationId xmlns:p14="http://schemas.microsoft.com/office/powerpoint/2010/main" val="1434536863"/>
+      </p:ext>
+    </p:extLst>
+  </p:cSld>
+  <p:clrMapOvr>
+    <a:masterClrMapping/>
+  </p:clrMapOvr>
+</p:notes>
+</file>
+
+<file path=ppt/notesSlides/notesSlide33.xml><?xml version="1.0" encoding="utf-8"?>
+<p:notes xmlns:a="http://schemas.openxmlformats.org/drawingml/2006/main" xmlns:r="http://schemas.openxmlformats.org/officeDocument/2006/relationships" xmlns:p="http://schemas.openxmlformats.org/presentationml/2006/main">
+  <p:cSld>
+    <p:spTree>
+      <p:nvGrpSpPr>
+        <p:cNvPr id="1" name=""/>
+        <p:cNvGrpSpPr/>
+        <p:nvPr/>
+      </p:nvGrpSpPr>
+      <p:grpSpPr>
+        <a:xfrm>
+          <a:off x="0" y="0"/>
+          <a:ext cx="0" cy="0"/>
+          <a:chOff x="0" y="0"/>
+          <a:chExt cx="0" cy="0"/>
+        </a:xfrm>
+      </p:grpSpPr>
+      <p:sp>
+        <p:nvSpPr>
+          <p:cNvPr id="2" name="Slide Image Placeholder 1"/>
+          <p:cNvSpPr>
+            <a:spLocks noGrp="1" noRot="1" noChangeAspect="1"/>
+          </p:cNvSpPr>
+          <p:nvPr>
+            <p:ph type="sldImg"/>
+          </p:nvPr>
+        </p:nvSpPr>
+        <p:spPr/>
+      </p:sp>
+      <p:sp>
+        <p:nvSpPr>
+          <p:cNvPr id="3" name="Notes Placeholder 2"/>
+          <p:cNvSpPr>
+            <a:spLocks noGrp="1"/>
+          </p:cNvSpPr>
+          <p:nvPr>
+            <p:ph type="body" idx="1"/>
+          </p:nvPr>
+        </p:nvSpPr>
+        <p:spPr/>
+        <p:txBody>
+          <a:bodyPr/>
+          <a:lstStyle/>
+          <a:p>
+            <a:endParaRPr lang="en-US"/>
+          </a:p>
+        </p:txBody>
+      </p:sp>
+      <p:sp>
+        <p:nvSpPr>
+          <p:cNvPr id="4" name="Slide Number Placeholder 3"/>
+          <p:cNvSpPr>
+            <a:spLocks noGrp="1"/>
+          </p:cNvSpPr>
+          <p:nvPr>
+            <p:ph type="sldNum" sz="quarter" idx="10"/>
+          </p:nvPr>
+        </p:nvSpPr>
+        <p:spPr/>
+        <p:txBody>
+          <a:bodyPr/>
+          <a:lstStyle/>
+          <a:p>
+            <a:fld id="{B4A2F2D2-68CD-A44C-B834-D97B08098101}" type="slidenum">
+              <a:rPr lang="en-US" smtClean="0"/>
+              <a:t>39</a:t>
+            </a:fld>
+            <a:endParaRPr lang="en-US"/>
+          </a:p>
+        </p:txBody>
+      </p:sp>
+    </p:spTree>
+    <p:extLst>
+      <p:ext uri="{BB962C8B-B14F-4D97-AF65-F5344CB8AC3E}">
+        <p14:creationId xmlns:p14="http://schemas.microsoft.com/office/powerpoint/2010/main" val="3404762073"/>
+      </p:ext>
+    </p:extLst>
+  </p:cSld>
+  <p:clrMapOvr>
+    <a:masterClrMapping/>
+  </p:clrMapOvr>
+</p:notes>
+</file>
+
+<file path=ppt/notesSlides/notesSlide34.xml><?xml version="1.0" encoding="utf-8"?>
+<p:notes xmlns:a="http://schemas.openxmlformats.org/drawingml/2006/main" xmlns:r="http://schemas.openxmlformats.org/officeDocument/2006/relationships" xmlns:p="http://schemas.openxmlformats.org/presentationml/2006/main">
+  <p:cSld>
+    <p:spTree>
+      <p:nvGrpSpPr>
+        <p:cNvPr id="1" name=""/>
+        <p:cNvGrpSpPr/>
+        <p:nvPr/>
+      </p:nvGrpSpPr>
+      <p:grpSpPr>
+        <a:xfrm>
+          <a:off x="0" y="0"/>
+          <a:ext cx="0" cy="0"/>
+          <a:chOff x="0" y="0"/>
+          <a:chExt cx="0" cy="0"/>
+        </a:xfrm>
+      </p:grpSpPr>
+      <p:sp>
+        <p:nvSpPr>
+          <p:cNvPr id="2" name="Slide Image Placeholder 1"/>
+          <p:cNvSpPr>
+            <a:spLocks noGrp="1" noRot="1" noChangeAspect="1"/>
+          </p:cNvSpPr>
+          <p:nvPr>
+            <p:ph type="sldImg"/>
+          </p:nvPr>
+        </p:nvSpPr>
+        <p:spPr/>
+      </p:sp>
+      <p:sp>
+        <p:nvSpPr>
+          <p:cNvPr id="3" name="Notes Placeholder 2"/>
+          <p:cNvSpPr>
+            <a:spLocks noGrp="1"/>
+          </p:cNvSpPr>
+          <p:nvPr>
+            <p:ph type="body" idx="1"/>
+          </p:nvPr>
+        </p:nvSpPr>
+        <p:spPr/>
+        <p:txBody>
+          <a:bodyPr/>
+          <a:lstStyle/>
+          <a:p>
+            <a:endParaRPr lang="en-US" dirty="0"/>
+          </a:p>
+        </p:txBody>
+      </p:sp>
+      <p:sp>
+        <p:nvSpPr>
+          <p:cNvPr id="4" name="Slide Number Placeholder 3"/>
+          <p:cNvSpPr>
+            <a:spLocks noGrp="1"/>
+          </p:cNvSpPr>
+          <p:nvPr>
+            <p:ph type="sldNum" sz="quarter" idx="10"/>
+          </p:nvPr>
+        </p:nvSpPr>
+        <p:spPr/>
+        <p:txBody>
+          <a:bodyPr/>
+          <a:lstStyle/>
+          <a:p>
+            <a:fld id="{B4A2F2D2-68CD-A44C-B834-D97B08098101}" type="slidenum">
+              <a:rPr lang="en-US" smtClean="0"/>
+              <a:t>40</a:t>
+            </a:fld>
+            <a:endParaRPr lang="en-US"/>
+          </a:p>
+        </p:txBody>
+      </p:sp>
+    </p:spTree>
+    <p:extLst>
+      <p:ext uri="{BB962C8B-B14F-4D97-AF65-F5344CB8AC3E}">
+        <p14:creationId xmlns:p14="http://schemas.microsoft.com/office/powerpoint/2010/main" val="824732283"/>
+      </p:ext>
+    </p:extLst>
+  </p:cSld>
+  <p:clrMapOvr>
+    <a:masterClrMapping/>
+  </p:clrMapOvr>
+</p:notes>
+</file>
+
+<file path=ppt/notesSlides/notesSlide35.xml><?xml version="1.0" encoding="utf-8"?>
+<p:notes xmlns:a="http://schemas.openxmlformats.org/drawingml/2006/main" xmlns:r="http://schemas.openxmlformats.org/officeDocument/2006/relationships" xmlns:p="http://schemas.openxmlformats.org/presentationml/2006/main">
+  <p:cSld>
+    <p:spTree>
+      <p:nvGrpSpPr>
+        <p:cNvPr id="1" name=""/>
+        <p:cNvGrpSpPr/>
+        <p:nvPr/>
+      </p:nvGrpSpPr>
+      <p:grpSpPr>
+        <a:xfrm>
+          <a:off x="0" y="0"/>
+          <a:ext cx="0" cy="0"/>
+          <a:chOff x="0" y="0"/>
+          <a:chExt cx="0" cy="0"/>
+        </a:xfrm>
+      </p:grpSpPr>
+      <p:sp>
+        <p:nvSpPr>
+          <p:cNvPr id="2" name="Slide Image Placeholder 1"/>
+          <p:cNvSpPr>
+            <a:spLocks noGrp="1" noRot="1" noChangeAspect="1"/>
+          </p:cNvSpPr>
+          <p:nvPr>
+            <p:ph type="sldImg"/>
+          </p:nvPr>
+        </p:nvSpPr>
+        <p:spPr/>
+      </p:sp>
+      <p:sp>
+        <p:nvSpPr>
+          <p:cNvPr id="3" name="Notes Placeholder 2"/>
+          <p:cNvSpPr>
+            <a:spLocks noGrp="1"/>
+          </p:cNvSpPr>
+          <p:nvPr>
+            <p:ph type="body" idx="1"/>
+          </p:nvPr>
+        </p:nvSpPr>
+        <p:spPr/>
+        <p:txBody>
+          <a:bodyPr/>
+          <a:lstStyle/>
+          <a:p>
+            <a:endParaRPr lang="en-US"/>
+          </a:p>
+        </p:txBody>
+      </p:sp>
+      <p:sp>
+        <p:nvSpPr>
+          <p:cNvPr id="4" name="Slide Number Placeholder 3"/>
+          <p:cNvSpPr>
+            <a:spLocks noGrp="1"/>
+          </p:cNvSpPr>
+          <p:nvPr>
+            <p:ph type="sldNum" sz="quarter" idx="10"/>
+          </p:nvPr>
+        </p:nvSpPr>
+        <p:spPr/>
+        <p:txBody>
+          <a:bodyPr/>
+          <a:lstStyle/>
+          <a:p>
+            <a:fld id="{B4A2F2D2-68CD-A44C-B834-D97B08098101}" type="slidenum">
+              <a:rPr lang="en-US" smtClean="0"/>
+              <a:t>41</a:t>
+            </a:fld>
+            <a:endParaRPr lang="en-US"/>
+          </a:p>
+        </p:txBody>
+      </p:sp>
+    </p:spTree>
+    <p:extLst>
+      <p:ext uri="{BB962C8B-B14F-4D97-AF65-F5344CB8AC3E}">
+        <p14:creationId xmlns:p14="http://schemas.microsoft.com/office/powerpoint/2010/main" val="2064133630"/>
+      </p:ext>
+    </p:extLst>
+  </p:cSld>
+  <p:clrMapOvr>
+    <a:masterClrMapping/>
+  </p:clrMapOvr>
+</p:notes>
+</file>
+
+<file path=ppt/notesSlides/notesSlide36.xml><?xml version="1.0" encoding="utf-8"?>
+<p:notes xmlns:a="http://schemas.openxmlformats.org/drawingml/2006/main" xmlns:r="http://schemas.openxmlformats.org/officeDocument/2006/relationships" xmlns:p="http://schemas.openxmlformats.org/presentationml/2006/main">
+  <p:cSld>
+    <p:spTree>
+      <p:nvGrpSpPr>
+        <p:cNvPr id="1" name=""/>
+        <p:cNvGrpSpPr/>
+        <p:nvPr/>
+      </p:nvGrpSpPr>
+      <p:grpSpPr>
+        <a:xfrm>
+          <a:off x="0" y="0"/>
+          <a:ext cx="0" cy="0"/>
+          <a:chOff x="0" y="0"/>
+          <a:chExt cx="0" cy="0"/>
+        </a:xfrm>
+      </p:grpSpPr>
+      <p:sp>
+        <p:nvSpPr>
+          <p:cNvPr id="2" name="Slide Image Placeholder 1"/>
+          <p:cNvSpPr>
+            <a:spLocks noGrp="1" noRot="1" noChangeAspect="1"/>
+          </p:cNvSpPr>
+          <p:nvPr>
+            <p:ph type="sldImg"/>
+          </p:nvPr>
+        </p:nvSpPr>
+        <p:spPr/>
+      </p:sp>
+      <p:sp>
+        <p:nvSpPr>
+          <p:cNvPr id="3" name="Notes Placeholder 2"/>
+          <p:cNvSpPr>
+            <a:spLocks noGrp="1"/>
+          </p:cNvSpPr>
+          <p:nvPr>
+            <p:ph type="body" idx="1"/>
+          </p:nvPr>
+        </p:nvSpPr>
+        <p:spPr/>
+        <p:txBody>
+          <a:bodyPr/>
+          <a:lstStyle/>
+          <a:p>
+            <a:endParaRPr lang="en-US"/>
+          </a:p>
+        </p:txBody>
+      </p:sp>
+      <p:sp>
+        <p:nvSpPr>
+          <p:cNvPr id="4" name="Slide Number Placeholder 3"/>
+          <p:cNvSpPr>
+            <a:spLocks noGrp="1"/>
+          </p:cNvSpPr>
+          <p:nvPr>
+            <p:ph type="sldNum" sz="quarter" idx="10"/>
+          </p:nvPr>
+        </p:nvSpPr>
+        <p:spPr/>
+        <p:txBody>
+          <a:bodyPr/>
+          <a:lstStyle/>
+          <a:p>
+            <a:fld id="{B4A2F2D2-68CD-A44C-B834-D97B08098101}" type="slidenum">
+              <a:rPr lang="en-US" smtClean="0"/>
+              <a:t>42</a:t>
+            </a:fld>
+            <a:endParaRPr lang="en-US"/>
+          </a:p>
+        </p:txBody>
+      </p:sp>
+    </p:spTree>
+    <p:extLst>
+      <p:ext uri="{BB962C8B-B14F-4D97-AF65-F5344CB8AC3E}">
+        <p14:creationId xmlns:p14="http://schemas.microsoft.com/office/powerpoint/2010/main" val="199545450"/>
+      </p:ext>
+    </p:extLst>
+  </p:cSld>
+  <p:clrMapOvr>
+    <a:masterClrMapping/>
+  </p:clrMapOvr>
+</p:notes>
+</file>
+
+<file path=ppt/notesSlides/notesSlide37.xml><?xml version="1.0" encoding="utf-8"?>
+<p:notes xmlns:a="http://schemas.openxmlformats.org/drawingml/2006/main" xmlns:r="http://schemas.openxmlformats.org/officeDocument/2006/relationships" xmlns:p="http://schemas.openxmlformats.org/presentationml/2006/main">
+  <p:cSld>
+    <p:spTree>
+      <p:nvGrpSpPr>
+        <p:cNvPr id="1" name=""/>
+        <p:cNvGrpSpPr/>
+        <p:nvPr/>
+      </p:nvGrpSpPr>
+      <p:grpSpPr>
+        <a:xfrm>
+          <a:off x="0" y="0"/>
+          <a:ext cx="0" cy="0"/>
+          <a:chOff x="0" y="0"/>
+          <a:chExt cx="0" cy="0"/>
+        </a:xfrm>
+      </p:grpSpPr>
+      <p:sp>
+        <p:nvSpPr>
+          <p:cNvPr id="2" name="Slide Image Placeholder 1"/>
+          <p:cNvSpPr>
+            <a:spLocks noGrp="1" noRot="1" noChangeAspect="1"/>
+          </p:cNvSpPr>
+          <p:nvPr>
+            <p:ph type="sldImg"/>
+          </p:nvPr>
+        </p:nvSpPr>
+        <p:spPr/>
+      </p:sp>
+      <p:sp>
+        <p:nvSpPr>
+          <p:cNvPr id="3" name="Notes Placeholder 2"/>
+          <p:cNvSpPr>
+            <a:spLocks noGrp="1"/>
+          </p:cNvSpPr>
+          <p:nvPr>
+            <p:ph type="body" idx="1"/>
+          </p:nvPr>
+        </p:nvSpPr>
+        <p:spPr/>
+        <p:txBody>
+          <a:bodyPr/>
+          <a:lstStyle/>
+          <a:p>
+            <a:endParaRPr lang="en-US"/>
+          </a:p>
+        </p:txBody>
+      </p:sp>
+      <p:sp>
+        <p:nvSpPr>
+          <p:cNvPr id="4" name="Slide Number Placeholder 3"/>
+          <p:cNvSpPr>
+            <a:spLocks noGrp="1"/>
+          </p:cNvSpPr>
+          <p:nvPr>
+            <p:ph type="sldNum" sz="quarter" idx="10"/>
+          </p:nvPr>
+        </p:nvSpPr>
+        <p:spPr/>
+        <p:txBody>
+          <a:bodyPr/>
+          <a:lstStyle/>
+          <a:p>
+            <a:fld id="{B4A2F2D2-68CD-A44C-B834-D97B08098101}" type="slidenum">
+              <a:rPr lang="en-US" smtClean="0"/>
+              <a:t>43</a:t>
+            </a:fld>
+            <a:endParaRPr lang="en-US"/>
+          </a:p>
+        </p:txBody>
+      </p:sp>
+    </p:spTree>
+    <p:extLst>
+      <p:ext uri="{BB962C8B-B14F-4D97-AF65-F5344CB8AC3E}">
+        <p14:creationId xmlns:p14="http://schemas.microsoft.com/office/powerpoint/2010/main" val="1134891999"/>
+      </p:ext>
+    </p:extLst>
+  </p:cSld>
+  <p:clrMapOvr>
+    <a:masterClrMapping/>
+  </p:clrMapOvr>
+</p:notes>
+</file>
+
+<file path=ppt/notesSlides/notesSlide38.xml><?xml version="1.0" encoding="utf-8"?>
+<p:notes xmlns:a="http://schemas.openxmlformats.org/drawingml/2006/main" xmlns:r="http://schemas.openxmlformats.org/officeDocument/2006/relationships" xmlns:p="http://schemas.openxmlformats.org/presentationml/2006/main">
+  <p:cSld>
+    <p:spTree>
+      <p:nvGrpSpPr>
+        <p:cNvPr id="1" name=""/>
+        <p:cNvGrpSpPr/>
+        <p:nvPr/>
+      </p:nvGrpSpPr>
+      <p:grpSpPr>
+        <a:xfrm>
+          <a:off x="0" y="0"/>
+          <a:ext cx="0" cy="0"/>
+          <a:chOff x="0" y="0"/>
+          <a:chExt cx="0" cy="0"/>
+        </a:xfrm>
+      </p:grpSpPr>
+      <p:sp>
+        <p:nvSpPr>
+          <p:cNvPr id="2" name="Slide Image Placeholder 1"/>
+          <p:cNvSpPr>
+            <a:spLocks noGrp="1" noRot="1" noChangeAspect="1"/>
+          </p:cNvSpPr>
+          <p:nvPr>
+            <p:ph type="sldImg"/>
+          </p:nvPr>
+        </p:nvSpPr>
+        <p:spPr/>
+      </p:sp>
+      <p:sp>
+        <p:nvSpPr>
+          <p:cNvPr id="3" name="Notes Placeholder 2"/>
+          <p:cNvSpPr>
+            <a:spLocks noGrp="1"/>
+          </p:cNvSpPr>
+          <p:nvPr>
+            <p:ph type="body" idx="1"/>
+          </p:nvPr>
+        </p:nvSpPr>
+        <p:spPr/>
+        <p:txBody>
+          <a:bodyPr/>
+          <a:lstStyle/>
+          <a:p>
+            <a:endParaRPr lang="en-US"/>
+          </a:p>
+        </p:txBody>
+      </p:sp>
+      <p:sp>
+        <p:nvSpPr>
+          <p:cNvPr id="4" name="Slide Number Placeholder 3"/>
+          <p:cNvSpPr>
+            <a:spLocks noGrp="1"/>
+          </p:cNvSpPr>
+          <p:nvPr>
+            <p:ph type="sldNum" sz="quarter" idx="10"/>
+          </p:nvPr>
+        </p:nvSpPr>
+        <p:spPr/>
+        <p:txBody>
+          <a:bodyPr/>
+          <a:lstStyle/>
+          <a:p>
+            <a:fld id="{B4A2F2D2-68CD-A44C-B834-D97B08098101}" type="slidenum">
+              <a:rPr lang="en-US" smtClean="0"/>
+              <a:t>44</a:t>
+            </a:fld>
+            <a:endParaRPr lang="en-US"/>
+          </a:p>
+        </p:txBody>
+      </p:sp>
+    </p:spTree>
+    <p:extLst>
+      <p:ext uri="{BB962C8B-B14F-4D97-AF65-F5344CB8AC3E}">
+        <p14:creationId xmlns:p14="http://schemas.microsoft.com/office/powerpoint/2010/main" val="1964219347"/>
+      </p:ext>
+    </p:extLst>
+  </p:cSld>
+  <p:clrMapOvr>
+    <a:masterClrMapping/>
+  </p:clrMapOvr>
+</p:notes>
+</file>
+
+<file path=ppt/notesSlides/notesSlide39.xml><?xml version="1.0" encoding="utf-8"?>
+<p:notes xmlns:a="http://schemas.openxmlformats.org/drawingml/2006/main" xmlns:r="http://schemas.openxmlformats.org/officeDocument/2006/relationships" xmlns:p="http://schemas.openxmlformats.org/presentationml/2006/main">
+  <p:cSld>
+    <p:spTree>
+      <p:nvGrpSpPr>
+        <p:cNvPr id="1" name=""/>
+        <p:cNvGrpSpPr/>
+        <p:nvPr/>
+      </p:nvGrpSpPr>
+      <p:grpSpPr>
+        <a:xfrm>
+          <a:off x="0" y="0"/>
+          <a:ext cx="0" cy="0"/>
+          <a:chOff x="0" y="0"/>
+          <a:chExt cx="0" cy="0"/>
+        </a:xfrm>
+      </p:grpSpPr>
+      <p:sp>
+        <p:nvSpPr>
+          <p:cNvPr id="2" name="Slide Image Placeholder 1"/>
+          <p:cNvSpPr>
+            <a:spLocks noGrp="1" noRot="1" noChangeAspect="1"/>
+          </p:cNvSpPr>
+          <p:nvPr>
+            <p:ph type="sldImg"/>
+          </p:nvPr>
+        </p:nvSpPr>
+        <p:spPr/>
+      </p:sp>
+      <p:sp>
+        <p:nvSpPr>
+          <p:cNvPr id="3" name="Notes Placeholder 2"/>
+          <p:cNvSpPr>
+            <a:spLocks noGrp="1"/>
+          </p:cNvSpPr>
+          <p:nvPr>
+            <p:ph type="body" idx="1"/>
+          </p:nvPr>
+        </p:nvSpPr>
+        <p:spPr/>
+        <p:txBody>
+          <a:bodyPr/>
+          <a:lstStyle/>
+          <a:p>
+            <a:endParaRPr lang="en-US"/>
+          </a:p>
+        </p:txBody>
+      </p:sp>
+      <p:sp>
+        <p:nvSpPr>
+          <p:cNvPr id="4" name="Slide Number Placeholder 3"/>
+          <p:cNvSpPr>
+            <a:spLocks noGrp="1"/>
+          </p:cNvSpPr>
+          <p:nvPr>
+            <p:ph type="sldNum" sz="quarter" idx="10"/>
+          </p:nvPr>
+        </p:nvSpPr>
+        <p:spPr/>
+        <p:txBody>
+          <a:bodyPr/>
+          <a:lstStyle/>
+          <a:p>
+            <a:fld id="{B4A2F2D2-68CD-A44C-B834-D97B08098101}" type="slidenum">
+              <a:rPr lang="en-US" smtClean="0"/>
+              <a:t>45</a:t>
+            </a:fld>
+            <a:endParaRPr lang="en-US"/>
+          </a:p>
+        </p:txBody>
+      </p:sp>
+    </p:spTree>
+    <p:extLst>
+      <p:ext uri="{BB962C8B-B14F-4D97-AF65-F5344CB8AC3E}">
+        <p14:creationId xmlns:p14="http://schemas.microsoft.com/office/powerpoint/2010/main" val="3497014717"/>
+      </p:ext>
+    </p:extLst>
+  </p:cSld>
+  <p:clrMapOvr>
+    <a:masterClrMapping/>
+  </p:clrMapOvr>
+</p:notes>
+</file>
+
+<file path=ppt/notesSlides/notesSlide4.xml><?xml version="1.0" encoding="utf-8"?>
+<p:notes xmlns:a="http://schemas.openxmlformats.org/drawingml/2006/main" xmlns:r="http://schemas.openxmlformats.org/officeDocument/2006/relationships" xmlns:p="http://schemas.openxmlformats.org/presentationml/2006/main">
+  <p:cSld>
+    <p:spTree>
+      <p:nvGrpSpPr>
+        <p:cNvPr id="1" name=""/>
+        <p:cNvGrpSpPr/>
+        <p:nvPr/>
+      </p:nvGrpSpPr>
+      <p:grpSpPr>
+        <a:xfrm>
+          <a:off x="0" y="0"/>
+          <a:ext cx="0" cy="0"/>
+          <a:chOff x="0" y="0"/>
+          <a:chExt cx="0" cy="0"/>
+        </a:xfrm>
+      </p:grpSpPr>
+      <p:sp>
+        <p:nvSpPr>
+          <p:cNvPr id="2" name="Slide Image Placeholder 1"/>
+          <p:cNvSpPr>
+            <a:spLocks noGrp="1" noRot="1" noChangeAspect="1"/>
+          </p:cNvSpPr>
+          <p:nvPr>
+            <p:ph type="sldImg"/>
+          </p:nvPr>
+        </p:nvSpPr>
+        <p:spPr/>
+      </p:sp>
+      <p:sp>
+        <p:nvSpPr>
+          <p:cNvPr id="3" name="Notes Placeholder 2"/>
+          <p:cNvSpPr>
+            <a:spLocks noGrp="1"/>
+          </p:cNvSpPr>
+          <p:nvPr>
+            <p:ph type="body" idx="1"/>
+          </p:nvPr>
+        </p:nvSpPr>
+        <p:spPr/>
+        <p:txBody>
+          <a:bodyPr/>
+          <a:lstStyle/>
+          <a:p>
+            <a:endParaRPr lang="en-US"/>
+          </a:p>
+        </p:txBody>
+      </p:sp>
+      <p:sp>
+        <p:nvSpPr>
+          <p:cNvPr id="4" name="Slide Number Placeholder 3"/>
+          <p:cNvSpPr>
+            <a:spLocks noGrp="1"/>
+          </p:cNvSpPr>
+          <p:nvPr>
+            <p:ph type="sldNum" sz="quarter" idx="10"/>
+          </p:nvPr>
+        </p:nvSpPr>
+        <p:spPr/>
+        <p:txBody>
+          <a:bodyPr/>
+          <a:lstStyle/>
+          <a:p>
+            <a:fld id="{B4A2F2D2-68CD-A44C-B834-D97B08098101}" type="slidenum">
+              <a:rPr lang="en-US" smtClean="0"/>
+              <a:t>6</a:t>
+            </a:fld>
+            <a:endParaRPr lang="en-US"/>
+          </a:p>
+        </p:txBody>
+      </p:sp>
+    </p:spTree>
+    <p:extLst>
+      <p:ext uri="{BB962C8B-B14F-4D97-AF65-F5344CB8AC3E}">
+        <p14:creationId xmlns:p14="http://schemas.microsoft.com/office/powerpoint/2010/main" val="1287532268"/>
+      </p:ext>
+    </p:extLst>
+  </p:cSld>
+  <p:clrMapOvr>
+    <a:masterClrMapping/>
+  </p:clrMapOvr>
+</p:notes>
+</file>
+
+<file path=ppt/notesSlides/notesSlide40.xml><?xml version="1.0" encoding="utf-8"?>
+<p:notes xmlns:a="http://schemas.openxmlformats.org/drawingml/2006/main" xmlns:r="http://schemas.openxmlformats.org/officeDocument/2006/relationships" xmlns:p="http://schemas.openxmlformats.org/presentationml/2006/main">
+  <p:cSld>
+    <p:spTree>
+      <p:nvGrpSpPr>
+        <p:cNvPr id="1" name=""/>
+        <p:cNvGrpSpPr/>
+        <p:nvPr/>
+      </p:nvGrpSpPr>
+      <p:grpSpPr>
+        <a:xfrm>
+          <a:off x="0" y="0"/>
+          <a:ext cx="0" cy="0"/>
+          <a:chOff x="0" y="0"/>
+          <a:chExt cx="0" cy="0"/>
+        </a:xfrm>
+      </p:grpSpPr>
+      <p:sp>
+        <p:nvSpPr>
+          <p:cNvPr id="2" name="Slide Image Placeholder 1"/>
+          <p:cNvSpPr>
+            <a:spLocks noGrp="1" noRot="1" noChangeAspect="1"/>
+          </p:cNvSpPr>
+          <p:nvPr>
+            <p:ph type="sldImg"/>
+          </p:nvPr>
+        </p:nvSpPr>
+        <p:spPr/>
+      </p:sp>
+      <p:sp>
+        <p:nvSpPr>
+          <p:cNvPr id="3" name="Notes Placeholder 2"/>
+          <p:cNvSpPr>
+            <a:spLocks noGrp="1"/>
+          </p:cNvSpPr>
+          <p:nvPr>
+            <p:ph type="body" idx="1"/>
+          </p:nvPr>
+        </p:nvSpPr>
+        <p:spPr/>
+        <p:txBody>
+          <a:bodyPr/>
+          <a:lstStyle/>
+          <a:p>
+            <a:endParaRPr lang="en-US" dirty="0"/>
+          </a:p>
+        </p:txBody>
+      </p:sp>
+      <p:sp>
+        <p:nvSpPr>
+          <p:cNvPr id="4" name="Slide Number Placeholder 3"/>
+          <p:cNvSpPr>
+            <a:spLocks noGrp="1"/>
+          </p:cNvSpPr>
+          <p:nvPr>
+            <p:ph type="sldNum" sz="quarter" idx="10"/>
+          </p:nvPr>
+        </p:nvSpPr>
+        <p:spPr/>
+        <p:txBody>
+          <a:bodyPr/>
+          <a:lstStyle/>
+          <a:p>
+            <a:fld id="{B4A2F2D2-68CD-A44C-B834-D97B08098101}" type="slidenum">
+              <a:rPr lang="en-US" smtClean="0"/>
+              <a:t>47</a:t>
+            </a:fld>
+            <a:endParaRPr lang="en-US"/>
+          </a:p>
+        </p:txBody>
+      </p:sp>
+    </p:spTree>
+    <p:extLst>
+      <p:ext uri="{BB962C8B-B14F-4D97-AF65-F5344CB8AC3E}">
+        <p14:creationId xmlns:p14="http://schemas.microsoft.com/office/powerpoint/2010/main" val="2804602654"/>
+      </p:ext>
+    </p:extLst>
+  </p:cSld>
+  <p:clrMapOvr>
+    <a:masterClrMapping/>
+  </p:clrMapOvr>
+</p:notes>
+</file>
+
+<file path=ppt/notesSlides/notesSlide41.xml><?xml version="1.0" encoding="utf-8"?>
+<p:notes xmlns:a="http://schemas.openxmlformats.org/drawingml/2006/main" xmlns:r="http://schemas.openxmlformats.org/officeDocument/2006/relationships" xmlns:p="http://schemas.openxmlformats.org/presentationml/2006/main">
+  <p:cSld>
+    <p:spTree>
+      <p:nvGrpSpPr>
+        <p:cNvPr id="1" name=""/>
+        <p:cNvGrpSpPr/>
+        <p:nvPr/>
+      </p:nvGrpSpPr>
+      <p:grpSpPr>
+        <a:xfrm>
+          <a:off x="0" y="0"/>
+          <a:ext cx="0" cy="0"/>
+          <a:chOff x="0" y="0"/>
+          <a:chExt cx="0" cy="0"/>
+        </a:xfrm>
+      </p:grpSpPr>
+      <p:sp>
+        <p:nvSpPr>
+          <p:cNvPr id="2" name="Slide Image Placeholder 1"/>
+          <p:cNvSpPr>
+            <a:spLocks noGrp="1" noRot="1" noChangeAspect="1"/>
+          </p:cNvSpPr>
+          <p:nvPr>
+            <p:ph type="sldImg"/>
+          </p:nvPr>
+        </p:nvSpPr>
+        <p:spPr/>
+      </p:sp>
+      <p:sp>
+        <p:nvSpPr>
+          <p:cNvPr id="3" name="Notes Placeholder 2"/>
+          <p:cNvSpPr>
+            <a:spLocks noGrp="1"/>
+          </p:cNvSpPr>
+          <p:nvPr>
+            <p:ph type="body" idx="1"/>
+          </p:nvPr>
+        </p:nvSpPr>
+        <p:spPr/>
+        <p:txBody>
+          <a:bodyPr/>
+          <a:lstStyle/>
+          <a:p>
+            <a:endParaRPr lang="en-US"/>
+          </a:p>
+        </p:txBody>
+      </p:sp>
+      <p:sp>
+        <p:nvSpPr>
+          <p:cNvPr id="4" name="Slide Number Placeholder 3"/>
+          <p:cNvSpPr>
+            <a:spLocks noGrp="1"/>
+          </p:cNvSpPr>
+          <p:nvPr>
+            <p:ph type="sldNum" sz="quarter" idx="10"/>
+          </p:nvPr>
+        </p:nvSpPr>
+        <p:spPr/>
+        <p:txBody>
+          <a:bodyPr/>
+          <a:lstStyle/>
+          <a:p>
+            <a:fld id="{B4A2F2D2-68CD-A44C-B834-D97B08098101}" type="slidenum">
+              <a:rPr lang="en-US" smtClean="0"/>
+              <a:t>48</a:t>
+            </a:fld>
+            <a:endParaRPr lang="en-US"/>
+          </a:p>
+        </p:txBody>
+      </p:sp>
+    </p:spTree>
+    <p:extLst>
+      <p:ext uri="{BB962C8B-B14F-4D97-AF65-F5344CB8AC3E}">
+        <p14:creationId xmlns:p14="http://schemas.microsoft.com/office/powerpoint/2010/main" val="2584892531"/>
+      </p:ext>
+    </p:extLst>
+  </p:cSld>
+  <p:clrMapOvr>
+    <a:masterClrMapping/>
+  </p:clrMapOvr>
+</p:notes>
+</file>
+
+<file path=ppt/notesSlides/notesSlide5.xml><?xml version="1.0" encoding="utf-8"?>
+<p:notes xmlns:a="http://schemas.openxmlformats.org/drawingml/2006/main" xmlns:r="http://schemas.openxmlformats.org/officeDocument/2006/relationships" xmlns:p="http://schemas.openxmlformats.org/presentationml/2006/main">
+  <p:cSld>
+    <p:spTree>
+      <p:nvGrpSpPr>
+        <p:cNvPr id="1" name=""/>
+        <p:cNvGrpSpPr/>
+        <p:nvPr/>
+      </p:nvGrpSpPr>
+      <p:grpSpPr>
+        <a:xfrm>
+          <a:off x="0" y="0"/>
+          <a:ext cx="0" cy="0"/>
+          <a:chOff x="0" y="0"/>
+          <a:chExt cx="0" cy="0"/>
+        </a:xfrm>
+      </p:grpSpPr>
+      <p:sp>
+        <p:nvSpPr>
+          <p:cNvPr id="2" name="Slide Image Placeholder 1"/>
+          <p:cNvSpPr>
+            <a:spLocks noGrp="1" noRot="1" noChangeAspect="1"/>
+          </p:cNvSpPr>
+          <p:nvPr>
+            <p:ph type="sldImg"/>
+          </p:nvPr>
+        </p:nvSpPr>
+        <p:spPr/>
+      </p:sp>
+      <p:sp>
+        <p:nvSpPr>
+          <p:cNvPr id="3" name="Notes Placeholder 2"/>
+          <p:cNvSpPr>
+            <a:spLocks noGrp="1"/>
+          </p:cNvSpPr>
+          <p:nvPr>
+            <p:ph type="body" idx="1"/>
+          </p:nvPr>
+        </p:nvSpPr>
+        <p:spPr/>
+        <p:txBody>
+          <a:bodyPr/>
+          <a:lstStyle/>
+          <a:p>
+            <a:endParaRPr lang="en-US"/>
+          </a:p>
+        </p:txBody>
+      </p:sp>
+      <p:sp>
+        <p:nvSpPr>
+          <p:cNvPr id="4" name="Slide Number Placeholder 3"/>
+          <p:cNvSpPr>
+            <a:spLocks noGrp="1"/>
+          </p:cNvSpPr>
+          <p:nvPr>
+            <p:ph type="sldNum" sz="quarter" idx="10"/>
+          </p:nvPr>
+        </p:nvSpPr>
+        <p:spPr/>
+        <p:txBody>
+          <a:bodyPr/>
+          <a:lstStyle/>
+          <a:p>
+            <a:fld id="{B4A2F2D2-68CD-A44C-B834-D97B08098101}" type="slidenum">
+              <a:rPr lang="en-US" smtClean="0"/>
+              <a:t>7</a:t>
+            </a:fld>
+            <a:endParaRPr lang="en-US"/>
+          </a:p>
+        </p:txBody>
+      </p:sp>
+    </p:spTree>
+    <p:extLst>
+      <p:ext uri="{BB962C8B-B14F-4D97-AF65-F5344CB8AC3E}">
+        <p14:creationId xmlns:p14="http://schemas.microsoft.com/office/powerpoint/2010/main" val="4272690647"/>
+      </p:ext>
+    </p:extLst>
+  </p:cSld>
+  <p:clrMapOvr>
+    <a:masterClrMapping/>
+  </p:clrMapOvr>
+</p:notes>
+</file>
+
+<file path=ppt/notesSlides/notesSlide6.xml><?xml version="1.0" encoding="utf-8"?>
+<p:notes xmlns:a="http://schemas.openxmlformats.org/drawingml/2006/main" xmlns:r="http://schemas.openxmlformats.org/officeDocument/2006/relationships" xmlns:p="http://schemas.openxmlformats.org/presentationml/2006/main">
+  <p:cSld>
+    <p:spTree>
+      <p:nvGrpSpPr>
+        <p:cNvPr id="1" name=""/>
+        <p:cNvGrpSpPr/>
+        <p:nvPr/>
+      </p:nvGrpSpPr>
+      <p:grpSpPr>
+        <a:xfrm>
+          <a:off x="0" y="0"/>
+          <a:ext cx="0" cy="0"/>
+          <a:chOff x="0" y="0"/>
+          <a:chExt cx="0" cy="0"/>
+        </a:xfrm>
+      </p:grpSpPr>
+      <p:sp>
+        <p:nvSpPr>
+          <p:cNvPr id="2" name="Slide Image Placeholder 1"/>
+          <p:cNvSpPr>
+            <a:spLocks noGrp="1" noRot="1" noChangeAspect="1"/>
+          </p:cNvSpPr>
+          <p:nvPr>
+            <p:ph type="sldImg"/>
+          </p:nvPr>
+        </p:nvSpPr>
+        <p:spPr/>
+      </p:sp>
+      <p:sp>
+        <p:nvSpPr>
+          <p:cNvPr id="3" name="Notes Placeholder 2"/>
+          <p:cNvSpPr>
+            <a:spLocks noGrp="1"/>
+          </p:cNvSpPr>
+          <p:nvPr>
+            <p:ph type="body" idx="1"/>
+          </p:nvPr>
+        </p:nvSpPr>
+        <p:spPr/>
+        <p:txBody>
+          <a:bodyPr/>
+          <a:lstStyle/>
+          <a:p>
             <a:r>
               <a:rPr lang="en-US" dirty="0"/>
               <a:t>Daniel</a:t>
@@ -736,6 +3816,258 @@
     <p:extLst>
       <p:ext uri="{BB962C8B-B14F-4D97-AF65-F5344CB8AC3E}">
         <p14:creationId xmlns:p14="http://schemas.microsoft.com/office/powerpoint/2010/main" val="585226518"/>
+      </p:ext>
+    </p:extLst>
+  </p:cSld>
+  <p:clrMapOvr>
+    <a:masterClrMapping/>
+  </p:clrMapOvr>
+</p:notes>
+</file>
+
+<file path=ppt/notesSlides/notesSlide7.xml><?xml version="1.0" encoding="utf-8"?>
+<p:notes xmlns:a="http://schemas.openxmlformats.org/drawingml/2006/main" xmlns:r="http://schemas.openxmlformats.org/officeDocument/2006/relationships" xmlns:p="http://schemas.openxmlformats.org/presentationml/2006/main">
+  <p:cSld>
+    <p:spTree>
+      <p:nvGrpSpPr>
+        <p:cNvPr id="1" name=""/>
+        <p:cNvGrpSpPr/>
+        <p:nvPr/>
+      </p:nvGrpSpPr>
+      <p:grpSpPr>
+        <a:xfrm>
+          <a:off x="0" y="0"/>
+          <a:ext cx="0" cy="0"/>
+          <a:chOff x="0" y="0"/>
+          <a:chExt cx="0" cy="0"/>
+        </a:xfrm>
+      </p:grpSpPr>
+      <p:sp>
+        <p:nvSpPr>
+          <p:cNvPr id="2" name="Slide Image Placeholder 1"/>
+          <p:cNvSpPr>
+            <a:spLocks noGrp="1" noRot="1" noChangeAspect="1"/>
+          </p:cNvSpPr>
+          <p:nvPr>
+            <p:ph type="sldImg"/>
+          </p:nvPr>
+        </p:nvSpPr>
+        <p:spPr/>
+      </p:sp>
+      <p:sp>
+        <p:nvSpPr>
+          <p:cNvPr id="3" name="Notes Placeholder 2"/>
+          <p:cNvSpPr>
+            <a:spLocks noGrp="1"/>
+          </p:cNvSpPr>
+          <p:nvPr>
+            <p:ph type="body" idx="1"/>
+          </p:nvPr>
+        </p:nvSpPr>
+        <p:spPr/>
+        <p:txBody>
+          <a:bodyPr/>
+          <a:lstStyle/>
+          <a:p>
+            <a:endParaRPr lang="en-US"/>
+          </a:p>
+        </p:txBody>
+      </p:sp>
+      <p:sp>
+        <p:nvSpPr>
+          <p:cNvPr id="4" name="Slide Number Placeholder 3"/>
+          <p:cNvSpPr>
+            <a:spLocks noGrp="1"/>
+          </p:cNvSpPr>
+          <p:nvPr>
+            <p:ph type="sldNum" sz="quarter" idx="10"/>
+          </p:nvPr>
+        </p:nvSpPr>
+        <p:spPr/>
+        <p:txBody>
+          <a:bodyPr/>
+          <a:lstStyle/>
+          <a:p>
+            <a:fld id="{B4A2F2D2-68CD-A44C-B834-D97B08098101}" type="slidenum">
+              <a:rPr lang="en-US" smtClean="0"/>
+              <a:t>12</a:t>
+            </a:fld>
+            <a:endParaRPr lang="en-US"/>
+          </a:p>
+        </p:txBody>
+      </p:sp>
+    </p:spTree>
+    <p:extLst>
+      <p:ext uri="{BB962C8B-B14F-4D97-AF65-F5344CB8AC3E}">
+        <p14:creationId xmlns:p14="http://schemas.microsoft.com/office/powerpoint/2010/main" val="2155788614"/>
+      </p:ext>
+    </p:extLst>
+  </p:cSld>
+  <p:clrMapOvr>
+    <a:masterClrMapping/>
+  </p:clrMapOvr>
+</p:notes>
+</file>
+
+<file path=ppt/notesSlides/notesSlide8.xml><?xml version="1.0" encoding="utf-8"?>
+<p:notes xmlns:a="http://schemas.openxmlformats.org/drawingml/2006/main" xmlns:r="http://schemas.openxmlformats.org/officeDocument/2006/relationships" xmlns:p="http://schemas.openxmlformats.org/presentationml/2006/main">
+  <p:cSld>
+    <p:spTree>
+      <p:nvGrpSpPr>
+        <p:cNvPr id="1" name=""/>
+        <p:cNvGrpSpPr/>
+        <p:nvPr/>
+      </p:nvGrpSpPr>
+      <p:grpSpPr>
+        <a:xfrm>
+          <a:off x="0" y="0"/>
+          <a:ext cx="0" cy="0"/>
+          <a:chOff x="0" y="0"/>
+          <a:chExt cx="0" cy="0"/>
+        </a:xfrm>
+      </p:grpSpPr>
+      <p:sp>
+        <p:nvSpPr>
+          <p:cNvPr id="2" name="Slide Image Placeholder 1"/>
+          <p:cNvSpPr>
+            <a:spLocks noGrp="1" noRot="1" noChangeAspect="1"/>
+          </p:cNvSpPr>
+          <p:nvPr>
+            <p:ph type="sldImg"/>
+          </p:nvPr>
+        </p:nvSpPr>
+        <p:spPr/>
+      </p:sp>
+      <p:sp>
+        <p:nvSpPr>
+          <p:cNvPr id="3" name="Notes Placeholder 2"/>
+          <p:cNvSpPr>
+            <a:spLocks noGrp="1"/>
+          </p:cNvSpPr>
+          <p:nvPr>
+            <p:ph type="body" idx="1"/>
+          </p:nvPr>
+        </p:nvSpPr>
+        <p:spPr/>
+        <p:txBody>
+          <a:bodyPr/>
+          <a:lstStyle/>
+          <a:p>
+            <a:endParaRPr lang="en-US"/>
+          </a:p>
+        </p:txBody>
+      </p:sp>
+      <p:sp>
+        <p:nvSpPr>
+          <p:cNvPr id="4" name="Slide Number Placeholder 3"/>
+          <p:cNvSpPr>
+            <a:spLocks noGrp="1"/>
+          </p:cNvSpPr>
+          <p:nvPr>
+            <p:ph type="sldNum" sz="quarter" idx="10"/>
+          </p:nvPr>
+        </p:nvSpPr>
+        <p:spPr/>
+        <p:txBody>
+          <a:bodyPr/>
+          <a:lstStyle/>
+          <a:p>
+            <a:fld id="{B4A2F2D2-68CD-A44C-B834-D97B08098101}" type="slidenum">
+              <a:rPr lang="en-US" smtClean="0"/>
+              <a:t>14</a:t>
+            </a:fld>
+            <a:endParaRPr lang="en-US"/>
+          </a:p>
+        </p:txBody>
+      </p:sp>
+    </p:spTree>
+    <p:extLst>
+      <p:ext uri="{BB962C8B-B14F-4D97-AF65-F5344CB8AC3E}">
+        <p14:creationId xmlns:p14="http://schemas.microsoft.com/office/powerpoint/2010/main" val="172719325"/>
+      </p:ext>
+    </p:extLst>
+  </p:cSld>
+  <p:clrMapOvr>
+    <a:masterClrMapping/>
+  </p:clrMapOvr>
+</p:notes>
+</file>
+
+<file path=ppt/notesSlides/notesSlide9.xml><?xml version="1.0" encoding="utf-8"?>
+<p:notes xmlns:a="http://schemas.openxmlformats.org/drawingml/2006/main" xmlns:r="http://schemas.openxmlformats.org/officeDocument/2006/relationships" xmlns:p="http://schemas.openxmlformats.org/presentationml/2006/main">
+  <p:cSld>
+    <p:spTree>
+      <p:nvGrpSpPr>
+        <p:cNvPr id="1" name=""/>
+        <p:cNvGrpSpPr/>
+        <p:nvPr/>
+      </p:nvGrpSpPr>
+      <p:grpSpPr>
+        <a:xfrm>
+          <a:off x="0" y="0"/>
+          <a:ext cx="0" cy="0"/>
+          <a:chOff x="0" y="0"/>
+          <a:chExt cx="0" cy="0"/>
+        </a:xfrm>
+      </p:grpSpPr>
+      <p:sp>
+        <p:nvSpPr>
+          <p:cNvPr id="2" name="Slide Image Placeholder 1"/>
+          <p:cNvSpPr>
+            <a:spLocks noGrp="1" noRot="1" noChangeAspect="1"/>
+          </p:cNvSpPr>
+          <p:nvPr>
+            <p:ph type="sldImg"/>
+          </p:nvPr>
+        </p:nvSpPr>
+        <p:spPr/>
+      </p:sp>
+      <p:sp>
+        <p:nvSpPr>
+          <p:cNvPr id="3" name="Notes Placeholder 2"/>
+          <p:cNvSpPr>
+            <a:spLocks noGrp="1"/>
+          </p:cNvSpPr>
+          <p:nvPr>
+            <p:ph type="body" idx="1"/>
+          </p:nvPr>
+        </p:nvSpPr>
+        <p:spPr/>
+        <p:txBody>
+          <a:bodyPr/>
+          <a:lstStyle/>
+          <a:p>
+            <a:endParaRPr lang="en-US"/>
+          </a:p>
+        </p:txBody>
+      </p:sp>
+      <p:sp>
+        <p:nvSpPr>
+          <p:cNvPr id="4" name="Slide Number Placeholder 3"/>
+          <p:cNvSpPr>
+            <a:spLocks noGrp="1"/>
+          </p:cNvSpPr>
+          <p:nvPr>
+            <p:ph type="sldNum" sz="quarter" idx="10"/>
+          </p:nvPr>
+        </p:nvSpPr>
+        <p:spPr/>
+        <p:txBody>
+          <a:bodyPr/>
+          <a:lstStyle/>
+          <a:p>
+            <a:fld id="{B4A2F2D2-68CD-A44C-B834-D97B08098101}" type="slidenum">
+              <a:rPr lang="en-US" smtClean="0"/>
+              <a:t>15</a:t>
+            </a:fld>
+            <a:endParaRPr lang="en-US"/>
+          </a:p>
+        </p:txBody>
+      </p:sp>
+    </p:spTree>
+    <p:extLst>
+      <p:ext uri="{BB962C8B-B14F-4D97-AF65-F5344CB8AC3E}">
+        <p14:creationId xmlns:p14="http://schemas.microsoft.com/office/powerpoint/2010/main" val="2209559056"/>
       </p:ext>
     </p:extLst>
   </p:cSld>
@@ -840,7 +4172,7 @@
           <a:effectLst/>
           <a:extLst>
             <a:ext uri="{91240B29-F687-4f45-9708-019B960494DF}">
-              <a14:hiddenLine xmlns:a14="http://schemas.microsoft.com/office/drawing/2010/main" xmlns="" w="9525">
+              <a14:hiddenLine xmlns="" xmlns:a14="http://schemas.microsoft.com/office/drawing/2010/main" w="9525">
                 <a:solidFill>
                   <a:srgbClr val="000000"/>
                 </a:solidFill>
@@ -2350,7 +5682,7 @@
           <a:ln/>
           <a:extLst>
             <a:ext uri="{91240B29-F687-4f45-9708-019B960494DF}">
-              <a14:hiddenLine xmlns:a14="http://schemas.microsoft.com/office/drawing/2010/main" xmlns="" w="9525">
+              <a14:hiddenLine xmlns="" xmlns:a14="http://schemas.microsoft.com/office/drawing/2010/main" w="9525">
                 <a:solidFill>
                   <a:srgbClr val="000000"/>
                 </a:solidFill>
@@ -2626,7 +5958,7 @@
           <a:ln/>
           <a:extLst>
             <a:ext uri="{91240B29-F687-4f45-9708-019B960494DF}">
-              <a14:hiddenLine xmlns:a14="http://schemas.microsoft.com/office/drawing/2010/main" xmlns="" w="9525">
+              <a14:hiddenLine xmlns="" xmlns:a14="http://schemas.microsoft.com/office/drawing/2010/main" w="9525">
                 <a:solidFill>
                   <a:srgbClr val="000000"/>
                 </a:solidFill>
@@ -2906,7 +6238,7 @@
           <a:ln/>
           <a:extLst>
             <a:ext uri="{91240B29-F687-4f45-9708-019B960494DF}">
-              <a14:hiddenLine xmlns:a14="http://schemas.microsoft.com/office/drawing/2010/main" xmlns="" w="9525">
+              <a14:hiddenLine xmlns="" xmlns:a14="http://schemas.microsoft.com/office/drawing/2010/main" w="9525">
                 <a:solidFill>
                   <a:srgbClr val="000000"/>
                 </a:solidFill>
@@ -3545,7 +6877,7 @@
           <a:ln/>
           <a:extLst>
             <a:ext uri="{91240B29-F687-4f45-9708-019B960494DF}">
-              <a14:hiddenLine xmlns:a14="http://schemas.microsoft.com/office/drawing/2010/main" xmlns="" w="9525">
+              <a14:hiddenLine xmlns="" xmlns:a14="http://schemas.microsoft.com/office/drawing/2010/main" w="9525">
                 <a:solidFill>
                   <a:srgbClr val="000000"/>
                 </a:solidFill>
@@ -3915,7 +7247,7 @@
           <a:ln/>
           <a:extLst>
             <a:ext uri="{91240B29-F687-4f45-9708-019B960494DF}">
-              <a14:hiddenLine xmlns:a14="http://schemas.microsoft.com/office/drawing/2010/main" xmlns="" w="9525">
+              <a14:hiddenLine xmlns="" xmlns:a14="http://schemas.microsoft.com/office/drawing/2010/main" w="9525">
                 <a:solidFill>
                   <a:srgbClr val="000000"/>
                 </a:solidFill>
@@ -4420,7 +7752,7 @@
           <a:ln/>
           <a:extLst>
             <a:ext uri="{91240B29-F687-4f45-9708-019B960494DF}">
-              <a14:hiddenLine xmlns:a14="http://schemas.microsoft.com/office/drawing/2010/main" xmlns="" w="9525">
+              <a14:hiddenLine xmlns="" xmlns:a14="http://schemas.microsoft.com/office/drawing/2010/main" w="9525">
                 <a:solidFill>
                   <a:srgbClr val="000000"/>
                 </a:solidFill>
@@ -4847,7 +8179,7 @@
           <a:ln/>
           <a:extLst>
             <a:ext uri="{91240B29-F687-4f45-9708-019B960494DF}">
-              <a14:hiddenLine xmlns:a14="http://schemas.microsoft.com/office/drawing/2010/main" xmlns="" w="9525">
+              <a14:hiddenLine xmlns="" xmlns:a14="http://schemas.microsoft.com/office/drawing/2010/main" w="9525">
                 <a:solidFill>
                   <a:srgbClr val="000000"/>
                 </a:solidFill>
@@ -6484,14 +9816,19 @@
             <p:ph type="title"/>
           </p:nvPr>
         </p:nvSpPr>
-        <p:spPr/>
+        <p:spPr>
+          <a:xfrm>
+            <a:off x="810001" y="440326"/>
+            <a:ext cx="10571998" cy="970450"/>
+          </a:xfrm>
+        </p:spPr>
         <p:txBody>
           <a:bodyPr/>
           <a:lstStyle/>
           <a:p>
             <a:r>
               <a:rPr lang="en-US" dirty="0"/>
-              <a:t>Http Tracer Lib v-1.0.0</a:t>
+              <a:t>HttpTracer v1.0.0</a:t>
             </a:r>
           </a:p>
         </p:txBody>
@@ -6546,9 +9883,6 @@
               <a:rPr lang="en-US" sz="2400" dirty="0"/>
               <a:t>Multi Target lib</a:t>
             </a:r>
-          </a:p>
-          <a:p>
-            <a:endParaRPr lang="en-US" sz="2400" dirty="0"/>
           </a:p>
         </p:txBody>
       </p:sp>
@@ -6739,7 +10073,7 @@
           <a:p>
             <a:r>
               <a:rPr lang="en-CA" sz="2400" dirty="0"/>
-              <a:t>Customise log text (simple, complex)</a:t>
+              <a:t>Customize logging verbosity</a:t>
             </a:r>
             <a:endParaRPr lang="en-US" sz="2400" dirty="0"/>
           </a:p>
@@ -6804,7 +10138,7 @@
           <a:p>
             <a:r>
               <a:rPr lang="en-US" dirty="0"/>
-              <a:t>Come contribute</a:t>
+              <a:t>Come Contribute</a:t>
             </a:r>
           </a:p>
         </p:txBody>
@@ -6824,7 +10158,7 @@
           <p:nvPr/>
         </p:nvPicPr>
         <p:blipFill>
-          <a:blip r:embed="rId2"/>
+          <a:blip r:embed="rId3"/>
           <a:stretch>
             <a:fillRect/>
           </a:stretch>
@@ -6913,14 +10247,31 @@
             <p:ph type="body" idx="1"/>
           </p:nvPr>
         </p:nvSpPr>
-        <p:spPr/>
-        <p:txBody>
-          <a:bodyPr/>
-          <a:lstStyle/>
-          <a:p>
+        <p:spPr>
+          <a:xfrm>
+            <a:off x="810000" y="5281201"/>
+            <a:ext cx="10561418" cy="433955"/>
+          </a:xfrm>
+        </p:spPr>
+        <p:txBody>
+          <a:bodyPr/>
+          <a:lstStyle/>
+          <a:p>
+            <a:r>
+              <a:rPr lang="en-US" sz="3200" b="1" kern="1200" dirty="0">
+                <a:solidFill>
+                  <a:schemeClr val="tx1"/>
+                </a:solidFill>
+                <a:effectLst/>
+                <a:latin typeface="+mn-lt"/>
+                <a:ea typeface="+mn-ea"/>
+                <a:cs typeface="+mn-cs"/>
+              </a:rPr>
+              <a:t>Experience/</a:t>
+            </a:r>
             <a:r>
               <a:rPr lang="en-US" dirty="0"/>
-              <a:t>Recap &amp; Announcements</a:t>
+              <a:t>Recap/Announcements</a:t>
             </a:r>
           </a:p>
         </p:txBody>
@@ -6971,8 +10322,8 @@
           <a:lstStyle/>
           <a:p>
             <a:r>
-              <a:rPr lang="en-US" dirty="0"/>
-              <a:t>//build</a:t>
+              <a:rPr lang="en-CA" dirty="0"/>
+              <a:t>Personal Experience</a:t>
             </a:r>
           </a:p>
         </p:txBody>
@@ -6989,10 +10340,56 @@
         </p:nvSpPr>
         <p:spPr/>
         <p:txBody>
-          <a:bodyPr/>
-          <a:lstStyle/>
-          <a:p>
-            <a:endParaRPr lang="en-US" dirty="0"/>
+          <a:bodyPr>
+            <a:normAutofit fontScale="85000" lnSpcReduction="10000"/>
+          </a:bodyPr>
+          <a:lstStyle/>
+          <a:p>
+            <a:r>
+              <a:rPr lang="en-CA" dirty="0"/>
+              <a:t>Seattle is a great city</a:t>
+            </a:r>
+          </a:p>
+          <a:p>
+            <a:r>
+              <a:rPr lang="en-CA" dirty="0"/>
+              <a:t>Expo floor booths operated by team members</a:t>
+            </a:r>
+          </a:p>
+          <a:p>
+            <a:r>
+              <a:rPr lang="en-CA" dirty="0"/>
+              <a:t>Networking opportunities</a:t>
+            </a:r>
+          </a:p>
+          <a:p>
+            <a:r>
+              <a:rPr lang="en-CA" dirty="0"/>
+              <a:t>Exposure to new technology</a:t>
+            </a:r>
+          </a:p>
+          <a:p>
+            <a:r>
+              <a:rPr lang="en-CA" dirty="0"/>
+              <a:t>Hands on sessions</a:t>
+            </a:r>
+          </a:p>
+          <a:p>
+            <a:r>
+              <a:rPr lang="en-CA" dirty="0"/>
+              <a:t>Celebration at Seattle Center/</a:t>
+            </a:r>
+            <a:r>
+              <a:rPr lang="en-CA" dirty="0" err="1"/>
+              <a:t>MoPOP</a:t>
+            </a:r>
+            <a:endParaRPr lang="en-CA" dirty="0"/>
+          </a:p>
+          <a:p>
+            <a:r>
+              <a:rPr lang="en-CA" dirty="0"/>
+              <a:t>Swag!</a:t>
+            </a:r>
           </a:p>
         </p:txBody>
       </p:sp>
@@ -7031,7 +10428,7 @@
           <p:cNvPr id="2" name="Title 1">
             <a:extLst>
               <a:ext uri="{FF2B5EF4-FFF2-40B4-BE49-F238E27FC236}">
-                <a16:creationId xmlns:a16="http://schemas.microsoft.com/office/drawing/2014/main" id="{35C7633E-5210-5E47-9AA9-5C5E800C32F4}"/>
+                <a16:creationId xmlns:a16="http://schemas.microsoft.com/office/drawing/2014/main" id="{ECECE9C6-B723-6C46-A2E9-9E24971496EB}"/>
               </a:ext>
             </a:extLst>
           </p:cNvPr>
@@ -7048,22 +10445,19 @@
           <a:lstStyle/>
           <a:p>
             <a:r>
-              <a:rPr lang="en-US" dirty="0" err="1"/>
-              <a:t>Xamarin.Forms</a:t>
-            </a:r>
-            <a:r>
-              <a:rPr lang="en-US" dirty="0"/>
-              <a:t> 3.0</a:t>
-            </a:r>
-          </a:p>
-        </p:txBody>
-      </p:sp>
-      <p:sp>
-        <p:nvSpPr>
-          <p:cNvPr id="3" name="Text Placeholder 2">
+              <a:rPr lang="en-CA" dirty="0"/>
+              <a:t>Vision</a:t>
+            </a:r>
+            <a:endParaRPr lang="en-US" dirty="0"/>
+          </a:p>
+        </p:txBody>
+      </p:sp>
+      <p:sp>
+        <p:nvSpPr>
+          <p:cNvPr id="3" name="Content Placeholder 2">
             <a:extLst>
               <a:ext uri="{FF2B5EF4-FFF2-40B4-BE49-F238E27FC236}">
-                <a16:creationId xmlns:a16="http://schemas.microsoft.com/office/drawing/2014/main" id="{90DE9B74-4623-6348-A380-C6472F59399C}"/>
+                <a16:creationId xmlns:a16="http://schemas.microsoft.com/office/drawing/2014/main" id="{724BD588-A9F4-A442-9182-0782829C7267}"/>
               </a:ext>
             </a:extLst>
           </p:cNvPr>
@@ -7071,17 +10465,43 @@
             <a:spLocks noGrp="1"/>
           </p:cNvSpPr>
           <p:nvPr>
-            <p:ph type="body" idx="1"/>
-          </p:nvPr>
-        </p:nvSpPr>
-        <p:spPr/>
-        <p:txBody>
-          <a:bodyPr/>
-          <a:lstStyle/>
-          <a:p>
-            <a:r>
-              <a:rPr lang="en-US" dirty="0"/>
-              <a:t>What’s New?</a:t>
+            <p:ph idx="1"/>
+          </p:nvPr>
+        </p:nvSpPr>
+        <p:spPr/>
+        <p:txBody>
+          <a:bodyPr>
+            <a:normAutofit/>
+          </a:bodyPr>
+          <a:lstStyle/>
+          <a:p>
+            <a:r>
+              <a:rPr lang="en-CA" dirty="0"/>
+              <a:t>Privacy &amp; Trust</a:t>
+            </a:r>
+          </a:p>
+          <a:p>
+            <a:r>
+              <a:rPr lang="en-CA" dirty="0"/>
+              <a:t>Connectivity</a:t>
+            </a:r>
+          </a:p>
+          <a:p>
+            <a:r>
+              <a:rPr lang="en-CA" dirty="0"/>
+              <a:t>Empathy &amp; Accessibility</a:t>
+            </a:r>
+          </a:p>
+          <a:p>
+            <a:r>
+              <a:rPr lang="en-CA" dirty="0"/>
+              <a:t>Empowering Developers</a:t>
+            </a:r>
+          </a:p>
+          <a:p>
+            <a:r>
+              <a:rPr lang="en-CA" dirty="0"/>
+              <a:t>Open Source</a:t>
             </a:r>
           </a:p>
         </p:txBody>
@@ -7089,7 +10509,7 @@
     </p:spTree>
     <p:extLst>
       <p:ext uri="{BB962C8B-B14F-4D97-AF65-F5344CB8AC3E}">
-        <p14:creationId xmlns:p14="http://schemas.microsoft.com/office/powerpoint/2010/main" val="4250813406"/>
+        <p14:creationId xmlns:p14="http://schemas.microsoft.com/office/powerpoint/2010/main" val="2721995144"/>
       </p:ext>
     </p:extLst>
   </p:cSld>
@@ -7118,36 +10538,10 @@
       </p:grpSpPr>
       <p:sp>
         <p:nvSpPr>
-          <p:cNvPr id="4" name="Title 3"/>
-          <p:cNvSpPr>
-            <a:spLocks noGrp="1"/>
-          </p:cNvSpPr>
-          <p:nvPr>
-            <p:ph type="title"/>
-          </p:nvPr>
-        </p:nvSpPr>
-        <p:spPr/>
-        <p:txBody>
-          <a:bodyPr/>
-          <a:lstStyle/>
-          <a:p>
-            <a:r>
-              <a:rPr lang="en-US" dirty="0" err="1"/>
-              <a:t>Xamarin.Forms</a:t>
-            </a:r>
-            <a:r>
-              <a:rPr lang="en-US" dirty="0"/>
-              <a:t> 3.0</a:t>
-            </a:r>
-          </a:p>
-        </p:txBody>
-      </p:sp>
-      <p:sp>
-        <p:nvSpPr>
-          <p:cNvPr id="6" name="Content Placeholder 2">
+          <p:cNvPr id="2" name="Title 1">
             <a:extLst>
               <a:ext uri="{FF2B5EF4-FFF2-40B4-BE49-F238E27FC236}">
-                <a16:creationId xmlns:a16="http://schemas.microsoft.com/office/drawing/2014/main" id="{B74DA8F2-2D3F-8346-B61B-A67DEF5C707F}"/>
+                <a16:creationId xmlns:a16="http://schemas.microsoft.com/office/drawing/2014/main" id="{BBD6374A-8192-084D-980D-3B6BD01330A6}"/>
               </a:ext>
             </a:extLst>
           </p:cNvPr>
@@ -7155,64 +10549,80 @@
             <a:spLocks noGrp="1"/>
           </p:cNvSpPr>
           <p:nvPr>
+            <p:ph type="title"/>
+          </p:nvPr>
+        </p:nvSpPr>
+        <p:spPr/>
+        <p:txBody>
+          <a:bodyPr/>
+          <a:lstStyle/>
+          <a:p>
+            <a:r>
+              <a:rPr lang="en-CA" dirty="0"/>
+              <a:t>Microsoft Ecosystem - Azure</a:t>
+            </a:r>
+            <a:endParaRPr lang="en-US" dirty="0"/>
+          </a:p>
+        </p:txBody>
+      </p:sp>
+      <p:sp>
+        <p:nvSpPr>
+          <p:cNvPr id="3" name="Content Placeholder 2">
+            <a:extLst>
+              <a:ext uri="{FF2B5EF4-FFF2-40B4-BE49-F238E27FC236}">
+                <a16:creationId xmlns:a16="http://schemas.microsoft.com/office/drawing/2014/main" id="{46BB66C1-0847-044A-AAF1-3ECE2011FF15}"/>
+              </a:ext>
+            </a:extLst>
+          </p:cNvPr>
+          <p:cNvSpPr>
+            <a:spLocks noGrp="1"/>
+          </p:cNvSpPr>
+          <p:nvPr>
             <p:ph idx="1"/>
           </p:nvPr>
         </p:nvSpPr>
-        <p:spPr>
-          <a:xfrm>
-            <a:off x="818711" y="2222287"/>
-            <a:ext cx="10655893" cy="3710162"/>
-          </a:xfrm>
-        </p:spPr>
-        <p:txBody>
-          <a:bodyPr>
-            <a:noAutofit/>
+        <p:spPr/>
+        <p:txBody>
+          <a:bodyPr numCol="1">
+            <a:normAutofit/>
           </a:bodyPr>
           <a:lstStyle/>
           <a:p>
             <a:r>
-              <a:rPr lang="en-CA" sz="2400" dirty="0"/>
-              <a:t>Globalization - Right to Left (RTL) flow direction for text, layouts, and images.</a:t>
-            </a:r>
-          </a:p>
-          <a:p>
-            <a:r>
-              <a:rPr lang="en-US" sz="2400" dirty="0"/>
-              <a:t>CSS - </a:t>
-            </a:r>
-            <a:r>
-              <a:rPr lang="en-CA" sz="2400" dirty="0"/>
-              <a:t>An alternative styling implementation to complement XAML styles and support</a:t>
-            </a:r>
-            <a:r>
               <a:rPr lang="en-CA" dirty="0"/>
-              <a:t> </a:t>
-            </a:r>
-            <a:endParaRPr lang="en-US" sz="2400" dirty="0"/>
-          </a:p>
-          <a:p>
-            <a:r>
-              <a:rPr lang="en-CA" sz="2400" dirty="0" err="1"/>
-              <a:t>FlexLayout</a:t>
-            </a:r>
-            <a:r>
-              <a:rPr lang="en-CA" sz="2400" dirty="0"/>
-              <a:t>  - A flexible box layout container using</a:t>
-            </a:r>
-          </a:p>
-          <a:p>
-            <a:r>
-              <a:rPr lang="en-CA" sz="2400" dirty="0"/>
-              <a:t>Visual State Manager  - Specify states for a control to customize appearance and behavior.</a:t>
-            </a:r>
-            <a:endParaRPr lang="en-US" sz="2400" dirty="0"/>
+              <a:t>Azure Sphere</a:t>
+            </a:r>
+          </a:p>
+          <a:p>
+            <a:r>
+              <a:rPr lang="en-CA" dirty="0"/>
+              <a:t>Azure Stack</a:t>
+            </a:r>
+          </a:p>
+          <a:p>
+            <a:r>
+              <a:rPr lang="en-CA" dirty="0"/>
+              <a:t>IoT/IoT Edge</a:t>
+            </a:r>
+          </a:p>
+          <a:p>
+            <a:r>
+              <a:rPr lang="en-CA" dirty="0"/>
+              <a:t>AI/Cognitive services</a:t>
+            </a:r>
+          </a:p>
+          <a:p>
+            <a:r>
+              <a:rPr lang="en-CA" dirty="0"/>
+              <a:t>Bot Framework</a:t>
+            </a:r>
           </a:p>
         </p:txBody>
       </p:sp>
     </p:spTree>
     <p:extLst>
       <p:ext uri="{BB962C8B-B14F-4D97-AF65-F5344CB8AC3E}">
-        <p14:creationId xmlns:p14="http://schemas.microsoft.com/office/powerpoint/2010/main" val="3326134276"/>
+        <p14:creationId xmlns:p14="http://schemas.microsoft.com/office/powerpoint/2010/main" val="723048658"/>
       </p:ext>
     </p:extLst>
   </p:cSld>
@@ -7288,7 +10698,7 @@
             </a:r>
             <a:r>
               <a:rPr lang="en-US" dirty="0"/>
-              <a:t>, 485 Queen St West</a:t>
+              <a:t>, 483 Queen St West</a:t>
             </a:r>
           </a:p>
         </p:txBody>
@@ -7325,87 +10735,1100 @@
       </p:grpSpPr>
       <p:sp>
         <p:nvSpPr>
-          <p:cNvPr id="2" name="Title 1"/>
-          <p:cNvSpPr>
-            <a:spLocks noGrp="1"/>
-          </p:cNvSpPr>
-          <p:nvPr>
-            <p:ph type="ctrTitle"/>
-          </p:nvPr>
-        </p:nvSpPr>
-        <p:spPr/>
-        <p:txBody>
-          <a:bodyPr/>
-          <a:lstStyle/>
-          <a:p>
-            <a:r>
-              <a:rPr lang="en-US" dirty="0"/>
-              <a:t>Thank You!</a:t>
-            </a:r>
-          </a:p>
-        </p:txBody>
-      </p:sp>
-      <p:sp>
-        <p:nvSpPr>
-          <p:cNvPr id="3" name="Content Placeholder 2"/>
-          <p:cNvSpPr>
-            <a:spLocks noGrp="1"/>
-          </p:cNvSpPr>
-          <p:nvPr>
-            <p:ph type="subTitle" idx="1"/>
-          </p:nvPr>
-        </p:nvSpPr>
-        <p:spPr/>
-        <p:txBody>
-          <a:bodyPr>
-            <a:normAutofit fontScale="85000" lnSpcReduction="20000"/>
-          </a:bodyPr>
-          <a:lstStyle/>
-          <a:p>
-            <a:endParaRPr lang="en-US" dirty="0"/>
-          </a:p>
-        </p:txBody>
-      </p:sp>
-      <p:pic>
-        <p:nvPicPr>
-          <p:cNvPr id="4" name="Picture 3">
+          <p:cNvPr id="2" name="Title 1">
             <a:extLst>
               <a:ext uri="{FF2B5EF4-FFF2-40B4-BE49-F238E27FC236}">
-                <a16:creationId xmlns:a16="http://schemas.microsoft.com/office/drawing/2014/main" id="{3693010A-8884-5348-A3E4-A41DB4C799A3}"/>
+                <a16:creationId xmlns:a16="http://schemas.microsoft.com/office/drawing/2014/main" id="{BBD6374A-8192-084D-980D-3B6BD01330A6}"/>
               </a:ext>
             </a:extLst>
           </p:cNvPr>
-          <p:cNvPicPr>
-            <a:picLocks noChangeAspect="1"/>
-          </p:cNvPicPr>
-          <p:nvPr/>
-        </p:nvPicPr>
-        <p:blipFill>
-          <a:blip r:embed="rId2">
+          <p:cNvSpPr>
+            <a:spLocks noGrp="1"/>
+          </p:cNvSpPr>
+          <p:nvPr>
+            <p:ph type="title"/>
+          </p:nvPr>
+        </p:nvSpPr>
+        <p:spPr/>
+        <p:txBody>
+          <a:bodyPr/>
+          <a:lstStyle/>
+          <a:p>
+            <a:r>
+              <a:rPr lang="en-CA" dirty="0"/>
+              <a:t>Microsoft Ecosystem – M365</a:t>
+            </a:r>
+            <a:endParaRPr lang="en-US" dirty="0"/>
+          </a:p>
+        </p:txBody>
+      </p:sp>
+      <p:sp>
+        <p:nvSpPr>
+          <p:cNvPr id="3" name="Content Placeholder 2">
             <a:extLst>
-              <a:ext uri="{28A0092B-C50C-407E-A947-70E740481C1C}">
-                <a14:useLocalDpi xmlns:a14="http://schemas.microsoft.com/office/drawing/2010/main" val="0"/>
+              <a:ext uri="{FF2B5EF4-FFF2-40B4-BE49-F238E27FC236}">
+                <a16:creationId xmlns:a16="http://schemas.microsoft.com/office/drawing/2014/main" id="{46BB66C1-0847-044A-AAF1-3ECE2011FF15}"/>
               </a:ext>
             </a:extLst>
-          </a:blip>
-          <a:stretch>
-            <a:fillRect/>
-          </a:stretch>
-        </p:blipFill>
-        <p:spPr>
-          <a:xfrm>
-            <a:off x="8335369" y="5280847"/>
-            <a:ext cx="3046632" cy="1049509"/>
-          </a:xfrm>
-          <a:prstGeom prst="rect">
-            <a:avLst/>
-          </a:prstGeom>
-        </p:spPr>
-      </p:pic>
+          </p:cNvPr>
+          <p:cNvSpPr>
+            <a:spLocks noGrp="1"/>
+          </p:cNvSpPr>
+          <p:nvPr>
+            <p:ph idx="1"/>
+          </p:nvPr>
+        </p:nvSpPr>
+        <p:spPr/>
+        <p:txBody>
+          <a:bodyPr numCol="1">
+            <a:normAutofit/>
+          </a:bodyPr>
+          <a:lstStyle/>
+          <a:p>
+            <a:r>
+              <a:rPr lang="en-CA" dirty="0"/>
+              <a:t>Windows + Office + EMS (Enterprise Mobility + Security)</a:t>
+            </a:r>
+          </a:p>
+        </p:txBody>
+      </p:sp>
     </p:spTree>
     <p:extLst>
       <p:ext uri="{BB962C8B-B14F-4D97-AF65-F5344CB8AC3E}">
-        <p14:creationId xmlns:p14="http://schemas.microsoft.com/office/powerpoint/2010/main" val="158586706"/>
+        <p14:creationId xmlns:p14="http://schemas.microsoft.com/office/powerpoint/2010/main" val="2881431141"/>
+      </p:ext>
+    </p:extLst>
+  </p:cSld>
+  <p:clrMapOvr>
+    <a:masterClrMapping/>
+  </p:clrMapOvr>
+</p:sld>
+</file>
+
+<file path=ppt/slides/slide21.xml><?xml version="1.0" encoding="utf-8"?>
+<p:sld xmlns:a="http://schemas.openxmlformats.org/drawingml/2006/main" xmlns:r="http://schemas.openxmlformats.org/officeDocument/2006/relationships" xmlns:p="http://schemas.openxmlformats.org/presentationml/2006/main">
+  <p:cSld>
+    <p:spTree>
+      <p:nvGrpSpPr>
+        <p:cNvPr id="1" name=""/>
+        <p:cNvGrpSpPr/>
+        <p:nvPr/>
+      </p:nvGrpSpPr>
+      <p:grpSpPr>
+        <a:xfrm>
+          <a:off x="0" y="0"/>
+          <a:ext cx="0" cy="0"/>
+          <a:chOff x="0" y="0"/>
+          <a:chExt cx="0" cy="0"/>
+        </a:xfrm>
+      </p:grpSpPr>
+      <p:sp>
+        <p:nvSpPr>
+          <p:cNvPr id="2" name="Title 1">
+            <a:extLst>
+              <a:ext uri="{FF2B5EF4-FFF2-40B4-BE49-F238E27FC236}">
+                <a16:creationId xmlns:a16="http://schemas.microsoft.com/office/drawing/2014/main" id="{BD1DA725-3114-CA4E-86A7-4F08C8CDE8CF}"/>
+              </a:ext>
+            </a:extLst>
+          </p:cNvPr>
+          <p:cNvSpPr>
+            <a:spLocks noGrp="1"/>
+          </p:cNvSpPr>
+          <p:nvPr>
+            <p:ph type="title"/>
+          </p:nvPr>
+        </p:nvSpPr>
+        <p:spPr/>
+        <p:txBody>
+          <a:bodyPr/>
+          <a:lstStyle/>
+          <a:p>
+            <a:r>
+              <a:rPr lang="en-US" dirty="0"/>
+              <a:t>Visual Studio</a:t>
+            </a:r>
+          </a:p>
+        </p:txBody>
+      </p:sp>
+      <p:sp>
+        <p:nvSpPr>
+          <p:cNvPr id="3" name="Content Placeholder 2">
+            <a:extLst>
+              <a:ext uri="{FF2B5EF4-FFF2-40B4-BE49-F238E27FC236}">
+                <a16:creationId xmlns:a16="http://schemas.microsoft.com/office/drawing/2014/main" id="{D9104423-FAB5-6347-BFFD-B1B4EF1DE18E}"/>
+              </a:ext>
+            </a:extLst>
+          </p:cNvPr>
+          <p:cNvSpPr>
+            <a:spLocks noGrp="1"/>
+          </p:cNvSpPr>
+          <p:nvPr>
+            <p:ph idx="1"/>
+          </p:nvPr>
+        </p:nvSpPr>
+        <p:spPr/>
+        <p:txBody>
+          <a:bodyPr/>
+          <a:lstStyle/>
+          <a:p>
+            <a:r>
+              <a:rPr lang="en-US" dirty="0"/>
+              <a:t>Visual Studio Live Share</a:t>
+            </a:r>
+          </a:p>
+          <a:p>
+            <a:pPr lvl="1"/>
+            <a:r>
+              <a:rPr lang="en-US" dirty="0"/>
+              <a:t>Visual Studio 15.7</a:t>
+            </a:r>
+          </a:p>
+          <a:p>
+            <a:pPr lvl="1"/>
+            <a:r>
+              <a:rPr lang="en-US" dirty="0"/>
+              <a:t>Visual Studio Code (Mac/Windows)</a:t>
+            </a:r>
+          </a:p>
+          <a:p>
+            <a:pPr lvl="1"/>
+            <a:r>
+              <a:rPr lang="en-US" dirty="0"/>
+              <a:t>Extension</a:t>
+            </a:r>
+          </a:p>
+        </p:txBody>
+      </p:sp>
+    </p:spTree>
+    <p:extLst>
+      <p:ext uri="{BB962C8B-B14F-4D97-AF65-F5344CB8AC3E}">
+        <p14:creationId xmlns:p14="http://schemas.microsoft.com/office/powerpoint/2010/main" val="4073686353"/>
+      </p:ext>
+    </p:extLst>
+  </p:cSld>
+  <p:clrMapOvr>
+    <a:masterClrMapping/>
+  </p:clrMapOvr>
+</p:sld>
+</file>
+
+<file path=ppt/slides/slide22.xml><?xml version="1.0" encoding="utf-8"?>
+<p:sld xmlns:a="http://schemas.openxmlformats.org/drawingml/2006/main" xmlns:r="http://schemas.openxmlformats.org/officeDocument/2006/relationships" xmlns:p="http://schemas.openxmlformats.org/presentationml/2006/main">
+  <p:cSld>
+    <p:spTree>
+      <p:nvGrpSpPr>
+        <p:cNvPr id="1" name=""/>
+        <p:cNvGrpSpPr/>
+        <p:nvPr/>
+      </p:nvGrpSpPr>
+      <p:grpSpPr>
+        <a:xfrm>
+          <a:off x="0" y="0"/>
+          <a:ext cx="0" cy="0"/>
+          <a:chOff x="0" y="0"/>
+          <a:chExt cx="0" cy="0"/>
+        </a:xfrm>
+      </p:grpSpPr>
+      <p:sp>
+        <p:nvSpPr>
+          <p:cNvPr id="2" name="Title 1">
+            <a:extLst>
+              <a:ext uri="{FF2B5EF4-FFF2-40B4-BE49-F238E27FC236}">
+                <a16:creationId xmlns:a16="http://schemas.microsoft.com/office/drawing/2014/main" id="{8DEAF37B-A65E-5947-8598-9D42C4E38EDF}"/>
+              </a:ext>
+            </a:extLst>
+          </p:cNvPr>
+          <p:cNvSpPr>
+            <a:spLocks noGrp="1"/>
+          </p:cNvSpPr>
+          <p:nvPr>
+            <p:ph type="title"/>
+          </p:nvPr>
+        </p:nvSpPr>
+        <p:spPr/>
+        <p:txBody>
+          <a:bodyPr/>
+          <a:lstStyle/>
+          <a:p>
+            <a:r>
+              <a:rPr lang="en-US" dirty="0"/>
+              <a:t>Demo</a:t>
+            </a:r>
+          </a:p>
+        </p:txBody>
+      </p:sp>
+      <p:sp>
+        <p:nvSpPr>
+          <p:cNvPr id="3" name="Content Placeholder 2">
+            <a:extLst>
+              <a:ext uri="{FF2B5EF4-FFF2-40B4-BE49-F238E27FC236}">
+                <a16:creationId xmlns:a16="http://schemas.microsoft.com/office/drawing/2014/main" id="{148A1690-9AA2-B942-AA64-E3631C84FAAD}"/>
+              </a:ext>
+            </a:extLst>
+          </p:cNvPr>
+          <p:cNvSpPr>
+            <a:spLocks noGrp="1"/>
+          </p:cNvSpPr>
+          <p:nvPr>
+            <p:ph type="body" idx="1"/>
+          </p:nvPr>
+        </p:nvSpPr>
+        <p:spPr/>
+        <p:txBody>
+          <a:bodyPr/>
+          <a:lstStyle/>
+          <a:p>
+            <a:r>
+              <a:rPr lang="en-US" dirty="0"/>
+              <a:t>Visual Studio Live Share</a:t>
+            </a:r>
+          </a:p>
+        </p:txBody>
+      </p:sp>
+    </p:spTree>
+    <p:extLst>
+      <p:ext uri="{BB962C8B-B14F-4D97-AF65-F5344CB8AC3E}">
+        <p14:creationId xmlns:p14="http://schemas.microsoft.com/office/powerpoint/2010/main" val="2161982561"/>
+      </p:ext>
+    </p:extLst>
+  </p:cSld>
+  <p:clrMapOvr>
+    <a:masterClrMapping/>
+  </p:clrMapOvr>
+</p:sld>
+</file>
+
+<file path=ppt/slides/slide23.xml><?xml version="1.0" encoding="utf-8"?>
+<p:sld xmlns:a="http://schemas.openxmlformats.org/drawingml/2006/main" xmlns:r="http://schemas.openxmlformats.org/officeDocument/2006/relationships" xmlns:p="http://schemas.openxmlformats.org/presentationml/2006/main">
+  <p:cSld>
+    <p:spTree>
+      <p:nvGrpSpPr>
+        <p:cNvPr id="1" name=""/>
+        <p:cNvGrpSpPr/>
+        <p:nvPr/>
+      </p:nvGrpSpPr>
+      <p:grpSpPr>
+        <a:xfrm>
+          <a:off x="0" y="0"/>
+          <a:ext cx="0" cy="0"/>
+          <a:chOff x="0" y="0"/>
+          <a:chExt cx="0" cy="0"/>
+        </a:xfrm>
+      </p:grpSpPr>
+      <p:sp>
+        <p:nvSpPr>
+          <p:cNvPr id="2" name="Title 1">
+            <a:extLst>
+              <a:ext uri="{FF2B5EF4-FFF2-40B4-BE49-F238E27FC236}">
+                <a16:creationId xmlns:a16="http://schemas.microsoft.com/office/drawing/2014/main" id="{5EB1CFC7-C40D-8743-A9C3-AD027927A8E1}"/>
+              </a:ext>
+            </a:extLst>
+          </p:cNvPr>
+          <p:cNvSpPr>
+            <a:spLocks noGrp="1"/>
+          </p:cNvSpPr>
+          <p:nvPr>
+            <p:ph type="title"/>
+          </p:nvPr>
+        </p:nvSpPr>
+        <p:spPr/>
+        <p:txBody>
+          <a:bodyPr/>
+          <a:lstStyle/>
+          <a:p>
+            <a:r>
+              <a:rPr lang="en-US" dirty="0"/>
+              <a:t>Visual Studio</a:t>
+            </a:r>
+          </a:p>
+        </p:txBody>
+      </p:sp>
+      <p:sp>
+        <p:nvSpPr>
+          <p:cNvPr id="3" name="Content Placeholder 2">
+            <a:extLst>
+              <a:ext uri="{FF2B5EF4-FFF2-40B4-BE49-F238E27FC236}">
+                <a16:creationId xmlns:a16="http://schemas.microsoft.com/office/drawing/2014/main" id="{34CAC97C-3A35-484E-A59C-6B399A1B9FCA}"/>
+              </a:ext>
+            </a:extLst>
+          </p:cNvPr>
+          <p:cNvSpPr>
+            <a:spLocks noGrp="1"/>
+          </p:cNvSpPr>
+          <p:nvPr>
+            <p:ph idx="1"/>
+          </p:nvPr>
+        </p:nvSpPr>
+        <p:spPr/>
+        <p:txBody>
+          <a:bodyPr>
+            <a:normAutofit/>
+          </a:bodyPr>
+          <a:lstStyle/>
+          <a:p>
+            <a:r>
+              <a:rPr lang="en-CA" dirty="0"/>
+              <a:t>Visual Studio 15.7 Performance</a:t>
+            </a:r>
+          </a:p>
+          <a:p>
+            <a:r>
+              <a:rPr lang="en-CA" dirty="0" err="1"/>
+              <a:t>Ctrl+click</a:t>
+            </a:r>
+            <a:r>
+              <a:rPr lang="en-CA" dirty="0"/>
+              <a:t> to navigate to decompiled code</a:t>
+            </a:r>
+          </a:p>
+          <a:p>
+            <a:r>
+              <a:rPr lang="en-CA" dirty="0"/>
+              <a:t>Source link to open source code</a:t>
+            </a:r>
+          </a:p>
+          <a:p>
+            <a:r>
+              <a:rPr lang="en-CA" dirty="0" err="1"/>
+              <a:t>Intellicode</a:t>
+            </a:r>
+            <a:endParaRPr lang="en-CA" dirty="0"/>
+          </a:p>
+          <a:p>
+            <a:pPr lvl="1"/>
+            <a:r>
+              <a:rPr lang="en-CA" dirty="0">
+                <a:hlinkClick r:id="rId3" tooltip="https://www.visualstudio.com/services/intellicode/"/>
+              </a:rPr>
+              <a:t>https://www.visualstudio.com/services/intellicode/</a:t>
+            </a:r>
+            <a:endParaRPr lang="en-CA" dirty="0"/>
+          </a:p>
+        </p:txBody>
+      </p:sp>
+    </p:spTree>
+    <p:extLst>
+      <p:ext uri="{BB962C8B-B14F-4D97-AF65-F5344CB8AC3E}">
+        <p14:creationId xmlns:p14="http://schemas.microsoft.com/office/powerpoint/2010/main" val="3370706498"/>
+      </p:ext>
+    </p:extLst>
+  </p:cSld>
+  <p:clrMapOvr>
+    <a:masterClrMapping/>
+  </p:clrMapOvr>
+</p:sld>
+</file>
+
+<file path=ppt/slides/slide24.xml><?xml version="1.0" encoding="utf-8"?>
+<p:sld xmlns:a="http://schemas.openxmlformats.org/drawingml/2006/main" xmlns:r="http://schemas.openxmlformats.org/officeDocument/2006/relationships" xmlns:p="http://schemas.openxmlformats.org/presentationml/2006/main">
+  <p:cSld>
+    <p:spTree>
+      <p:nvGrpSpPr>
+        <p:cNvPr id="1" name=""/>
+        <p:cNvGrpSpPr/>
+        <p:nvPr/>
+      </p:nvGrpSpPr>
+      <p:grpSpPr>
+        <a:xfrm>
+          <a:off x="0" y="0"/>
+          <a:ext cx="0" cy="0"/>
+          <a:chOff x="0" y="0"/>
+          <a:chExt cx="0" cy="0"/>
+        </a:xfrm>
+      </p:grpSpPr>
+      <p:sp>
+        <p:nvSpPr>
+          <p:cNvPr id="2" name="Title 1">
+            <a:extLst>
+              <a:ext uri="{FF2B5EF4-FFF2-40B4-BE49-F238E27FC236}">
+                <a16:creationId xmlns:a16="http://schemas.microsoft.com/office/drawing/2014/main" id="{07F9D098-0879-C64B-9F3C-10E901742DDF}"/>
+              </a:ext>
+            </a:extLst>
+          </p:cNvPr>
+          <p:cNvSpPr>
+            <a:spLocks noGrp="1"/>
+          </p:cNvSpPr>
+          <p:nvPr>
+            <p:ph type="title"/>
+          </p:nvPr>
+        </p:nvSpPr>
+        <p:spPr/>
+        <p:txBody>
+          <a:bodyPr/>
+          <a:lstStyle/>
+          <a:p>
+            <a:r>
+              <a:rPr lang="en-US" dirty="0"/>
+              <a:t>Visual Studio</a:t>
+            </a:r>
+          </a:p>
+        </p:txBody>
+      </p:sp>
+      <p:sp>
+        <p:nvSpPr>
+          <p:cNvPr id="3" name="Content Placeholder 2">
+            <a:extLst>
+              <a:ext uri="{FF2B5EF4-FFF2-40B4-BE49-F238E27FC236}">
+                <a16:creationId xmlns:a16="http://schemas.microsoft.com/office/drawing/2014/main" id="{2B0D5684-8159-A940-9046-8B4BCE46BA37}"/>
+              </a:ext>
+            </a:extLst>
+          </p:cNvPr>
+          <p:cNvSpPr>
+            <a:spLocks noGrp="1"/>
+          </p:cNvSpPr>
+          <p:nvPr>
+            <p:ph idx="1"/>
+          </p:nvPr>
+        </p:nvSpPr>
+        <p:spPr/>
+        <p:txBody>
+          <a:bodyPr>
+            <a:normAutofit/>
+          </a:bodyPr>
+          <a:lstStyle/>
+          <a:p>
+            <a:r>
+              <a:rPr lang="en-CA" dirty="0"/>
+              <a:t>Debugging (time machine debug state!)</a:t>
+            </a:r>
+          </a:p>
+          <a:p>
+            <a:pPr lvl="1"/>
+            <a:r>
+              <a:rPr lang="en-CA" dirty="0"/>
+              <a:t>Step back into</a:t>
+            </a:r>
+          </a:p>
+          <a:p>
+            <a:pPr lvl="1"/>
+            <a:r>
+              <a:rPr lang="en-CA" dirty="0"/>
+              <a:t>Reverse Continue</a:t>
+            </a:r>
+          </a:p>
+        </p:txBody>
+      </p:sp>
+    </p:spTree>
+    <p:extLst>
+      <p:ext uri="{BB962C8B-B14F-4D97-AF65-F5344CB8AC3E}">
+        <p14:creationId xmlns:p14="http://schemas.microsoft.com/office/powerpoint/2010/main" val="3112319975"/>
+      </p:ext>
+    </p:extLst>
+  </p:cSld>
+  <p:clrMapOvr>
+    <a:masterClrMapping/>
+  </p:clrMapOvr>
+</p:sld>
+</file>
+
+<file path=ppt/slides/slide25.xml><?xml version="1.0" encoding="utf-8"?>
+<p:sld xmlns:a="http://schemas.openxmlformats.org/drawingml/2006/main" xmlns:r="http://schemas.openxmlformats.org/officeDocument/2006/relationships" xmlns:p="http://schemas.openxmlformats.org/presentationml/2006/main">
+  <p:cSld>
+    <p:spTree>
+      <p:nvGrpSpPr>
+        <p:cNvPr id="1" name=""/>
+        <p:cNvGrpSpPr/>
+        <p:nvPr/>
+      </p:nvGrpSpPr>
+      <p:grpSpPr>
+        <a:xfrm>
+          <a:off x="0" y="0"/>
+          <a:ext cx="0" cy="0"/>
+          <a:chOff x="0" y="0"/>
+          <a:chExt cx="0" cy="0"/>
+        </a:xfrm>
+      </p:grpSpPr>
+      <p:sp>
+        <p:nvSpPr>
+          <p:cNvPr id="2" name="Title 1">
+            <a:extLst>
+              <a:ext uri="{FF2B5EF4-FFF2-40B4-BE49-F238E27FC236}">
+                <a16:creationId xmlns:a16="http://schemas.microsoft.com/office/drawing/2014/main" id="{04CADC88-A34C-D447-B4CF-F52FEEA5901A}"/>
+              </a:ext>
+            </a:extLst>
+          </p:cNvPr>
+          <p:cNvSpPr>
+            <a:spLocks noGrp="1"/>
+          </p:cNvSpPr>
+          <p:nvPr>
+            <p:ph type="title"/>
+          </p:nvPr>
+        </p:nvSpPr>
+        <p:spPr/>
+        <p:txBody>
+          <a:bodyPr/>
+          <a:lstStyle/>
+          <a:p>
+            <a:r>
+              <a:rPr lang="en-US" dirty="0"/>
+              <a:t>Visual Studio for Mac</a:t>
+            </a:r>
+          </a:p>
+        </p:txBody>
+      </p:sp>
+      <p:sp>
+        <p:nvSpPr>
+          <p:cNvPr id="3" name="Content Placeholder 2">
+            <a:extLst>
+              <a:ext uri="{FF2B5EF4-FFF2-40B4-BE49-F238E27FC236}">
+                <a16:creationId xmlns:a16="http://schemas.microsoft.com/office/drawing/2014/main" id="{8ACEDACA-5FD1-8746-A6B8-7C927AF6C108}"/>
+              </a:ext>
+            </a:extLst>
+          </p:cNvPr>
+          <p:cNvSpPr>
+            <a:spLocks noGrp="1"/>
+          </p:cNvSpPr>
+          <p:nvPr>
+            <p:ph idx="1"/>
+          </p:nvPr>
+        </p:nvSpPr>
+        <p:spPr/>
+        <p:txBody>
+          <a:bodyPr>
+            <a:normAutofit fontScale="92500"/>
+          </a:bodyPr>
+          <a:lstStyle/>
+          <a:p>
+            <a:r>
+              <a:rPr lang="en-CA" dirty="0"/>
+              <a:t>TFVC in preview</a:t>
+            </a:r>
+          </a:p>
+          <a:p>
+            <a:r>
+              <a:rPr lang="en-CA" dirty="0"/>
+              <a:t>.</a:t>
+            </a:r>
+            <a:r>
+              <a:rPr lang="en-CA" dirty="0" err="1"/>
+              <a:t>editorconfig</a:t>
+            </a:r>
+            <a:endParaRPr lang="en-CA" dirty="0"/>
+          </a:p>
+          <a:p>
+            <a:r>
+              <a:rPr lang="en-CA" dirty="0"/>
+              <a:t>Azure functions</a:t>
+            </a:r>
+          </a:p>
+          <a:p>
+            <a:r>
+              <a:rPr lang="en-CA" dirty="0"/>
+              <a:t>TypeScript</a:t>
+            </a:r>
+          </a:p>
+          <a:p>
+            <a:r>
+              <a:rPr lang="en-CA" dirty="0">
+                <a:hlinkClick r:id="rId3"/>
+              </a:rPr>
+              <a:t>https://blogs.msdn.microsoft.com/visualstudio/2018/05/07/visual-studio-for-mac-version-7-5-and-beyond/</a:t>
+            </a:r>
+            <a:endParaRPr lang="en-CA" dirty="0"/>
+          </a:p>
+        </p:txBody>
+      </p:sp>
+    </p:spTree>
+    <p:extLst>
+      <p:ext uri="{BB962C8B-B14F-4D97-AF65-F5344CB8AC3E}">
+        <p14:creationId xmlns:p14="http://schemas.microsoft.com/office/powerpoint/2010/main" val="2794310436"/>
+      </p:ext>
+    </p:extLst>
+  </p:cSld>
+  <p:clrMapOvr>
+    <a:masterClrMapping/>
+  </p:clrMapOvr>
+</p:sld>
+</file>
+
+<file path=ppt/slides/slide26.xml><?xml version="1.0" encoding="utf-8"?>
+<p:sld xmlns:a="http://schemas.openxmlformats.org/drawingml/2006/main" xmlns:r="http://schemas.openxmlformats.org/officeDocument/2006/relationships" xmlns:p="http://schemas.openxmlformats.org/presentationml/2006/main">
+  <p:cSld>
+    <p:spTree>
+      <p:nvGrpSpPr>
+        <p:cNvPr id="1" name=""/>
+        <p:cNvGrpSpPr/>
+        <p:nvPr/>
+      </p:nvGrpSpPr>
+      <p:grpSpPr>
+        <a:xfrm>
+          <a:off x="0" y="0"/>
+          <a:ext cx="0" cy="0"/>
+          <a:chOff x="0" y="0"/>
+          <a:chExt cx="0" cy="0"/>
+        </a:xfrm>
+      </p:grpSpPr>
+      <p:sp>
+        <p:nvSpPr>
+          <p:cNvPr id="2" name="Title 1">
+            <a:extLst>
+              <a:ext uri="{FF2B5EF4-FFF2-40B4-BE49-F238E27FC236}">
+                <a16:creationId xmlns:a16="http://schemas.microsoft.com/office/drawing/2014/main" id="{72BD234D-CED7-7B4A-B7D9-044858EA689E}"/>
+              </a:ext>
+            </a:extLst>
+          </p:cNvPr>
+          <p:cNvSpPr>
+            <a:spLocks noGrp="1"/>
+          </p:cNvSpPr>
+          <p:nvPr>
+            <p:ph type="title"/>
+          </p:nvPr>
+        </p:nvSpPr>
+        <p:spPr/>
+        <p:txBody>
+          <a:bodyPr/>
+          <a:lstStyle/>
+          <a:p>
+            <a:r>
+              <a:rPr lang="en-US" dirty="0"/>
+              <a:t>C#</a:t>
+            </a:r>
+          </a:p>
+        </p:txBody>
+      </p:sp>
+      <p:sp>
+        <p:nvSpPr>
+          <p:cNvPr id="3" name="Content Placeholder 2">
+            <a:extLst>
+              <a:ext uri="{FF2B5EF4-FFF2-40B4-BE49-F238E27FC236}">
+                <a16:creationId xmlns:a16="http://schemas.microsoft.com/office/drawing/2014/main" id="{F44EB26B-2594-B345-9B42-F86EC4998570}"/>
+              </a:ext>
+            </a:extLst>
+          </p:cNvPr>
+          <p:cNvSpPr>
+            <a:spLocks noGrp="1"/>
+          </p:cNvSpPr>
+          <p:nvPr>
+            <p:ph idx="1"/>
+          </p:nvPr>
+        </p:nvSpPr>
+        <p:spPr/>
+        <p:txBody>
+          <a:bodyPr>
+            <a:normAutofit lnSpcReduction="10000"/>
+          </a:bodyPr>
+          <a:lstStyle/>
+          <a:p>
+            <a:r>
+              <a:rPr lang="en-CA" dirty="0"/>
+              <a:t>Last 12 Months: 7.1, 7.2, 7.3</a:t>
+            </a:r>
+          </a:p>
+          <a:p>
+            <a:r>
+              <a:rPr lang="en-CA" dirty="0"/>
+              <a:t>Generics improvements</a:t>
+            </a:r>
+          </a:p>
+          <a:p>
+            <a:r>
+              <a:rPr lang="en-CA" dirty="0"/>
+              <a:t>Tuples: auto-names/equality operator</a:t>
+            </a:r>
+          </a:p>
+          <a:p>
+            <a:r>
+              <a:rPr lang="en-CA" dirty="0"/>
+              <a:t>Return ref</a:t>
+            </a:r>
+          </a:p>
+          <a:p>
+            <a:r>
+              <a:rPr lang="en-CA" dirty="0"/>
+              <a:t>Span&lt;T&gt;</a:t>
+            </a:r>
+          </a:p>
+          <a:p>
+            <a:r>
+              <a:rPr lang="en-CA" dirty="0" err="1"/>
+              <a:t>stackalloc</a:t>
+            </a:r>
+            <a:endParaRPr lang="en-CA" dirty="0"/>
+          </a:p>
+        </p:txBody>
+      </p:sp>
+    </p:spTree>
+    <p:extLst>
+      <p:ext uri="{BB962C8B-B14F-4D97-AF65-F5344CB8AC3E}">
+        <p14:creationId xmlns:p14="http://schemas.microsoft.com/office/powerpoint/2010/main" val="1410020355"/>
+      </p:ext>
+    </p:extLst>
+  </p:cSld>
+  <p:clrMapOvr>
+    <a:masterClrMapping/>
+  </p:clrMapOvr>
+</p:sld>
+</file>
+
+<file path=ppt/slides/slide27.xml><?xml version="1.0" encoding="utf-8"?>
+<p:sld xmlns:a="http://schemas.openxmlformats.org/drawingml/2006/main" xmlns:r="http://schemas.openxmlformats.org/officeDocument/2006/relationships" xmlns:p="http://schemas.openxmlformats.org/presentationml/2006/main">
+  <p:cSld>
+    <p:spTree>
+      <p:nvGrpSpPr>
+        <p:cNvPr id="1" name=""/>
+        <p:cNvGrpSpPr/>
+        <p:nvPr/>
+      </p:nvGrpSpPr>
+      <p:grpSpPr>
+        <a:xfrm>
+          <a:off x="0" y="0"/>
+          <a:ext cx="0" cy="0"/>
+          <a:chOff x="0" y="0"/>
+          <a:chExt cx="0" cy="0"/>
+        </a:xfrm>
+      </p:grpSpPr>
+      <p:sp>
+        <p:nvSpPr>
+          <p:cNvPr id="2" name="Title 1">
+            <a:extLst>
+              <a:ext uri="{FF2B5EF4-FFF2-40B4-BE49-F238E27FC236}">
+                <a16:creationId xmlns:a16="http://schemas.microsoft.com/office/drawing/2014/main" id="{A70B58B0-BA26-1845-8203-C402932A1996}"/>
+              </a:ext>
+            </a:extLst>
+          </p:cNvPr>
+          <p:cNvSpPr>
+            <a:spLocks noGrp="1"/>
+          </p:cNvSpPr>
+          <p:nvPr>
+            <p:ph type="title"/>
+          </p:nvPr>
+        </p:nvSpPr>
+        <p:spPr/>
+        <p:txBody>
+          <a:bodyPr/>
+          <a:lstStyle/>
+          <a:p>
+            <a:r>
+              <a:rPr lang="en-US" dirty="0"/>
+              <a:t>Future C#</a:t>
+            </a:r>
+          </a:p>
+        </p:txBody>
+      </p:sp>
+      <p:sp>
+        <p:nvSpPr>
+          <p:cNvPr id="3" name="Content Placeholder 2">
+            <a:extLst>
+              <a:ext uri="{FF2B5EF4-FFF2-40B4-BE49-F238E27FC236}">
+                <a16:creationId xmlns:a16="http://schemas.microsoft.com/office/drawing/2014/main" id="{10300205-C5C4-B740-B7F1-5D9548070248}"/>
+              </a:ext>
+            </a:extLst>
+          </p:cNvPr>
+          <p:cNvSpPr>
+            <a:spLocks noGrp="1"/>
+          </p:cNvSpPr>
+          <p:nvPr>
+            <p:ph idx="1"/>
+          </p:nvPr>
+        </p:nvSpPr>
+        <p:spPr/>
+        <p:txBody>
+          <a:bodyPr>
+            <a:normAutofit fontScale="62500" lnSpcReduction="20000"/>
+          </a:bodyPr>
+          <a:lstStyle/>
+          <a:p>
+            <a:r>
+              <a:rPr lang="en-US" dirty="0"/>
+              <a:t>Reference types non-nullable by default</a:t>
+            </a:r>
+          </a:p>
+          <a:p>
+            <a:pPr lvl="1"/>
+            <a:r>
+              <a:rPr lang="en-CA" dirty="0">
+                <a:hlinkClick r:id="rId3" tooltip="https://blogs.msdn.microsoft.com/dotnet/2017/11/15/nullable-reference-types-in-csharp/"/>
+              </a:rPr>
+              <a:t>https://blogs.msdn.microsoft.com/dotnet/2017/11/15/nullable-reference-types-in-csharp/</a:t>
+            </a:r>
+            <a:endParaRPr lang="en-CA" dirty="0"/>
+          </a:p>
+          <a:p>
+            <a:r>
+              <a:rPr lang="en-CA" dirty="0"/>
+              <a:t>Switch supports lambda syntax</a:t>
+            </a:r>
+          </a:p>
+          <a:p>
+            <a:r>
+              <a:rPr lang="en-CA" dirty="0"/>
+              <a:t>Range operator ^</a:t>
+            </a:r>
+          </a:p>
+          <a:p>
+            <a:r>
+              <a:rPr lang="en-CA" dirty="0" err="1"/>
+              <a:t>Async</a:t>
+            </a:r>
+            <a:r>
+              <a:rPr lang="en-CA" dirty="0"/>
+              <a:t> iterators</a:t>
+            </a:r>
+          </a:p>
+          <a:p>
+            <a:r>
+              <a:rPr lang="en-CA" dirty="0" err="1"/>
+              <a:t>IAsyncDisposable</a:t>
+            </a:r>
+            <a:endParaRPr lang="en-CA" dirty="0"/>
+          </a:p>
+          <a:p>
+            <a:r>
+              <a:rPr lang="en-CA" dirty="0"/>
+              <a:t>Default Interface Members</a:t>
+            </a:r>
+          </a:p>
+          <a:p>
+            <a:r>
+              <a:rPr lang="en-CA" dirty="0"/>
+              <a:t>Records (class Person (string </a:t>
+            </a:r>
+            <a:r>
+              <a:rPr lang="en-CA" dirty="0" err="1"/>
+              <a:t>firstName</a:t>
+            </a:r>
+            <a:r>
+              <a:rPr lang="en-CA" dirty="0"/>
+              <a:t>, string </a:t>
+            </a:r>
+            <a:r>
+              <a:rPr lang="en-CA" dirty="0" err="1"/>
+              <a:t>LastName</a:t>
+            </a:r>
+            <a:r>
+              <a:rPr lang="en-CA" dirty="0"/>
+              <a:t>);)</a:t>
+            </a:r>
+          </a:p>
+          <a:p>
+            <a:r>
+              <a:rPr lang="en-CA" dirty="0">
+                <a:hlinkClick r:id="rId4"/>
+              </a:rPr>
+              <a:t>https://channel9.msdn.com/Events/Build/2018/BRK2155</a:t>
+            </a:r>
+            <a:endParaRPr lang="en-CA" dirty="0"/>
+          </a:p>
+        </p:txBody>
+      </p:sp>
+    </p:spTree>
+    <p:extLst>
+      <p:ext uri="{BB962C8B-B14F-4D97-AF65-F5344CB8AC3E}">
+        <p14:creationId xmlns:p14="http://schemas.microsoft.com/office/powerpoint/2010/main" val="1664222431"/>
+      </p:ext>
+    </p:extLst>
+  </p:cSld>
+  <p:clrMapOvr>
+    <a:masterClrMapping/>
+  </p:clrMapOvr>
+</p:sld>
+</file>
+
+<file path=ppt/slides/slide28.xml><?xml version="1.0" encoding="utf-8"?>
+<p:sld xmlns:a="http://schemas.openxmlformats.org/drawingml/2006/main" xmlns:r="http://schemas.openxmlformats.org/officeDocument/2006/relationships" xmlns:p="http://schemas.openxmlformats.org/presentationml/2006/main">
+  <p:cSld>
+    <p:spTree>
+      <p:nvGrpSpPr>
+        <p:cNvPr id="1" name=""/>
+        <p:cNvGrpSpPr/>
+        <p:nvPr/>
+      </p:nvGrpSpPr>
+      <p:grpSpPr>
+        <a:xfrm>
+          <a:off x="0" y="0"/>
+          <a:ext cx="0" cy="0"/>
+          <a:chOff x="0" y="0"/>
+          <a:chExt cx="0" cy="0"/>
+        </a:xfrm>
+      </p:grpSpPr>
+      <p:sp>
+        <p:nvSpPr>
+          <p:cNvPr id="2" name="Title 1">
+            <a:extLst>
+              <a:ext uri="{FF2B5EF4-FFF2-40B4-BE49-F238E27FC236}">
+                <a16:creationId xmlns:a16="http://schemas.microsoft.com/office/drawing/2014/main" id="{DB0EF77B-E897-6F42-A0C8-AB0F9F5BF40C}"/>
+              </a:ext>
+            </a:extLst>
+          </p:cNvPr>
+          <p:cNvSpPr>
+            <a:spLocks noGrp="1"/>
+          </p:cNvSpPr>
+          <p:nvPr>
+            <p:ph type="title"/>
+          </p:nvPr>
+        </p:nvSpPr>
+        <p:spPr/>
+        <p:txBody>
+          <a:bodyPr/>
+          <a:lstStyle/>
+          <a:p>
+            <a:r>
+              <a:rPr lang="en-US" dirty="0"/>
+              <a:t>Xamarin – Miguel’s Advice</a:t>
+            </a:r>
+          </a:p>
+        </p:txBody>
+      </p:sp>
+      <p:sp>
+        <p:nvSpPr>
+          <p:cNvPr id="3" name="Content Placeholder 2">
+            <a:extLst>
+              <a:ext uri="{FF2B5EF4-FFF2-40B4-BE49-F238E27FC236}">
+                <a16:creationId xmlns:a16="http://schemas.microsoft.com/office/drawing/2014/main" id="{464891BD-D930-AF41-AE31-D880179F3337}"/>
+              </a:ext>
+            </a:extLst>
+          </p:cNvPr>
+          <p:cNvSpPr>
+            <a:spLocks noGrp="1"/>
+          </p:cNvSpPr>
+          <p:nvPr>
+            <p:ph idx="1"/>
+          </p:nvPr>
+        </p:nvSpPr>
+        <p:spPr/>
+        <p:txBody>
+          <a:bodyPr/>
+          <a:lstStyle/>
+          <a:p>
+            <a:r>
+              <a:rPr lang="en-CA" dirty="0"/>
+              <a:t>Miguel: "Microsoft developers tend to design interfaces that are suitable to people from another galaxy"</a:t>
+            </a:r>
+          </a:p>
+          <a:p>
+            <a:r>
+              <a:rPr lang="en-CA" dirty="0"/>
+              <a:t>UX</a:t>
+            </a:r>
+          </a:p>
+          <a:p>
+            <a:r>
+              <a:rPr lang="en-CA" dirty="0"/>
+              <a:t>Speed</a:t>
+            </a:r>
+          </a:p>
+          <a:p>
+            <a:r>
+              <a:rPr lang="en-CA" dirty="0"/>
+              <a:t>Metrics</a:t>
+            </a:r>
+          </a:p>
+        </p:txBody>
+      </p:sp>
+    </p:spTree>
+    <p:extLst>
+      <p:ext uri="{BB962C8B-B14F-4D97-AF65-F5344CB8AC3E}">
+        <p14:creationId xmlns:p14="http://schemas.microsoft.com/office/powerpoint/2010/main" val="3067056762"/>
+      </p:ext>
+    </p:extLst>
+  </p:cSld>
+  <p:clrMapOvr>
+    <a:masterClrMapping/>
+  </p:clrMapOvr>
+</p:sld>
+</file>
+
+<file path=ppt/slides/slide29.xml><?xml version="1.0" encoding="utf-8"?>
+<p:sld xmlns:a="http://schemas.openxmlformats.org/drawingml/2006/main" xmlns:r="http://schemas.openxmlformats.org/officeDocument/2006/relationships" xmlns:p="http://schemas.openxmlformats.org/presentationml/2006/main">
+  <p:cSld>
+    <p:spTree>
+      <p:nvGrpSpPr>
+        <p:cNvPr id="1" name=""/>
+        <p:cNvGrpSpPr/>
+        <p:nvPr/>
+      </p:nvGrpSpPr>
+      <p:grpSpPr>
+        <a:xfrm>
+          <a:off x="0" y="0"/>
+          <a:ext cx="0" cy="0"/>
+          <a:chOff x="0" y="0"/>
+          <a:chExt cx="0" cy="0"/>
+        </a:xfrm>
+      </p:grpSpPr>
+      <p:sp>
+        <p:nvSpPr>
+          <p:cNvPr id="2" name="Title 1">
+            <a:extLst>
+              <a:ext uri="{FF2B5EF4-FFF2-40B4-BE49-F238E27FC236}">
+                <a16:creationId xmlns:a16="http://schemas.microsoft.com/office/drawing/2014/main" id="{BAE601D1-5F91-D340-AE79-0FA067835249}"/>
+              </a:ext>
+            </a:extLst>
+          </p:cNvPr>
+          <p:cNvSpPr>
+            <a:spLocks noGrp="1"/>
+          </p:cNvSpPr>
+          <p:nvPr>
+            <p:ph type="title"/>
+          </p:nvPr>
+        </p:nvSpPr>
+        <p:spPr/>
+        <p:txBody>
+          <a:bodyPr/>
+          <a:lstStyle/>
+          <a:p>
+            <a:r>
+              <a:rPr lang="en-US" sz="4800" b="1" kern="1200" dirty="0">
+                <a:solidFill>
+                  <a:srgbClr val="FEFEFE"/>
+                </a:solidFill>
+                <a:effectLst/>
+                <a:latin typeface="+mj-lt"/>
+                <a:ea typeface="+mj-ea"/>
+                <a:cs typeface="+mj-cs"/>
+              </a:rPr>
+              <a:t>Xamarin – Miguel’s Advice</a:t>
+            </a:r>
+            <a:r>
+              <a:rPr lang="en-US" dirty="0"/>
+              <a:t> </a:t>
+            </a:r>
+          </a:p>
+        </p:txBody>
+      </p:sp>
+      <p:sp>
+        <p:nvSpPr>
+          <p:cNvPr id="3" name="Content Placeholder 2">
+            <a:extLst>
+              <a:ext uri="{FF2B5EF4-FFF2-40B4-BE49-F238E27FC236}">
+                <a16:creationId xmlns:a16="http://schemas.microsoft.com/office/drawing/2014/main" id="{066ACD0D-FDDB-F34B-A77D-ACFA4EB4B4C2}"/>
+              </a:ext>
+            </a:extLst>
+          </p:cNvPr>
+          <p:cNvSpPr>
+            <a:spLocks noGrp="1"/>
+          </p:cNvSpPr>
+          <p:nvPr>
+            <p:ph idx="1"/>
+          </p:nvPr>
+        </p:nvSpPr>
+        <p:spPr/>
+        <p:txBody>
+          <a:bodyPr/>
+          <a:lstStyle/>
+          <a:p>
+            <a:r>
+              <a:rPr lang="en-CA" dirty="0"/>
+              <a:t>10 apps on average per user per day</a:t>
+            </a:r>
+          </a:p>
+          <a:p>
+            <a:r>
+              <a:rPr lang="en-CA" dirty="0"/>
+              <a:t>3 billion active devices</a:t>
+            </a:r>
+          </a:p>
+          <a:p>
+            <a:r>
+              <a:rPr lang="en-CA" dirty="0"/>
+              <a:t>11 billion in Apple app store revenue</a:t>
+            </a:r>
+          </a:p>
+        </p:txBody>
+      </p:sp>
+    </p:spTree>
+    <p:extLst>
+      <p:ext uri="{BB962C8B-B14F-4D97-AF65-F5344CB8AC3E}">
+        <p14:creationId xmlns:p14="http://schemas.microsoft.com/office/powerpoint/2010/main" val="2752363427"/>
       </p:ext>
     </p:extLst>
   </p:cSld>
@@ -8029,9 +12452,122 @@
           </a:p>
         </p:txBody>
       </p:sp>
-      <p:sp>
-        <p:nvSpPr>
-          <p:cNvPr id="8" name="Text Placeholder 7"/>
+      <p:pic>
+        <p:nvPicPr>
+          <p:cNvPr id="9" name="Picture 8">
+            <a:extLst>
+              <a:ext uri="{FF2B5EF4-FFF2-40B4-BE49-F238E27FC236}">
+                <a16:creationId xmlns:a16="http://schemas.microsoft.com/office/drawing/2014/main" id="{909AF04E-6913-574C-823C-FDB453626E99}"/>
+              </a:ext>
+            </a:extLst>
+          </p:cNvPr>
+          <p:cNvPicPr>
+            <a:picLocks noChangeAspect="1"/>
+          </p:cNvPicPr>
+          <p:nvPr/>
+        </p:nvPicPr>
+        <p:blipFill>
+          <a:blip r:embed="rId3">
+            <a:extLst>
+              <a:ext uri="{28A0092B-C50C-407E-A947-70E740481C1C}">
+                <a14:useLocalDpi xmlns:a14="http://schemas.microsoft.com/office/drawing/2010/main" val="0"/>
+              </a:ext>
+            </a:extLst>
+          </a:blip>
+          <a:stretch>
+            <a:fillRect/>
+          </a:stretch>
+        </p:blipFill>
+        <p:spPr>
+          <a:xfrm>
+            <a:off x="947222" y="1521343"/>
+            <a:ext cx="886653" cy="1546183"/>
+          </a:xfrm>
+          <a:prstGeom prst="rect">
+            <a:avLst/>
+          </a:prstGeom>
+        </p:spPr>
+      </p:pic>
+      <p:sp>
+        <p:nvSpPr>
+          <p:cNvPr id="10" name="TextBox 9">
+            <a:extLst>
+              <a:ext uri="{FF2B5EF4-FFF2-40B4-BE49-F238E27FC236}">
+                <a16:creationId xmlns:a16="http://schemas.microsoft.com/office/drawing/2014/main" id="{B2FE97BF-B12A-FF45-99E7-547BBFB9B2C2}"/>
+              </a:ext>
+            </a:extLst>
+          </p:cNvPr>
+          <p:cNvSpPr txBox="1"/>
+          <p:nvPr/>
+        </p:nvSpPr>
+        <p:spPr>
+          <a:xfrm>
+            <a:off x="7574642" y="4837856"/>
+            <a:ext cx="1752403" cy="369332"/>
+          </a:xfrm>
+          <a:prstGeom prst="rect">
+            <a:avLst/>
+          </a:prstGeom>
+          <a:noFill/>
+        </p:spPr>
+        <p:txBody>
+          <a:bodyPr wrap="none" rtlCol="0">
+            <a:spAutoFit/>
+          </a:bodyPr>
+          <a:lstStyle/>
+          <a:p>
+            <a:r>
+              <a:rPr lang="en-US" dirty="0"/>
+              <a:t>Sponsored By:</a:t>
+            </a:r>
+          </a:p>
+        </p:txBody>
+      </p:sp>
+      <p:pic>
+        <p:nvPicPr>
+          <p:cNvPr id="11" name="Picture 10">
+            <a:extLst>
+              <a:ext uri="{FF2B5EF4-FFF2-40B4-BE49-F238E27FC236}">
+                <a16:creationId xmlns:a16="http://schemas.microsoft.com/office/drawing/2014/main" id="{B05488E0-12A5-1C4D-8637-B80A6768230D}"/>
+              </a:ext>
+            </a:extLst>
+          </p:cNvPr>
+          <p:cNvPicPr>
+            <a:picLocks noChangeAspect="1"/>
+          </p:cNvPicPr>
+          <p:nvPr/>
+        </p:nvPicPr>
+        <p:blipFill>
+          <a:blip r:embed="rId4">
+            <a:extLst>
+              <a:ext uri="{28A0092B-C50C-407E-A947-70E740481C1C}">
+                <a14:useLocalDpi xmlns:a14="http://schemas.microsoft.com/office/drawing/2010/main" val="0"/>
+              </a:ext>
+            </a:extLst>
+          </a:blip>
+          <a:stretch>
+            <a:fillRect/>
+          </a:stretch>
+        </p:blipFill>
+        <p:spPr>
+          <a:xfrm>
+            <a:off x="8073936" y="5342728"/>
+            <a:ext cx="2506218" cy="863346"/>
+          </a:xfrm>
+          <a:prstGeom prst="rect">
+            <a:avLst/>
+          </a:prstGeom>
+        </p:spPr>
+      </p:pic>
+      <p:sp>
+        <p:nvSpPr>
+          <p:cNvPr id="2" name="Text Placeholder 7">
+            <a:extLst>
+              <a:ext uri="{FF2B5EF4-FFF2-40B4-BE49-F238E27FC236}">
+                <a16:creationId xmlns:a16="http://schemas.microsoft.com/office/drawing/2014/main" id="{0BC82874-A505-4347-9FE2-C88AF34434B1}"/>
+              </a:ext>
+            </a:extLst>
+          </p:cNvPr>
           <p:cNvSpPr txBox="1">
             <a:spLocks/>
           </p:cNvSpPr>
@@ -8039,7 +12575,7 @@
         </p:nvSpPr>
         <p:spPr>
           <a:xfrm>
-            <a:off x="7574642" y="710400"/>
+            <a:off x="7624231" y="682626"/>
             <a:ext cx="3810001" cy="4958880"/>
           </a:xfrm>
           <a:prstGeom prst="rect">
@@ -8254,7 +12790,7 @@
             </a:pPr>
             <a:r>
               <a:rPr lang="en-US" sz="3200" b="1" dirty="0"/>
-              <a:t>Google I/O + Flutter 3</a:t>
+              <a:t>Automated UI Testing for Mobile</a:t>
             </a:r>
           </a:p>
           <a:p>
@@ -8284,7 +12820,7 @@
             </a:r>
             <a:r>
               <a:rPr lang="en-US" dirty="0"/>
-              <a:t>, 485 Queen St West</a:t>
+              <a:t>, 483 Queen St West</a:t>
             </a:r>
           </a:p>
           <a:p>
@@ -8299,132 +12835,1367 @@
             </a:pPr>
             <a:r>
               <a:rPr lang="en-CA" b="1" dirty="0"/>
-              <a:t>Daniel John Causer</a:t>
-            </a:r>
+              <a:t>Mahdi </a:t>
+            </a:r>
+            <a:r>
+              <a:rPr lang="en-CA" b="1" dirty="0" err="1"/>
+              <a:t>Alirezaie</a:t>
+            </a:r>
+            <a:endParaRPr lang="en-CA" b="1" dirty="0"/>
           </a:p>
           <a:p>
             <a:pPr marL="0" indent="0">
               <a:buNone/>
             </a:pPr>
             <a:r>
-              <a:rPr lang="en-CA" b="1" dirty="0"/>
-              <a:t>Dylan Berry</a:t>
+              <a:rPr lang="en-CA" dirty="0"/>
+              <a:t>Cloud/Blockchain/Mobile Engineer at Microsoft</a:t>
             </a:r>
             <a:endParaRPr lang="en-US" dirty="0"/>
           </a:p>
         </p:txBody>
       </p:sp>
-      <p:pic>
-        <p:nvPicPr>
-          <p:cNvPr id="9" name="Picture 8">
-            <a:extLst>
-              <a:ext uri="{FF2B5EF4-FFF2-40B4-BE49-F238E27FC236}">
-                <a16:creationId xmlns:a16="http://schemas.microsoft.com/office/drawing/2014/main" id="{909AF04E-6913-574C-823C-FDB453626E99}"/>
-              </a:ext>
-            </a:extLst>
-          </p:cNvPr>
-          <p:cNvPicPr>
-            <a:picLocks noChangeAspect="1"/>
-          </p:cNvPicPr>
-          <p:nvPr/>
-        </p:nvPicPr>
-        <p:blipFill>
-          <a:blip r:embed="rId2">
-            <a:extLst>
-              <a:ext uri="{28A0092B-C50C-407E-A947-70E740481C1C}">
-                <a14:useLocalDpi xmlns:a14="http://schemas.microsoft.com/office/drawing/2010/main" val="0"/>
-              </a:ext>
-            </a:extLst>
-          </a:blip>
-          <a:stretch>
-            <a:fillRect/>
-          </a:stretch>
-        </p:blipFill>
-        <p:spPr>
-          <a:xfrm>
-            <a:off x="947222" y="1521343"/>
-            <a:ext cx="886653" cy="1546183"/>
-          </a:xfrm>
-          <a:prstGeom prst="rect">
-            <a:avLst/>
-          </a:prstGeom>
-        </p:spPr>
-      </p:pic>
-      <p:sp>
-        <p:nvSpPr>
-          <p:cNvPr id="10" name="TextBox 9">
-            <a:extLst>
-              <a:ext uri="{FF2B5EF4-FFF2-40B4-BE49-F238E27FC236}">
-                <a16:creationId xmlns:a16="http://schemas.microsoft.com/office/drawing/2014/main" id="{B2FE97BF-B12A-FF45-99E7-547BBFB9B2C2}"/>
-              </a:ext>
-            </a:extLst>
-          </p:cNvPr>
-          <p:cNvSpPr txBox="1"/>
-          <p:nvPr/>
-        </p:nvSpPr>
-        <p:spPr>
-          <a:xfrm>
-            <a:off x="7574642" y="4837856"/>
-            <a:ext cx="1752403" cy="369332"/>
-          </a:xfrm>
-          <a:prstGeom prst="rect">
-            <a:avLst/>
-          </a:prstGeom>
-          <a:noFill/>
-        </p:spPr>
-        <p:txBody>
-          <a:bodyPr wrap="none" rtlCol="0">
-            <a:spAutoFit/>
-          </a:bodyPr>
-          <a:lstStyle/>
-          <a:p>
-            <a:r>
-              <a:rPr lang="en-US" dirty="0"/>
-              <a:t>Sponsored By:</a:t>
-            </a:r>
-          </a:p>
-        </p:txBody>
-      </p:sp>
-      <p:pic>
-        <p:nvPicPr>
-          <p:cNvPr id="11" name="Picture 10">
-            <a:extLst>
-              <a:ext uri="{FF2B5EF4-FFF2-40B4-BE49-F238E27FC236}">
-                <a16:creationId xmlns:a16="http://schemas.microsoft.com/office/drawing/2014/main" id="{B05488E0-12A5-1C4D-8637-B80A6768230D}"/>
-              </a:ext>
-            </a:extLst>
-          </p:cNvPr>
-          <p:cNvPicPr>
-            <a:picLocks noChangeAspect="1"/>
-          </p:cNvPicPr>
-          <p:nvPr/>
-        </p:nvPicPr>
-        <p:blipFill>
-          <a:blip r:embed="rId3">
-            <a:extLst>
-              <a:ext uri="{28A0092B-C50C-407E-A947-70E740481C1C}">
-                <a14:useLocalDpi xmlns:a14="http://schemas.microsoft.com/office/drawing/2010/main" val="0"/>
-              </a:ext>
-            </a:extLst>
-          </a:blip>
-          <a:stretch>
-            <a:fillRect/>
-          </a:stretch>
-        </p:blipFill>
-        <p:spPr>
-          <a:xfrm>
-            <a:off x="8073936" y="5342728"/>
-            <a:ext cx="2506218" cy="863346"/>
-          </a:xfrm>
-          <a:prstGeom prst="rect">
-            <a:avLst/>
-          </a:prstGeom>
-        </p:spPr>
-      </p:pic>
     </p:spTree>
     <p:extLst>
       <p:ext uri="{BB962C8B-B14F-4D97-AF65-F5344CB8AC3E}">
         <p14:creationId xmlns:p14="http://schemas.microsoft.com/office/powerpoint/2010/main" val="2858525643"/>
+      </p:ext>
+    </p:extLst>
+  </p:cSld>
+  <p:clrMapOvr>
+    <a:masterClrMapping/>
+  </p:clrMapOvr>
+</p:sld>
+</file>
+
+<file path=ppt/slides/slide30.xml><?xml version="1.0" encoding="utf-8"?>
+<p:sld xmlns:a="http://schemas.openxmlformats.org/drawingml/2006/main" xmlns:r="http://schemas.openxmlformats.org/officeDocument/2006/relationships" xmlns:p="http://schemas.openxmlformats.org/presentationml/2006/main">
+  <p:cSld>
+    <p:spTree>
+      <p:nvGrpSpPr>
+        <p:cNvPr id="1" name=""/>
+        <p:cNvGrpSpPr/>
+        <p:nvPr/>
+      </p:nvGrpSpPr>
+      <p:grpSpPr>
+        <a:xfrm>
+          <a:off x="0" y="0"/>
+          <a:ext cx="0" cy="0"/>
+          <a:chOff x="0" y="0"/>
+          <a:chExt cx="0" cy="0"/>
+        </a:xfrm>
+      </p:grpSpPr>
+      <p:sp>
+        <p:nvSpPr>
+          <p:cNvPr id="2" name="Title 1">
+            <a:extLst>
+              <a:ext uri="{FF2B5EF4-FFF2-40B4-BE49-F238E27FC236}">
+                <a16:creationId xmlns:a16="http://schemas.microsoft.com/office/drawing/2014/main" id="{DC5C7302-C3AB-F44B-9292-DAC53B8336B1}"/>
+              </a:ext>
+            </a:extLst>
+          </p:cNvPr>
+          <p:cNvSpPr>
+            <a:spLocks noGrp="1"/>
+          </p:cNvSpPr>
+          <p:nvPr>
+            <p:ph type="title"/>
+          </p:nvPr>
+        </p:nvSpPr>
+        <p:spPr/>
+        <p:txBody>
+          <a:bodyPr/>
+          <a:lstStyle/>
+          <a:p>
+            <a:r>
+              <a:rPr lang="en-US" sz="4800" b="1" kern="1200" dirty="0">
+                <a:solidFill>
+                  <a:srgbClr val="FEFEFE"/>
+                </a:solidFill>
+                <a:effectLst/>
+                <a:latin typeface="+mj-lt"/>
+                <a:ea typeface="+mj-ea"/>
+                <a:cs typeface="+mj-cs"/>
+              </a:rPr>
+              <a:t>Xamarin – Miguel’s Advice</a:t>
+            </a:r>
+            <a:r>
+              <a:rPr lang="en-US" dirty="0"/>
+              <a:t> </a:t>
+            </a:r>
+          </a:p>
+        </p:txBody>
+      </p:sp>
+      <p:sp>
+        <p:nvSpPr>
+          <p:cNvPr id="3" name="Content Placeholder 2">
+            <a:extLst>
+              <a:ext uri="{FF2B5EF4-FFF2-40B4-BE49-F238E27FC236}">
+                <a16:creationId xmlns:a16="http://schemas.microsoft.com/office/drawing/2014/main" id="{877EFA9A-06D2-6A40-BD97-C4BC6C386A29}"/>
+              </a:ext>
+            </a:extLst>
+          </p:cNvPr>
+          <p:cNvSpPr>
+            <a:spLocks noGrp="1"/>
+          </p:cNvSpPr>
+          <p:nvPr>
+            <p:ph idx="1"/>
+          </p:nvPr>
+        </p:nvSpPr>
+        <p:spPr/>
+        <p:txBody>
+          <a:bodyPr>
+            <a:normAutofit lnSpcReduction="10000"/>
+          </a:bodyPr>
+          <a:lstStyle/>
+          <a:p>
+            <a:r>
+              <a:rPr lang="en-CA" dirty="0"/>
+              <a:t>Customer Retention</a:t>
+            </a:r>
+          </a:p>
+          <a:p>
+            <a:pPr lvl="1"/>
+            <a:r>
+              <a:rPr lang="en-CA" dirty="0"/>
+              <a:t>Apps must be good from day one!</a:t>
+            </a:r>
+          </a:p>
+          <a:p>
+            <a:pPr lvl="1"/>
+            <a:r>
+              <a:rPr lang="en-CA" dirty="0"/>
+              <a:t>55% of users retained after 1 week</a:t>
+            </a:r>
+          </a:p>
+          <a:p>
+            <a:pPr lvl="1"/>
+            <a:r>
+              <a:rPr lang="en-CA" dirty="0"/>
+              <a:t>if launched at least once in week 2, 82% retained</a:t>
+            </a:r>
+          </a:p>
+          <a:p>
+            <a:pPr lvl="1"/>
+            <a:r>
+              <a:rPr lang="en-CA" dirty="0">
+                <a:hlinkClick r:id="rId3" tooltip="https://www.braze.com/blog/be-your-customers-ritual-consistent-engagement-results-in-90-audience-retention-after-one-month/"/>
+              </a:rPr>
+              <a:t>https://www.braze.com/blog/be-your-customers-ritual-consistent-engagement-results-in-90-audience-retention-after-one-month/</a:t>
+            </a:r>
+            <a:endParaRPr lang="en-CA" dirty="0"/>
+          </a:p>
+        </p:txBody>
+      </p:sp>
+    </p:spTree>
+    <p:extLst>
+      <p:ext uri="{BB962C8B-B14F-4D97-AF65-F5344CB8AC3E}">
+        <p14:creationId xmlns:p14="http://schemas.microsoft.com/office/powerpoint/2010/main" val="863493498"/>
+      </p:ext>
+    </p:extLst>
+  </p:cSld>
+  <p:clrMapOvr>
+    <a:masterClrMapping/>
+  </p:clrMapOvr>
+</p:sld>
+</file>
+
+<file path=ppt/slides/slide31.xml><?xml version="1.0" encoding="utf-8"?>
+<p:sld xmlns:a="http://schemas.openxmlformats.org/drawingml/2006/main" xmlns:r="http://schemas.openxmlformats.org/officeDocument/2006/relationships" xmlns:p="http://schemas.openxmlformats.org/presentationml/2006/main">
+  <p:cSld>
+    <p:spTree>
+      <p:nvGrpSpPr>
+        <p:cNvPr id="1" name=""/>
+        <p:cNvGrpSpPr/>
+        <p:nvPr/>
+      </p:nvGrpSpPr>
+      <p:grpSpPr>
+        <a:xfrm>
+          <a:off x="0" y="0"/>
+          <a:ext cx="0" cy="0"/>
+          <a:chOff x="0" y="0"/>
+          <a:chExt cx="0" cy="0"/>
+        </a:xfrm>
+      </p:grpSpPr>
+      <p:sp>
+        <p:nvSpPr>
+          <p:cNvPr id="2" name="Title 1">
+            <a:extLst>
+              <a:ext uri="{FF2B5EF4-FFF2-40B4-BE49-F238E27FC236}">
+                <a16:creationId xmlns:a16="http://schemas.microsoft.com/office/drawing/2014/main" id="{AC0BD600-CDCA-F141-9DF4-908A1094481B}"/>
+              </a:ext>
+            </a:extLst>
+          </p:cNvPr>
+          <p:cNvSpPr>
+            <a:spLocks noGrp="1"/>
+          </p:cNvSpPr>
+          <p:nvPr>
+            <p:ph type="title"/>
+          </p:nvPr>
+        </p:nvSpPr>
+        <p:spPr/>
+        <p:txBody>
+          <a:bodyPr/>
+          <a:lstStyle/>
+          <a:p>
+            <a:r>
+              <a:rPr lang="en-US" sz="4800" b="1" kern="1200" dirty="0">
+                <a:solidFill>
+                  <a:srgbClr val="FEFEFE"/>
+                </a:solidFill>
+                <a:effectLst/>
+                <a:latin typeface="+mj-lt"/>
+                <a:ea typeface="+mj-ea"/>
+                <a:cs typeface="+mj-cs"/>
+              </a:rPr>
+              <a:t>Xamarin – Miguel’s Advice</a:t>
+            </a:r>
+            <a:r>
+              <a:rPr lang="en-US" dirty="0"/>
+              <a:t> </a:t>
+            </a:r>
+          </a:p>
+        </p:txBody>
+      </p:sp>
+      <p:sp>
+        <p:nvSpPr>
+          <p:cNvPr id="3" name="Content Placeholder 2">
+            <a:extLst>
+              <a:ext uri="{FF2B5EF4-FFF2-40B4-BE49-F238E27FC236}">
+                <a16:creationId xmlns:a16="http://schemas.microsoft.com/office/drawing/2014/main" id="{D2158CBF-B5B0-DC41-8830-71E7FD53C065}"/>
+              </a:ext>
+            </a:extLst>
+          </p:cNvPr>
+          <p:cNvSpPr>
+            <a:spLocks noGrp="1"/>
+          </p:cNvSpPr>
+          <p:nvPr>
+            <p:ph idx="1"/>
+          </p:nvPr>
+        </p:nvSpPr>
+        <p:spPr/>
+        <p:txBody>
+          <a:bodyPr/>
+          <a:lstStyle/>
+          <a:p>
+            <a:r>
+              <a:rPr lang="en-CA" dirty="0"/>
+              <a:t>Onboarding</a:t>
+            </a:r>
+          </a:p>
+          <a:p>
+            <a:pPr lvl="1"/>
+            <a:r>
+              <a:rPr lang="en-CA" dirty="0"/>
+              <a:t>Login causes 50% drop off</a:t>
+            </a:r>
+          </a:p>
+          <a:p>
+            <a:pPr lvl="1"/>
+            <a:r>
+              <a:rPr lang="en-CA" dirty="0"/>
+              <a:t>Intro/Walkthrough</a:t>
+            </a:r>
+          </a:p>
+          <a:p>
+            <a:pPr lvl="1"/>
+            <a:r>
+              <a:rPr lang="en-CA" dirty="0"/>
+              <a:t>Interstitials for major new features</a:t>
+            </a:r>
+          </a:p>
+          <a:p>
+            <a:pPr lvl="1"/>
+            <a:r>
+              <a:rPr lang="en-CA" dirty="0"/>
+              <a:t>Understand how to draw people in</a:t>
+            </a:r>
+          </a:p>
+        </p:txBody>
+      </p:sp>
+    </p:spTree>
+    <p:extLst>
+      <p:ext uri="{BB962C8B-B14F-4D97-AF65-F5344CB8AC3E}">
+        <p14:creationId xmlns:p14="http://schemas.microsoft.com/office/powerpoint/2010/main" val="902646273"/>
+      </p:ext>
+    </p:extLst>
+  </p:cSld>
+  <p:clrMapOvr>
+    <a:masterClrMapping/>
+  </p:clrMapOvr>
+</p:sld>
+</file>
+
+<file path=ppt/slides/slide32.xml><?xml version="1.0" encoding="utf-8"?>
+<p:sld xmlns:a="http://schemas.openxmlformats.org/drawingml/2006/main" xmlns:r="http://schemas.openxmlformats.org/officeDocument/2006/relationships" xmlns:p="http://schemas.openxmlformats.org/presentationml/2006/main">
+  <p:cSld>
+    <p:spTree>
+      <p:nvGrpSpPr>
+        <p:cNvPr id="1" name=""/>
+        <p:cNvGrpSpPr/>
+        <p:nvPr/>
+      </p:nvGrpSpPr>
+      <p:grpSpPr>
+        <a:xfrm>
+          <a:off x="0" y="0"/>
+          <a:ext cx="0" cy="0"/>
+          <a:chOff x="0" y="0"/>
+          <a:chExt cx="0" cy="0"/>
+        </a:xfrm>
+      </p:grpSpPr>
+      <p:sp>
+        <p:nvSpPr>
+          <p:cNvPr id="2" name="Title 1">
+            <a:extLst>
+              <a:ext uri="{FF2B5EF4-FFF2-40B4-BE49-F238E27FC236}">
+                <a16:creationId xmlns:a16="http://schemas.microsoft.com/office/drawing/2014/main" id="{97C7BFC7-E43F-BE40-A956-F926ADA8965B}"/>
+              </a:ext>
+            </a:extLst>
+          </p:cNvPr>
+          <p:cNvSpPr>
+            <a:spLocks noGrp="1"/>
+          </p:cNvSpPr>
+          <p:nvPr>
+            <p:ph type="title"/>
+          </p:nvPr>
+        </p:nvSpPr>
+        <p:spPr/>
+        <p:txBody>
+          <a:bodyPr/>
+          <a:lstStyle/>
+          <a:p>
+            <a:r>
+              <a:rPr lang="en-US" sz="4800" b="1" kern="1200" dirty="0">
+                <a:solidFill>
+                  <a:srgbClr val="FEFEFE"/>
+                </a:solidFill>
+                <a:effectLst/>
+                <a:latin typeface="+mj-lt"/>
+                <a:ea typeface="+mj-ea"/>
+                <a:cs typeface="+mj-cs"/>
+              </a:rPr>
+              <a:t>Xamarin – Miguel’s Advice</a:t>
+            </a:r>
+            <a:r>
+              <a:rPr lang="en-US" dirty="0"/>
+              <a:t> </a:t>
+            </a:r>
+          </a:p>
+        </p:txBody>
+      </p:sp>
+      <p:sp>
+        <p:nvSpPr>
+          <p:cNvPr id="3" name="Content Placeholder 2">
+            <a:extLst>
+              <a:ext uri="{FF2B5EF4-FFF2-40B4-BE49-F238E27FC236}">
+                <a16:creationId xmlns:a16="http://schemas.microsoft.com/office/drawing/2014/main" id="{E956F59B-89BB-884D-9C77-1C7233F35549}"/>
+              </a:ext>
+            </a:extLst>
+          </p:cNvPr>
+          <p:cNvSpPr>
+            <a:spLocks noGrp="1"/>
+          </p:cNvSpPr>
+          <p:nvPr>
+            <p:ph idx="1"/>
+          </p:nvPr>
+        </p:nvSpPr>
+        <p:spPr/>
+        <p:txBody>
+          <a:bodyPr>
+            <a:normAutofit fontScale="92500" lnSpcReduction="10000"/>
+          </a:bodyPr>
+          <a:lstStyle/>
+          <a:p>
+            <a:r>
+              <a:rPr lang="en-CA" dirty="0"/>
+              <a:t>Design</a:t>
+            </a:r>
+          </a:p>
+          <a:p>
+            <a:pPr lvl="1"/>
+            <a:r>
+              <a:rPr lang="en-CA" dirty="0"/>
+              <a:t>Joel </a:t>
+            </a:r>
+            <a:r>
+              <a:rPr lang="en-CA" dirty="0" err="1"/>
+              <a:t>Spolsky</a:t>
+            </a:r>
+            <a:r>
+              <a:rPr lang="en-CA" dirty="0"/>
+              <a:t> - User Interface for Developers </a:t>
+            </a:r>
+            <a:r>
+              <a:rPr lang="en-CA" dirty="0">
+                <a:hlinkClick r:id="rId3" tooltip="https://www.joelonsoftware.com/2001/10/24/user-interface-design-for-programmers/"/>
+              </a:rPr>
+              <a:t>https://www.joelonsoftware.com/2001/10/24/user-interface-design-for-programmers/</a:t>
+            </a:r>
+            <a:endParaRPr lang="en-CA" dirty="0"/>
+          </a:p>
+          <a:p>
+            <a:pPr lvl="1"/>
+            <a:r>
+              <a:rPr lang="en-CA" dirty="0"/>
+              <a:t>Microsoft Inclusive Design </a:t>
+            </a:r>
+            <a:r>
+              <a:rPr lang="en-CA" dirty="0">
+                <a:hlinkClick r:id="rId4" tooltip="https://www.microsoft.com/en-us/design/inclusive"/>
+              </a:rPr>
+              <a:t>https://www.microsoft.com/en-us/design/inclusive</a:t>
+            </a:r>
+            <a:endParaRPr lang="en-CA" dirty="0"/>
+          </a:p>
+          <a:p>
+            <a:pPr lvl="1"/>
+            <a:r>
+              <a:rPr lang="en-CA" dirty="0"/>
+              <a:t>Where/how/with whom are people using your app?</a:t>
+            </a:r>
+          </a:p>
+          <a:p>
+            <a:pPr lvl="1"/>
+            <a:r>
+              <a:rPr lang="en-CA" dirty="0"/>
+              <a:t>Persona spectrum</a:t>
+            </a:r>
+          </a:p>
+        </p:txBody>
+      </p:sp>
+    </p:spTree>
+    <p:extLst>
+      <p:ext uri="{BB962C8B-B14F-4D97-AF65-F5344CB8AC3E}">
+        <p14:creationId xmlns:p14="http://schemas.microsoft.com/office/powerpoint/2010/main" val="4016934462"/>
+      </p:ext>
+    </p:extLst>
+  </p:cSld>
+  <p:clrMapOvr>
+    <a:masterClrMapping/>
+  </p:clrMapOvr>
+</p:sld>
+</file>
+
+<file path=ppt/slides/slide33.xml><?xml version="1.0" encoding="utf-8"?>
+<p:sld xmlns:a="http://schemas.openxmlformats.org/drawingml/2006/main" xmlns:r="http://schemas.openxmlformats.org/officeDocument/2006/relationships" xmlns:p="http://schemas.openxmlformats.org/presentationml/2006/main">
+  <p:cSld>
+    <p:spTree>
+      <p:nvGrpSpPr>
+        <p:cNvPr id="1" name=""/>
+        <p:cNvGrpSpPr/>
+        <p:nvPr/>
+      </p:nvGrpSpPr>
+      <p:grpSpPr>
+        <a:xfrm>
+          <a:off x="0" y="0"/>
+          <a:ext cx="0" cy="0"/>
+          <a:chOff x="0" y="0"/>
+          <a:chExt cx="0" cy="0"/>
+        </a:xfrm>
+      </p:grpSpPr>
+      <p:sp>
+        <p:nvSpPr>
+          <p:cNvPr id="2" name="Title 1">
+            <a:extLst>
+              <a:ext uri="{FF2B5EF4-FFF2-40B4-BE49-F238E27FC236}">
+                <a16:creationId xmlns:a16="http://schemas.microsoft.com/office/drawing/2014/main" id="{7E0BA889-501D-D840-BC5F-D2D474222D12}"/>
+              </a:ext>
+            </a:extLst>
+          </p:cNvPr>
+          <p:cNvSpPr>
+            <a:spLocks noGrp="1"/>
+          </p:cNvSpPr>
+          <p:nvPr>
+            <p:ph type="title"/>
+          </p:nvPr>
+        </p:nvSpPr>
+        <p:spPr/>
+        <p:txBody>
+          <a:bodyPr/>
+          <a:lstStyle/>
+          <a:p>
+            <a:r>
+              <a:rPr lang="en-US" sz="4800" b="1" kern="1200" dirty="0">
+                <a:solidFill>
+                  <a:srgbClr val="FEFEFE"/>
+                </a:solidFill>
+                <a:effectLst/>
+                <a:latin typeface="+mj-lt"/>
+                <a:ea typeface="+mj-ea"/>
+                <a:cs typeface="+mj-cs"/>
+              </a:rPr>
+              <a:t>Xamarin – Miguel’s Advice</a:t>
+            </a:r>
+            <a:endParaRPr lang="en-US" dirty="0"/>
+          </a:p>
+        </p:txBody>
+      </p:sp>
+      <p:sp>
+        <p:nvSpPr>
+          <p:cNvPr id="3" name="Content Placeholder 2">
+            <a:extLst>
+              <a:ext uri="{FF2B5EF4-FFF2-40B4-BE49-F238E27FC236}">
+                <a16:creationId xmlns:a16="http://schemas.microsoft.com/office/drawing/2014/main" id="{EFF2D18F-127C-F44E-943B-68F89B1CA3A4}"/>
+              </a:ext>
+            </a:extLst>
+          </p:cNvPr>
+          <p:cNvSpPr>
+            <a:spLocks noGrp="1"/>
+          </p:cNvSpPr>
+          <p:nvPr>
+            <p:ph idx="1"/>
+          </p:nvPr>
+        </p:nvSpPr>
+        <p:spPr/>
+        <p:txBody>
+          <a:bodyPr/>
+          <a:lstStyle/>
+          <a:p>
+            <a:r>
+              <a:rPr lang="en-CA" dirty="0"/>
+              <a:t>Tools for Design</a:t>
+            </a:r>
+          </a:p>
+          <a:p>
+            <a:pPr lvl="1"/>
+            <a:r>
+              <a:rPr lang="en-CA" dirty="0"/>
+              <a:t>Paper sketches/whiteboard</a:t>
+            </a:r>
+          </a:p>
+          <a:p>
+            <a:pPr lvl="1"/>
+            <a:r>
+              <a:rPr lang="en-CA" dirty="0"/>
+              <a:t>Adobe XD</a:t>
+            </a:r>
+          </a:p>
+          <a:p>
+            <a:pPr lvl="1"/>
+            <a:r>
+              <a:rPr lang="en-CA" dirty="0"/>
+              <a:t>Sketch</a:t>
+            </a:r>
+          </a:p>
+          <a:p>
+            <a:pPr lvl="1"/>
+            <a:r>
+              <a:rPr lang="en-CA"/>
+              <a:t>InVision</a:t>
+            </a:r>
+            <a:endParaRPr lang="en-CA" dirty="0"/>
+          </a:p>
+        </p:txBody>
+      </p:sp>
+    </p:spTree>
+    <p:extLst>
+      <p:ext uri="{BB962C8B-B14F-4D97-AF65-F5344CB8AC3E}">
+        <p14:creationId xmlns:p14="http://schemas.microsoft.com/office/powerpoint/2010/main" val="1355161584"/>
+      </p:ext>
+    </p:extLst>
+  </p:cSld>
+  <p:clrMapOvr>
+    <a:masterClrMapping/>
+  </p:clrMapOvr>
+</p:sld>
+</file>
+
+<file path=ppt/slides/slide34.xml><?xml version="1.0" encoding="utf-8"?>
+<p:sld xmlns:a="http://schemas.openxmlformats.org/drawingml/2006/main" xmlns:r="http://schemas.openxmlformats.org/officeDocument/2006/relationships" xmlns:p="http://schemas.openxmlformats.org/presentationml/2006/main">
+  <p:cSld>
+    <p:spTree>
+      <p:nvGrpSpPr>
+        <p:cNvPr id="1" name=""/>
+        <p:cNvGrpSpPr/>
+        <p:nvPr/>
+      </p:nvGrpSpPr>
+      <p:grpSpPr>
+        <a:xfrm>
+          <a:off x="0" y="0"/>
+          <a:ext cx="0" cy="0"/>
+          <a:chOff x="0" y="0"/>
+          <a:chExt cx="0" cy="0"/>
+        </a:xfrm>
+      </p:grpSpPr>
+      <p:sp>
+        <p:nvSpPr>
+          <p:cNvPr id="2" name="Title 1">
+            <a:extLst>
+              <a:ext uri="{FF2B5EF4-FFF2-40B4-BE49-F238E27FC236}">
+                <a16:creationId xmlns:a16="http://schemas.microsoft.com/office/drawing/2014/main" id="{7E0BA889-501D-D840-BC5F-D2D474222D12}"/>
+              </a:ext>
+            </a:extLst>
+          </p:cNvPr>
+          <p:cNvSpPr>
+            <a:spLocks noGrp="1"/>
+          </p:cNvSpPr>
+          <p:nvPr>
+            <p:ph type="title"/>
+          </p:nvPr>
+        </p:nvSpPr>
+        <p:spPr/>
+        <p:txBody>
+          <a:bodyPr/>
+          <a:lstStyle/>
+          <a:p>
+            <a:r>
+              <a:rPr lang="en-US" sz="4800" b="1" kern="1200" dirty="0">
+                <a:solidFill>
+                  <a:srgbClr val="FEFEFE"/>
+                </a:solidFill>
+                <a:effectLst/>
+                <a:latin typeface="+mj-lt"/>
+                <a:ea typeface="+mj-ea"/>
+                <a:cs typeface="+mj-cs"/>
+              </a:rPr>
+              <a:t>Xamarin – Miguel’s Advice</a:t>
+            </a:r>
+            <a:endParaRPr lang="en-US" dirty="0"/>
+          </a:p>
+        </p:txBody>
+      </p:sp>
+      <p:sp>
+        <p:nvSpPr>
+          <p:cNvPr id="3" name="Content Placeholder 2">
+            <a:extLst>
+              <a:ext uri="{FF2B5EF4-FFF2-40B4-BE49-F238E27FC236}">
+                <a16:creationId xmlns:a16="http://schemas.microsoft.com/office/drawing/2014/main" id="{EFF2D18F-127C-F44E-943B-68F89B1CA3A4}"/>
+              </a:ext>
+            </a:extLst>
+          </p:cNvPr>
+          <p:cNvSpPr>
+            <a:spLocks noGrp="1"/>
+          </p:cNvSpPr>
+          <p:nvPr>
+            <p:ph idx="1"/>
+          </p:nvPr>
+        </p:nvSpPr>
+        <p:spPr/>
+        <p:txBody>
+          <a:bodyPr/>
+          <a:lstStyle/>
+          <a:p>
+            <a:r>
+              <a:rPr lang="en-CA" dirty="0"/>
+              <a:t>Testing</a:t>
+            </a:r>
+          </a:p>
+          <a:p>
+            <a:pPr lvl="1"/>
+            <a:r>
+              <a:rPr lang="en-CA" dirty="0"/>
+              <a:t>Developers have new, fast phones, users do not</a:t>
+            </a:r>
+          </a:p>
+          <a:p>
+            <a:pPr lvl="1"/>
+            <a:r>
+              <a:rPr lang="en-CA" dirty="0"/>
+              <a:t>Scenario - 12 second load time</a:t>
+            </a:r>
+          </a:p>
+          <a:p>
+            <a:pPr lvl="1"/>
+            <a:r>
+              <a:rPr lang="en-CA" dirty="0"/>
+              <a:t>Test on old devices!</a:t>
+            </a:r>
+          </a:p>
+          <a:p>
+            <a:pPr lvl="1"/>
+            <a:r>
+              <a:rPr lang="en-CA" dirty="0"/>
+              <a:t>Use the profiler - ALWAYS</a:t>
+            </a:r>
+          </a:p>
+        </p:txBody>
+      </p:sp>
+    </p:spTree>
+    <p:extLst>
+      <p:ext uri="{BB962C8B-B14F-4D97-AF65-F5344CB8AC3E}">
+        <p14:creationId xmlns:p14="http://schemas.microsoft.com/office/powerpoint/2010/main" val="1776370485"/>
+      </p:ext>
+    </p:extLst>
+  </p:cSld>
+  <p:clrMapOvr>
+    <a:masterClrMapping/>
+  </p:clrMapOvr>
+</p:sld>
+</file>
+
+<file path=ppt/slides/slide35.xml><?xml version="1.0" encoding="utf-8"?>
+<p:sld xmlns:a="http://schemas.openxmlformats.org/drawingml/2006/main" xmlns:r="http://schemas.openxmlformats.org/officeDocument/2006/relationships" xmlns:p="http://schemas.openxmlformats.org/presentationml/2006/main">
+  <p:cSld>
+    <p:spTree>
+      <p:nvGrpSpPr>
+        <p:cNvPr id="1" name=""/>
+        <p:cNvGrpSpPr/>
+        <p:nvPr/>
+      </p:nvGrpSpPr>
+      <p:grpSpPr>
+        <a:xfrm>
+          <a:off x="0" y="0"/>
+          <a:ext cx="0" cy="0"/>
+          <a:chOff x="0" y="0"/>
+          <a:chExt cx="0" cy="0"/>
+        </a:xfrm>
+      </p:grpSpPr>
+      <p:sp>
+        <p:nvSpPr>
+          <p:cNvPr id="2" name="Title 1">
+            <a:extLst>
+              <a:ext uri="{FF2B5EF4-FFF2-40B4-BE49-F238E27FC236}">
+                <a16:creationId xmlns:a16="http://schemas.microsoft.com/office/drawing/2014/main" id="{7E0BA889-501D-D840-BC5F-D2D474222D12}"/>
+              </a:ext>
+            </a:extLst>
+          </p:cNvPr>
+          <p:cNvSpPr>
+            <a:spLocks noGrp="1"/>
+          </p:cNvSpPr>
+          <p:nvPr>
+            <p:ph type="title"/>
+          </p:nvPr>
+        </p:nvSpPr>
+        <p:spPr/>
+        <p:txBody>
+          <a:bodyPr/>
+          <a:lstStyle/>
+          <a:p>
+            <a:r>
+              <a:rPr lang="en-US" sz="4800" b="1" kern="1200" dirty="0">
+                <a:solidFill>
+                  <a:srgbClr val="FEFEFE"/>
+                </a:solidFill>
+                <a:effectLst/>
+                <a:latin typeface="+mj-lt"/>
+                <a:ea typeface="+mj-ea"/>
+                <a:cs typeface="+mj-cs"/>
+              </a:rPr>
+              <a:t>Xamarin – Miguel’s Advice</a:t>
+            </a:r>
+            <a:endParaRPr lang="en-US" dirty="0"/>
+          </a:p>
+        </p:txBody>
+      </p:sp>
+      <p:sp>
+        <p:nvSpPr>
+          <p:cNvPr id="3" name="Content Placeholder 2">
+            <a:extLst>
+              <a:ext uri="{FF2B5EF4-FFF2-40B4-BE49-F238E27FC236}">
+                <a16:creationId xmlns:a16="http://schemas.microsoft.com/office/drawing/2014/main" id="{EFF2D18F-127C-F44E-943B-68F89B1CA3A4}"/>
+              </a:ext>
+            </a:extLst>
+          </p:cNvPr>
+          <p:cNvSpPr>
+            <a:spLocks noGrp="1"/>
+          </p:cNvSpPr>
+          <p:nvPr>
+            <p:ph idx="1"/>
+          </p:nvPr>
+        </p:nvSpPr>
+        <p:spPr/>
+        <p:txBody>
+          <a:bodyPr/>
+          <a:lstStyle/>
+          <a:p>
+            <a:r>
+              <a:rPr lang="en-CA" dirty="0"/>
+              <a:t>Release Builds</a:t>
+            </a:r>
+          </a:p>
+          <a:p>
+            <a:pPr lvl="1"/>
+            <a:r>
+              <a:rPr lang="en-CA" dirty="0"/>
+              <a:t>Always ship using LLVM Optimizing Compiler (in project options)</a:t>
+            </a:r>
+          </a:p>
+          <a:p>
+            <a:pPr lvl="1"/>
+            <a:r>
+              <a:rPr lang="en-CA" dirty="0"/>
+              <a:t>On Android, opt for AOT or Hybrid Compilation</a:t>
+            </a:r>
+          </a:p>
+        </p:txBody>
+      </p:sp>
+    </p:spTree>
+    <p:extLst>
+      <p:ext uri="{BB962C8B-B14F-4D97-AF65-F5344CB8AC3E}">
+        <p14:creationId xmlns:p14="http://schemas.microsoft.com/office/powerpoint/2010/main" val="4107329481"/>
+      </p:ext>
+    </p:extLst>
+  </p:cSld>
+  <p:clrMapOvr>
+    <a:masterClrMapping/>
+  </p:clrMapOvr>
+</p:sld>
+</file>
+
+<file path=ppt/slides/slide36.xml><?xml version="1.0" encoding="utf-8"?>
+<p:sld xmlns:a="http://schemas.openxmlformats.org/drawingml/2006/main" xmlns:r="http://schemas.openxmlformats.org/officeDocument/2006/relationships" xmlns:p="http://schemas.openxmlformats.org/presentationml/2006/main">
+  <p:cSld>
+    <p:spTree>
+      <p:nvGrpSpPr>
+        <p:cNvPr id="1" name=""/>
+        <p:cNvGrpSpPr/>
+        <p:nvPr/>
+      </p:nvGrpSpPr>
+      <p:grpSpPr>
+        <a:xfrm>
+          <a:off x="0" y="0"/>
+          <a:ext cx="0" cy="0"/>
+          <a:chOff x="0" y="0"/>
+          <a:chExt cx="0" cy="0"/>
+        </a:xfrm>
+      </p:grpSpPr>
+      <p:sp>
+        <p:nvSpPr>
+          <p:cNvPr id="2" name="Title 1">
+            <a:extLst>
+              <a:ext uri="{FF2B5EF4-FFF2-40B4-BE49-F238E27FC236}">
+                <a16:creationId xmlns:a16="http://schemas.microsoft.com/office/drawing/2014/main" id="{7E0BA889-501D-D840-BC5F-D2D474222D12}"/>
+              </a:ext>
+            </a:extLst>
+          </p:cNvPr>
+          <p:cNvSpPr>
+            <a:spLocks noGrp="1"/>
+          </p:cNvSpPr>
+          <p:nvPr>
+            <p:ph type="title"/>
+          </p:nvPr>
+        </p:nvSpPr>
+        <p:spPr/>
+        <p:txBody>
+          <a:bodyPr/>
+          <a:lstStyle/>
+          <a:p>
+            <a:r>
+              <a:rPr lang="en-US" sz="4800" b="1" kern="1200" dirty="0">
+                <a:solidFill>
+                  <a:srgbClr val="FEFEFE"/>
+                </a:solidFill>
+                <a:effectLst/>
+                <a:latin typeface="+mj-lt"/>
+                <a:ea typeface="+mj-ea"/>
+                <a:cs typeface="+mj-cs"/>
+              </a:rPr>
+              <a:t>Xamarin – Miguel’s Advice</a:t>
+            </a:r>
+            <a:endParaRPr lang="en-US" dirty="0"/>
+          </a:p>
+        </p:txBody>
+      </p:sp>
+      <p:sp>
+        <p:nvSpPr>
+          <p:cNvPr id="3" name="Content Placeholder 2">
+            <a:extLst>
+              <a:ext uri="{FF2B5EF4-FFF2-40B4-BE49-F238E27FC236}">
+                <a16:creationId xmlns:a16="http://schemas.microsoft.com/office/drawing/2014/main" id="{EFF2D18F-127C-F44E-943B-68F89B1CA3A4}"/>
+              </a:ext>
+            </a:extLst>
+          </p:cNvPr>
+          <p:cNvSpPr>
+            <a:spLocks noGrp="1"/>
+          </p:cNvSpPr>
+          <p:nvPr>
+            <p:ph idx="1"/>
+          </p:nvPr>
+        </p:nvSpPr>
+        <p:spPr/>
+        <p:txBody>
+          <a:bodyPr>
+            <a:normAutofit fontScale="92500" lnSpcReduction="20000"/>
+          </a:bodyPr>
+          <a:lstStyle/>
+          <a:p>
+            <a:r>
+              <a:rPr lang="en-CA" dirty="0"/>
+              <a:t>Networking</a:t>
+            </a:r>
+          </a:p>
+          <a:p>
+            <a:pPr lvl="1"/>
+            <a:r>
+              <a:rPr lang="en-CA" dirty="0" err="1"/>
+              <a:t>json</a:t>
+            </a:r>
+            <a:r>
+              <a:rPr lang="en-CA" dirty="0"/>
+              <a:t> sucks, very slow</a:t>
+            </a:r>
+          </a:p>
+          <a:p>
+            <a:pPr lvl="1"/>
+            <a:r>
+              <a:rPr lang="en-CA" dirty="0"/>
+              <a:t>binary </a:t>
+            </a:r>
+            <a:r>
+              <a:rPr lang="en-CA" dirty="0" err="1"/>
+              <a:t>json</a:t>
+            </a:r>
+            <a:endParaRPr lang="en-CA" dirty="0"/>
+          </a:p>
+          <a:p>
+            <a:pPr lvl="2"/>
+            <a:r>
+              <a:rPr lang="en-CA" dirty="0">
+                <a:hlinkClick r:id="rId3"/>
+              </a:rPr>
+              <a:t>https://www.newtonsoft.com/json/help/html/SerializeToBson.htm</a:t>
+            </a:r>
+            <a:endParaRPr lang="en-CA" dirty="0"/>
+          </a:p>
+          <a:p>
+            <a:pPr lvl="1"/>
+            <a:r>
+              <a:rPr lang="en-CA" dirty="0"/>
+              <a:t>protocol buffers</a:t>
+            </a:r>
+          </a:p>
+          <a:p>
+            <a:pPr lvl="2"/>
+            <a:r>
+              <a:rPr lang="en-CA" dirty="0">
+                <a:hlinkClick r:id="rId4" tooltip="https://github.com/mgravell/protobuf-net"/>
+              </a:rPr>
+              <a:t>https://github.com/mgravell/protobuf-net</a:t>
+            </a:r>
+            <a:endParaRPr lang="en-CA" dirty="0"/>
+          </a:p>
+          <a:p>
+            <a:pPr lvl="2"/>
+            <a:r>
+              <a:rPr lang="en-CA" dirty="0">
+                <a:hlinkClick r:id="rId5" tooltip="https://developers.google.com/protocol-buffers/docs/csharptutorial"/>
+              </a:rPr>
+              <a:t>https://developers.google.com/protocol-buffers/docs/csharptutorial</a:t>
+            </a:r>
+            <a:endParaRPr lang="en-CA" dirty="0"/>
+          </a:p>
+        </p:txBody>
+      </p:sp>
+    </p:spTree>
+    <p:extLst>
+      <p:ext uri="{BB962C8B-B14F-4D97-AF65-F5344CB8AC3E}">
+        <p14:creationId xmlns:p14="http://schemas.microsoft.com/office/powerpoint/2010/main" val="4022778859"/>
+      </p:ext>
+    </p:extLst>
+  </p:cSld>
+  <p:clrMapOvr>
+    <a:masterClrMapping/>
+  </p:clrMapOvr>
+</p:sld>
+</file>
+
+<file path=ppt/slides/slide37.xml><?xml version="1.0" encoding="utf-8"?>
+<p:sld xmlns:a="http://schemas.openxmlformats.org/drawingml/2006/main" xmlns:r="http://schemas.openxmlformats.org/officeDocument/2006/relationships" xmlns:p="http://schemas.openxmlformats.org/presentationml/2006/main">
+  <p:cSld>
+    <p:spTree>
+      <p:nvGrpSpPr>
+        <p:cNvPr id="1" name=""/>
+        <p:cNvGrpSpPr/>
+        <p:nvPr/>
+      </p:nvGrpSpPr>
+      <p:grpSpPr>
+        <a:xfrm>
+          <a:off x="0" y="0"/>
+          <a:ext cx="0" cy="0"/>
+          <a:chOff x="0" y="0"/>
+          <a:chExt cx="0" cy="0"/>
+        </a:xfrm>
+      </p:grpSpPr>
+      <p:sp>
+        <p:nvSpPr>
+          <p:cNvPr id="2" name="Title 1">
+            <a:extLst>
+              <a:ext uri="{FF2B5EF4-FFF2-40B4-BE49-F238E27FC236}">
+                <a16:creationId xmlns:a16="http://schemas.microsoft.com/office/drawing/2014/main" id="{94E442F0-CA49-2945-A37D-F21C8E586BEE}"/>
+              </a:ext>
+            </a:extLst>
+          </p:cNvPr>
+          <p:cNvSpPr>
+            <a:spLocks noGrp="1"/>
+          </p:cNvSpPr>
+          <p:nvPr>
+            <p:ph type="title"/>
+          </p:nvPr>
+        </p:nvSpPr>
+        <p:spPr/>
+        <p:txBody>
+          <a:bodyPr/>
+          <a:lstStyle/>
+          <a:p>
+            <a:r>
+              <a:rPr lang="en-US" dirty="0"/>
+              <a:t>Xamarin Development Tools</a:t>
+            </a:r>
+          </a:p>
+        </p:txBody>
+      </p:sp>
+      <p:sp>
+        <p:nvSpPr>
+          <p:cNvPr id="3" name="Content Placeholder 2">
+            <a:extLst>
+              <a:ext uri="{FF2B5EF4-FFF2-40B4-BE49-F238E27FC236}">
+                <a16:creationId xmlns:a16="http://schemas.microsoft.com/office/drawing/2014/main" id="{1189781C-02F1-CE47-BBFE-85D2477BB7EF}"/>
+              </a:ext>
+            </a:extLst>
+          </p:cNvPr>
+          <p:cNvSpPr>
+            <a:spLocks noGrp="1"/>
+          </p:cNvSpPr>
+          <p:nvPr>
+            <p:ph idx="1"/>
+          </p:nvPr>
+        </p:nvSpPr>
+        <p:spPr/>
+        <p:txBody>
+          <a:bodyPr>
+            <a:normAutofit fontScale="92500" lnSpcReduction="10000"/>
+          </a:bodyPr>
+          <a:lstStyle/>
+          <a:p>
+            <a:r>
+              <a:rPr lang="en-CA" dirty="0"/>
+              <a:t>Simplified project templates</a:t>
+            </a:r>
+          </a:p>
+          <a:p>
+            <a:r>
+              <a:rPr lang="en-CA" dirty="0"/>
+              <a:t>Streamlined Mac provisioning (mono, </a:t>
+            </a:r>
+            <a:r>
+              <a:rPr lang="en-CA" dirty="0" err="1"/>
+              <a:t>xcode</a:t>
+            </a:r>
+            <a:r>
+              <a:rPr lang="en-CA" dirty="0"/>
+              <a:t>, </a:t>
+            </a:r>
+            <a:r>
+              <a:rPr lang="en-CA" dirty="0" err="1"/>
+              <a:t>etc</a:t>
+            </a:r>
+            <a:r>
+              <a:rPr lang="en-CA" dirty="0"/>
+              <a:t> for VS agent)</a:t>
+            </a:r>
+          </a:p>
+          <a:p>
+            <a:r>
+              <a:rPr lang="en-CA" dirty="0"/>
+              <a:t>New Android Device Manager + Android SDK Manager</a:t>
+            </a:r>
+          </a:p>
+          <a:p>
+            <a:pPr lvl="1"/>
+            <a:r>
+              <a:rPr lang="en-CA" dirty="0"/>
+              <a:t>Automatically suggests installs</a:t>
+            </a:r>
+          </a:p>
+          <a:p>
+            <a:r>
+              <a:rPr lang="en-CA" dirty="0"/>
+              <a:t>Much improved </a:t>
+            </a:r>
+            <a:r>
+              <a:rPr lang="en-CA" dirty="0" err="1"/>
+              <a:t>Xaml</a:t>
+            </a:r>
+            <a:r>
+              <a:rPr lang="en-CA" dirty="0"/>
+              <a:t> development experience</a:t>
+            </a:r>
+          </a:p>
+        </p:txBody>
+      </p:sp>
+    </p:spTree>
+    <p:extLst>
+      <p:ext uri="{BB962C8B-B14F-4D97-AF65-F5344CB8AC3E}">
+        <p14:creationId xmlns:p14="http://schemas.microsoft.com/office/powerpoint/2010/main" val="3863938091"/>
+      </p:ext>
+    </p:extLst>
+  </p:cSld>
+  <p:clrMapOvr>
+    <a:masterClrMapping/>
+  </p:clrMapOvr>
+</p:sld>
+</file>
+
+<file path=ppt/slides/slide38.xml><?xml version="1.0" encoding="utf-8"?>
+<p:sld xmlns:a="http://schemas.openxmlformats.org/drawingml/2006/main" xmlns:r="http://schemas.openxmlformats.org/officeDocument/2006/relationships" xmlns:p="http://schemas.openxmlformats.org/presentationml/2006/main">
+  <p:cSld>
+    <p:spTree>
+      <p:nvGrpSpPr>
+        <p:cNvPr id="1" name=""/>
+        <p:cNvGrpSpPr/>
+        <p:nvPr/>
+      </p:nvGrpSpPr>
+      <p:grpSpPr>
+        <a:xfrm>
+          <a:off x="0" y="0"/>
+          <a:ext cx="0" cy="0"/>
+          <a:chOff x="0" y="0"/>
+          <a:chExt cx="0" cy="0"/>
+        </a:xfrm>
+      </p:grpSpPr>
+      <p:sp>
+        <p:nvSpPr>
+          <p:cNvPr id="2" name="Title 1">
+            <a:extLst>
+              <a:ext uri="{FF2B5EF4-FFF2-40B4-BE49-F238E27FC236}">
+                <a16:creationId xmlns:a16="http://schemas.microsoft.com/office/drawing/2014/main" id="{A0EE6CBB-64CE-2645-9935-1AAA52929F1D}"/>
+              </a:ext>
+            </a:extLst>
+          </p:cNvPr>
+          <p:cNvSpPr>
+            <a:spLocks noGrp="1"/>
+          </p:cNvSpPr>
+          <p:nvPr>
+            <p:ph type="title"/>
+          </p:nvPr>
+        </p:nvSpPr>
+        <p:spPr/>
+        <p:txBody>
+          <a:bodyPr/>
+          <a:lstStyle/>
+          <a:p>
+            <a:r>
+              <a:rPr lang="en-US" dirty="0"/>
+              <a:t>Xamarin Development Tools</a:t>
+            </a:r>
+          </a:p>
+        </p:txBody>
+      </p:sp>
+      <p:sp>
+        <p:nvSpPr>
+          <p:cNvPr id="3" name="Content Placeholder 2">
+            <a:extLst>
+              <a:ext uri="{FF2B5EF4-FFF2-40B4-BE49-F238E27FC236}">
+                <a16:creationId xmlns:a16="http://schemas.microsoft.com/office/drawing/2014/main" id="{B527C692-C17E-E540-AE12-C383BA070F72}"/>
+              </a:ext>
+            </a:extLst>
+          </p:cNvPr>
+          <p:cNvSpPr>
+            <a:spLocks noGrp="1"/>
+          </p:cNvSpPr>
+          <p:nvPr>
+            <p:ph idx="1"/>
+          </p:nvPr>
+        </p:nvSpPr>
+        <p:spPr/>
+        <p:txBody>
+          <a:bodyPr>
+            <a:normAutofit/>
+          </a:bodyPr>
+          <a:lstStyle/>
+          <a:p>
+            <a:r>
+              <a:rPr lang="en-CA" dirty="0"/>
+              <a:t>Android improvements</a:t>
+            </a:r>
+          </a:p>
+          <a:p>
+            <a:pPr lvl="1"/>
+            <a:r>
+              <a:rPr lang="en-CA" dirty="0"/>
+              <a:t>AXML Designer</a:t>
+            </a:r>
+          </a:p>
+          <a:p>
+            <a:pPr lvl="1"/>
+            <a:r>
+              <a:rPr lang="en-CA" dirty="0"/>
+              <a:t>Build performance</a:t>
+            </a:r>
+          </a:p>
+          <a:p>
+            <a:pPr lvl="1"/>
+            <a:r>
+              <a:rPr lang="en-CA" dirty="0"/>
+              <a:t>Deployment performance</a:t>
+            </a:r>
+          </a:p>
+          <a:p>
+            <a:pPr lvl="1"/>
+            <a:r>
+              <a:rPr lang="en-CA" dirty="0"/>
+              <a:t>Android Emulator on Hyper-V</a:t>
+            </a:r>
+            <a:endParaRPr lang="en-CA" b="1" dirty="0"/>
+          </a:p>
+        </p:txBody>
+      </p:sp>
+    </p:spTree>
+    <p:extLst>
+      <p:ext uri="{BB962C8B-B14F-4D97-AF65-F5344CB8AC3E}">
+        <p14:creationId xmlns:p14="http://schemas.microsoft.com/office/powerpoint/2010/main" val="2148426302"/>
+      </p:ext>
+    </p:extLst>
+  </p:cSld>
+  <p:clrMapOvr>
+    <a:masterClrMapping/>
+  </p:clrMapOvr>
+</p:sld>
+</file>
+
+<file path=ppt/slides/slide39.xml><?xml version="1.0" encoding="utf-8"?>
+<p:sld xmlns:a="http://schemas.openxmlformats.org/drawingml/2006/main" xmlns:r="http://schemas.openxmlformats.org/officeDocument/2006/relationships" xmlns:p="http://schemas.openxmlformats.org/presentationml/2006/main">
+  <p:cSld>
+    <p:spTree>
+      <p:nvGrpSpPr>
+        <p:cNvPr id="1" name=""/>
+        <p:cNvGrpSpPr/>
+        <p:nvPr/>
+      </p:nvGrpSpPr>
+      <p:grpSpPr>
+        <a:xfrm>
+          <a:off x="0" y="0"/>
+          <a:ext cx="0" cy="0"/>
+          <a:chOff x="0" y="0"/>
+          <a:chExt cx="0" cy="0"/>
+        </a:xfrm>
+      </p:grpSpPr>
+      <p:sp>
+        <p:nvSpPr>
+          <p:cNvPr id="2" name="Title 1">
+            <a:extLst>
+              <a:ext uri="{FF2B5EF4-FFF2-40B4-BE49-F238E27FC236}">
+                <a16:creationId xmlns:a16="http://schemas.microsoft.com/office/drawing/2014/main" id="{9973DDE8-1870-E746-BC83-3857DB2D9526}"/>
+              </a:ext>
+            </a:extLst>
+          </p:cNvPr>
+          <p:cNvSpPr>
+            <a:spLocks noGrp="1"/>
+          </p:cNvSpPr>
+          <p:nvPr>
+            <p:ph type="title"/>
+          </p:nvPr>
+        </p:nvSpPr>
+        <p:spPr/>
+        <p:txBody>
+          <a:bodyPr/>
+          <a:lstStyle/>
+          <a:p>
+            <a:r>
+              <a:rPr lang="en-US" dirty="0"/>
+              <a:t>Xamarin Development Tools</a:t>
+            </a:r>
+          </a:p>
+        </p:txBody>
+      </p:sp>
+      <p:sp>
+        <p:nvSpPr>
+          <p:cNvPr id="3" name="Content Placeholder 2">
+            <a:extLst>
+              <a:ext uri="{FF2B5EF4-FFF2-40B4-BE49-F238E27FC236}">
+                <a16:creationId xmlns:a16="http://schemas.microsoft.com/office/drawing/2014/main" id="{53A8D278-0C62-1C42-89B6-93AA26B33D5D}"/>
+              </a:ext>
+            </a:extLst>
+          </p:cNvPr>
+          <p:cNvSpPr>
+            <a:spLocks noGrp="1"/>
+          </p:cNvSpPr>
+          <p:nvPr>
+            <p:ph idx="1"/>
+          </p:nvPr>
+        </p:nvSpPr>
+        <p:spPr/>
+        <p:txBody>
+          <a:bodyPr>
+            <a:normAutofit fontScale="85000" lnSpcReduction="20000"/>
+          </a:bodyPr>
+          <a:lstStyle/>
+          <a:p>
+            <a:r>
+              <a:rPr lang="en-CA" dirty="0"/>
+              <a:t>iOS Improvements</a:t>
+            </a:r>
+          </a:p>
+          <a:p>
+            <a:pPr lvl="1"/>
+            <a:r>
+              <a:rPr lang="en-CA" dirty="0"/>
+              <a:t>Storyboard Designer - new size classes support</a:t>
+            </a:r>
+          </a:p>
+          <a:p>
+            <a:pPr lvl="1"/>
+            <a:r>
+              <a:rPr lang="en-CA" dirty="0"/>
+              <a:t>Full static </a:t>
+            </a:r>
+            <a:r>
+              <a:rPr lang="en-CA" dirty="0" err="1"/>
+              <a:t>startup</a:t>
+            </a:r>
+            <a:endParaRPr lang="en-CA" dirty="0"/>
+          </a:p>
+          <a:p>
+            <a:pPr lvl="2"/>
+            <a:r>
+              <a:rPr lang="en-CA" dirty="0"/>
+              <a:t>Consume less memory, faster </a:t>
+            </a:r>
+            <a:r>
+              <a:rPr lang="en-CA" dirty="0" err="1"/>
+              <a:t>startup</a:t>
+            </a:r>
+            <a:endParaRPr lang="en-CA" dirty="0"/>
+          </a:p>
+          <a:p>
+            <a:pPr lvl="2"/>
+            <a:r>
+              <a:rPr lang="en-CA" dirty="0"/>
+              <a:t>Faster VS for Mac </a:t>
+            </a:r>
+            <a:r>
+              <a:rPr lang="en-CA" dirty="0" err="1"/>
+              <a:t>startup</a:t>
+            </a:r>
+            <a:r>
+              <a:rPr lang="en-CA" dirty="0"/>
+              <a:t> 11s to 7s - think about the impact on mobile</a:t>
+            </a:r>
+          </a:p>
+          <a:p>
+            <a:pPr lvl="2"/>
+            <a:r>
+              <a:rPr lang="en-CA" dirty="0"/>
+              <a:t>23-34% improvement on mem usage - same as swift</a:t>
+            </a:r>
+          </a:p>
+          <a:p>
+            <a:pPr lvl="1"/>
+            <a:r>
+              <a:rPr lang="en-CA" dirty="0"/>
+              <a:t>[Weak] attribute replaces </a:t>
+            </a:r>
+            <a:r>
+              <a:rPr lang="en-CA" dirty="0" err="1"/>
+              <a:t>WeakReference</a:t>
+            </a:r>
+            <a:r>
+              <a:rPr lang="en-CA" dirty="0"/>
+              <a:t>&lt;T&gt;</a:t>
+            </a:r>
+          </a:p>
+          <a:p>
+            <a:pPr lvl="1"/>
+            <a:r>
+              <a:rPr lang="en-CA" dirty="0"/>
+              <a:t>Provision an iOS device automatically in seconds (provisioning profiles, certificates, entitlements)</a:t>
+            </a:r>
+          </a:p>
+        </p:txBody>
+      </p:sp>
+    </p:spTree>
+    <p:extLst>
+      <p:ext uri="{BB962C8B-B14F-4D97-AF65-F5344CB8AC3E}">
+        <p14:creationId xmlns:p14="http://schemas.microsoft.com/office/powerpoint/2010/main" val="1488307739"/>
       </p:ext>
     </p:extLst>
   </p:cSld>
@@ -8537,6 +14308,983 @@
 </p:sld>
 </file>
 
+<file path=ppt/slides/slide40.xml><?xml version="1.0" encoding="utf-8"?>
+<p:sld xmlns:a="http://schemas.openxmlformats.org/drawingml/2006/main" xmlns:r="http://schemas.openxmlformats.org/officeDocument/2006/relationships" xmlns:p="http://schemas.openxmlformats.org/presentationml/2006/main">
+  <p:cSld>
+    <p:spTree>
+      <p:nvGrpSpPr>
+        <p:cNvPr id="1" name=""/>
+        <p:cNvGrpSpPr/>
+        <p:nvPr/>
+      </p:nvGrpSpPr>
+      <p:grpSpPr>
+        <a:xfrm>
+          <a:off x="0" y="0"/>
+          <a:ext cx="0" cy="0"/>
+          <a:chOff x="0" y="0"/>
+          <a:chExt cx="0" cy="0"/>
+        </a:xfrm>
+      </p:grpSpPr>
+      <p:sp>
+        <p:nvSpPr>
+          <p:cNvPr id="2" name="Title 1">
+            <a:extLst>
+              <a:ext uri="{FF2B5EF4-FFF2-40B4-BE49-F238E27FC236}">
+                <a16:creationId xmlns:a16="http://schemas.microsoft.com/office/drawing/2014/main" id="{9973DDE8-1870-E746-BC83-3857DB2D9526}"/>
+              </a:ext>
+            </a:extLst>
+          </p:cNvPr>
+          <p:cNvSpPr>
+            <a:spLocks noGrp="1"/>
+          </p:cNvSpPr>
+          <p:nvPr>
+            <p:ph type="title"/>
+          </p:nvPr>
+        </p:nvSpPr>
+        <p:spPr/>
+        <p:txBody>
+          <a:bodyPr/>
+          <a:lstStyle/>
+          <a:p>
+            <a:r>
+              <a:rPr lang="en-US" dirty="0"/>
+              <a:t>Xamarin Development Tools</a:t>
+            </a:r>
+          </a:p>
+        </p:txBody>
+      </p:sp>
+      <p:sp>
+        <p:nvSpPr>
+          <p:cNvPr id="3" name="Content Placeholder 2">
+            <a:extLst>
+              <a:ext uri="{FF2B5EF4-FFF2-40B4-BE49-F238E27FC236}">
+                <a16:creationId xmlns:a16="http://schemas.microsoft.com/office/drawing/2014/main" id="{53A8D278-0C62-1C42-89B6-93AA26B33D5D}"/>
+              </a:ext>
+            </a:extLst>
+          </p:cNvPr>
+          <p:cNvSpPr>
+            <a:spLocks noGrp="1"/>
+          </p:cNvSpPr>
+          <p:nvPr>
+            <p:ph idx="1"/>
+          </p:nvPr>
+        </p:nvSpPr>
+        <p:spPr/>
+        <p:txBody>
+          <a:bodyPr>
+            <a:normAutofit/>
+          </a:bodyPr>
+          <a:lstStyle/>
+          <a:p>
+            <a:r>
+              <a:rPr lang="en-CA" dirty="0"/>
+              <a:t>Profiler improvements</a:t>
+            </a:r>
+          </a:p>
+          <a:p>
+            <a:pPr lvl="1"/>
+            <a:r>
+              <a:rPr lang="en-CA" dirty="0"/>
+              <a:t>Light allocations mode</a:t>
+            </a:r>
+          </a:p>
+          <a:p>
+            <a:pPr lvl="1"/>
+            <a:r>
+              <a:rPr lang="en-CA" dirty="0"/>
+              <a:t>Snapshot comparisons</a:t>
+            </a:r>
+          </a:p>
+        </p:txBody>
+      </p:sp>
+    </p:spTree>
+    <p:extLst>
+      <p:ext uri="{BB962C8B-B14F-4D97-AF65-F5344CB8AC3E}">
+        <p14:creationId xmlns:p14="http://schemas.microsoft.com/office/powerpoint/2010/main" val="3721414076"/>
+      </p:ext>
+    </p:extLst>
+  </p:cSld>
+  <p:clrMapOvr>
+    <a:masterClrMapping/>
+  </p:clrMapOvr>
+</p:sld>
+</file>
+
+<file path=ppt/slides/slide41.xml><?xml version="1.0" encoding="utf-8"?>
+<p:sld xmlns:a="http://schemas.openxmlformats.org/drawingml/2006/main" xmlns:r="http://schemas.openxmlformats.org/officeDocument/2006/relationships" xmlns:p="http://schemas.openxmlformats.org/presentationml/2006/main">
+  <p:cSld>
+    <p:spTree>
+      <p:nvGrpSpPr>
+        <p:cNvPr id="1" name=""/>
+        <p:cNvGrpSpPr/>
+        <p:nvPr/>
+      </p:nvGrpSpPr>
+      <p:grpSpPr>
+        <a:xfrm>
+          <a:off x="0" y="0"/>
+          <a:ext cx="0" cy="0"/>
+          <a:chOff x="0" y="0"/>
+          <a:chExt cx="0" cy="0"/>
+        </a:xfrm>
+      </p:grpSpPr>
+      <p:sp>
+        <p:nvSpPr>
+          <p:cNvPr id="2" name="Title 1">
+            <a:extLst>
+              <a:ext uri="{FF2B5EF4-FFF2-40B4-BE49-F238E27FC236}">
+                <a16:creationId xmlns:a16="http://schemas.microsoft.com/office/drawing/2014/main" id="{9973DDE8-1870-E746-BC83-3857DB2D9526}"/>
+              </a:ext>
+            </a:extLst>
+          </p:cNvPr>
+          <p:cNvSpPr>
+            <a:spLocks noGrp="1"/>
+          </p:cNvSpPr>
+          <p:nvPr>
+            <p:ph type="title"/>
+          </p:nvPr>
+        </p:nvSpPr>
+        <p:spPr/>
+        <p:txBody>
+          <a:bodyPr/>
+          <a:lstStyle/>
+          <a:p>
+            <a:r>
+              <a:rPr lang="en-US" dirty="0"/>
+              <a:t>Xamarin Development Tools</a:t>
+            </a:r>
+          </a:p>
+        </p:txBody>
+      </p:sp>
+      <p:sp>
+        <p:nvSpPr>
+          <p:cNvPr id="3" name="Content Placeholder 2">
+            <a:extLst>
+              <a:ext uri="{FF2B5EF4-FFF2-40B4-BE49-F238E27FC236}">
+                <a16:creationId xmlns:a16="http://schemas.microsoft.com/office/drawing/2014/main" id="{53A8D278-0C62-1C42-89B6-93AA26B33D5D}"/>
+              </a:ext>
+            </a:extLst>
+          </p:cNvPr>
+          <p:cNvSpPr>
+            <a:spLocks noGrp="1"/>
+          </p:cNvSpPr>
+          <p:nvPr>
+            <p:ph idx="1"/>
+          </p:nvPr>
+        </p:nvSpPr>
+        <p:spPr/>
+        <p:txBody>
+          <a:bodyPr>
+            <a:normAutofit/>
+          </a:bodyPr>
+          <a:lstStyle/>
+          <a:p>
+            <a:r>
+              <a:rPr lang="en-CA" dirty="0"/>
+              <a:t>Xamarin Essentials</a:t>
+            </a:r>
+          </a:p>
+          <a:p>
+            <a:pPr lvl="1"/>
+            <a:r>
+              <a:rPr lang="en-CA" dirty="0"/>
+              <a:t>replaces individual plugins</a:t>
+            </a:r>
+          </a:p>
+          <a:p>
+            <a:r>
+              <a:rPr lang="en-CA" dirty="0"/>
+              <a:t>Xamarin Forms Project F100</a:t>
+            </a:r>
+          </a:p>
+          <a:p>
+            <a:pPr lvl="1"/>
+            <a:r>
+              <a:rPr lang="en-CA" dirty="0"/>
+              <a:t>Top 100 annoyances</a:t>
+            </a:r>
+          </a:p>
+          <a:p>
+            <a:r>
+              <a:rPr lang="en-CA" dirty="0" err="1"/>
+              <a:t>Xamarin.Forms</a:t>
+            </a:r>
+            <a:r>
+              <a:rPr lang="en-CA" dirty="0"/>
+              <a:t> 3.0 RTM</a:t>
+            </a:r>
+          </a:p>
+        </p:txBody>
+      </p:sp>
+    </p:spTree>
+    <p:extLst>
+      <p:ext uri="{BB962C8B-B14F-4D97-AF65-F5344CB8AC3E}">
+        <p14:creationId xmlns:p14="http://schemas.microsoft.com/office/powerpoint/2010/main" val="2012905464"/>
+      </p:ext>
+    </p:extLst>
+  </p:cSld>
+  <p:clrMapOvr>
+    <a:masterClrMapping/>
+  </p:clrMapOvr>
+</p:sld>
+</file>
+
+<file path=ppt/slides/slide42.xml><?xml version="1.0" encoding="utf-8"?>
+<p:sld xmlns:a="http://schemas.openxmlformats.org/drawingml/2006/main" xmlns:r="http://schemas.openxmlformats.org/officeDocument/2006/relationships" xmlns:p="http://schemas.openxmlformats.org/presentationml/2006/main">
+  <p:cSld>
+    <p:spTree>
+      <p:nvGrpSpPr>
+        <p:cNvPr id="1" name=""/>
+        <p:cNvGrpSpPr/>
+        <p:nvPr/>
+      </p:nvGrpSpPr>
+      <p:grpSpPr>
+        <a:xfrm>
+          <a:off x="0" y="0"/>
+          <a:ext cx="0" cy="0"/>
+          <a:chOff x="0" y="0"/>
+          <a:chExt cx="0" cy="0"/>
+        </a:xfrm>
+      </p:grpSpPr>
+      <p:sp>
+        <p:nvSpPr>
+          <p:cNvPr id="2" name="Title 1">
+            <a:extLst>
+              <a:ext uri="{FF2B5EF4-FFF2-40B4-BE49-F238E27FC236}">
+                <a16:creationId xmlns:a16="http://schemas.microsoft.com/office/drawing/2014/main" id="{9973DDE8-1870-E746-BC83-3857DB2D9526}"/>
+              </a:ext>
+            </a:extLst>
+          </p:cNvPr>
+          <p:cNvSpPr>
+            <a:spLocks noGrp="1"/>
+          </p:cNvSpPr>
+          <p:nvPr>
+            <p:ph type="title"/>
+          </p:nvPr>
+        </p:nvSpPr>
+        <p:spPr/>
+        <p:txBody>
+          <a:bodyPr/>
+          <a:lstStyle/>
+          <a:p>
+            <a:r>
+              <a:rPr lang="en-US" dirty="0"/>
+              <a:t>Xamarin Development Tools</a:t>
+            </a:r>
+          </a:p>
+        </p:txBody>
+      </p:sp>
+      <p:sp>
+        <p:nvSpPr>
+          <p:cNvPr id="3" name="Content Placeholder 2">
+            <a:extLst>
+              <a:ext uri="{FF2B5EF4-FFF2-40B4-BE49-F238E27FC236}">
+                <a16:creationId xmlns:a16="http://schemas.microsoft.com/office/drawing/2014/main" id="{53A8D278-0C62-1C42-89B6-93AA26B33D5D}"/>
+              </a:ext>
+            </a:extLst>
+          </p:cNvPr>
+          <p:cNvSpPr>
+            <a:spLocks noGrp="1"/>
+          </p:cNvSpPr>
+          <p:nvPr>
+            <p:ph idx="1"/>
+          </p:nvPr>
+        </p:nvSpPr>
+        <p:spPr/>
+        <p:txBody>
+          <a:bodyPr>
+            <a:normAutofit/>
+          </a:bodyPr>
+          <a:lstStyle/>
+          <a:p>
+            <a:r>
+              <a:rPr lang="en-CA" dirty="0"/>
+              <a:t>Beyond Build 2018</a:t>
+            </a:r>
+          </a:p>
+          <a:p>
+            <a:pPr lvl="1"/>
+            <a:r>
+              <a:rPr lang="en-CA" dirty="0" err="1"/>
+              <a:t>Elmish.XamarinForms</a:t>
+            </a:r>
+            <a:r>
+              <a:rPr lang="en-CA" dirty="0"/>
+              <a:t> - Elm + F# + </a:t>
+            </a:r>
+            <a:r>
+              <a:rPr lang="en-CA" dirty="0" err="1"/>
+              <a:t>Xamarin.Forms</a:t>
+            </a:r>
+            <a:r>
+              <a:rPr lang="en-CA" dirty="0"/>
+              <a:t> - similar to react</a:t>
+            </a:r>
+          </a:p>
+          <a:p>
+            <a:pPr lvl="1"/>
+            <a:r>
+              <a:rPr lang="en-CA" dirty="0" err="1"/>
+              <a:t>Ooui</a:t>
+            </a:r>
+            <a:r>
+              <a:rPr lang="en-CA" dirty="0"/>
+              <a:t> - Xamarin forms ASP.NET Core </a:t>
+            </a:r>
+            <a:r>
+              <a:rPr lang="en-CA" dirty="0" err="1"/>
+              <a:t>WebAssembly</a:t>
+            </a:r>
+            <a:endParaRPr lang="en-CA" dirty="0"/>
+          </a:p>
+          <a:p>
+            <a:pPr lvl="1"/>
+            <a:r>
+              <a:rPr lang="en-CA" dirty="0" err="1"/>
+              <a:t>GraphQL</a:t>
+            </a:r>
+            <a:endParaRPr lang="en-CA" dirty="0"/>
+          </a:p>
+          <a:p>
+            <a:pPr lvl="1"/>
+            <a:r>
+              <a:rPr lang="en-CA" dirty="0" err="1"/>
+              <a:t>Xamarin.Forms</a:t>
+            </a:r>
+            <a:r>
+              <a:rPr lang="en-CA" dirty="0"/>
+              <a:t> Shell</a:t>
+            </a:r>
+          </a:p>
+        </p:txBody>
+      </p:sp>
+    </p:spTree>
+    <p:extLst>
+      <p:ext uri="{BB962C8B-B14F-4D97-AF65-F5344CB8AC3E}">
+        <p14:creationId xmlns:p14="http://schemas.microsoft.com/office/powerpoint/2010/main" val="3975728173"/>
+      </p:ext>
+    </p:extLst>
+  </p:cSld>
+  <p:clrMapOvr>
+    <a:masterClrMapping/>
+  </p:clrMapOvr>
+</p:sld>
+</file>
+
+<file path=ppt/slides/slide43.xml><?xml version="1.0" encoding="utf-8"?>
+<p:sld xmlns:a="http://schemas.openxmlformats.org/drawingml/2006/main" xmlns:r="http://schemas.openxmlformats.org/officeDocument/2006/relationships" xmlns:p="http://schemas.openxmlformats.org/presentationml/2006/main">
+  <p:cSld>
+    <p:spTree>
+      <p:nvGrpSpPr>
+        <p:cNvPr id="1" name=""/>
+        <p:cNvGrpSpPr/>
+        <p:nvPr/>
+      </p:nvGrpSpPr>
+      <p:grpSpPr>
+        <a:xfrm>
+          <a:off x="0" y="0"/>
+          <a:ext cx="0" cy="0"/>
+          <a:chOff x="0" y="0"/>
+          <a:chExt cx="0" cy="0"/>
+        </a:xfrm>
+      </p:grpSpPr>
+      <p:sp>
+        <p:nvSpPr>
+          <p:cNvPr id="2" name="Title 1">
+            <a:extLst>
+              <a:ext uri="{FF2B5EF4-FFF2-40B4-BE49-F238E27FC236}">
+                <a16:creationId xmlns:a16="http://schemas.microsoft.com/office/drawing/2014/main" id="{35C7633E-5210-5E47-9AA9-5C5E800C32F4}"/>
+              </a:ext>
+            </a:extLst>
+          </p:cNvPr>
+          <p:cNvSpPr>
+            <a:spLocks noGrp="1"/>
+          </p:cNvSpPr>
+          <p:nvPr>
+            <p:ph type="title"/>
+          </p:nvPr>
+        </p:nvSpPr>
+        <p:spPr/>
+        <p:txBody>
+          <a:bodyPr/>
+          <a:lstStyle/>
+          <a:p>
+            <a:r>
+              <a:rPr lang="en-US" dirty="0" err="1"/>
+              <a:t>Xamarin.Forms</a:t>
+            </a:r>
+            <a:r>
+              <a:rPr lang="en-US" dirty="0"/>
+              <a:t> 3.0</a:t>
+            </a:r>
+          </a:p>
+        </p:txBody>
+      </p:sp>
+      <p:sp>
+        <p:nvSpPr>
+          <p:cNvPr id="3" name="Text Placeholder 2">
+            <a:extLst>
+              <a:ext uri="{FF2B5EF4-FFF2-40B4-BE49-F238E27FC236}">
+                <a16:creationId xmlns:a16="http://schemas.microsoft.com/office/drawing/2014/main" id="{90DE9B74-4623-6348-A380-C6472F59399C}"/>
+              </a:ext>
+            </a:extLst>
+          </p:cNvPr>
+          <p:cNvSpPr>
+            <a:spLocks noGrp="1"/>
+          </p:cNvSpPr>
+          <p:nvPr>
+            <p:ph type="body" idx="1"/>
+          </p:nvPr>
+        </p:nvSpPr>
+        <p:spPr/>
+        <p:txBody>
+          <a:bodyPr/>
+          <a:lstStyle/>
+          <a:p>
+            <a:r>
+              <a:rPr lang="en-US" dirty="0"/>
+              <a:t>What’s New?</a:t>
+            </a:r>
+          </a:p>
+        </p:txBody>
+      </p:sp>
+    </p:spTree>
+    <p:extLst>
+      <p:ext uri="{BB962C8B-B14F-4D97-AF65-F5344CB8AC3E}">
+        <p14:creationId xmlns:p14="http://schemas.microsoft.com/office/powerpoint/2010/main" val="4250813406"/>
+      </p:ext>
+    </p:extLst>
+  </p:cSld>
+  <p:clrMapOvr>
+    <a:masterClrMapping/>
+  </p:clrMapOvr>
+</p:sld>
+</file>
+
+<file path=ppt/slides/slide44.xml><?xml version="1.0" encoding="utf-8"?>
+<p:sld xmlns:a="http://schemas.openxmlformats.org/drawingml/2006/main" xmlns:r="http://schemas.openxmlformats.org/officeDocument/2006/relationships" xmlns:p="http://schemas.openxmlformats.org/presentationml/2006/main">
+  <p:cSld>
+    <p:spTree>
+      <p:nvGrpSpPr>
+        <p:cNvPr id="1" name=""/>
+        <p:cNvGrpSpPr/>
+        <p:nvPr/>
+      </p:nvGrpSpPr>
+      <p:grpSpPr>
+        <a:xfrm>
+          <a:off x="0" y="0"/>
+          <a:ext cx="0" cy="0"/>
+          <a:chOff x="0" y="0"/>
+          <a:chExt cx="0" cy="0"/>
+        </a:xfrm>
+      </p:grpSpPr>
+      <p:sp>
+        <p:nvSpPr>
+          <p:cNvPr id="4" name="Title 3"/>
+          <p:cNvSpPr>
+            <a:spLocks noGrp="1"/>
+          </p:cNvSpPr>
+          <p:nvPr>
+            <p:ph type="title"/>
+          </p:nvPr>
+        </p:nvSpPr>
+        <p:spPr/>
+        <p:txBody>
+          <a:bodyPr/>
+          <a:lstStyle/>
+          <a:p>
+            <a:r>
+              <a:rPr lang="en-US" dirty="0" err="1"/>
+              <a:t>Xamarin.Forms</a:t>
+            </a:r>
+            <a:r>
+              <a:rPr lang="en-US" dirty="0"/>
+              <a:t> 3.0</a:t>
+            </a:r>
+          </a:p>
+        </p:txBody>
+      </p:sp>
+      <p:sp>
+        <p:nvSpPr>
+          <p:cNvPr id="6" name="Content Placeholder 2">
+            <a:extLst>
+              <a:ext uri="{FF2B5EF4-FFF2-40B4-BE49-F238E27FC236}">
+                <a16:creationId xmlns:a16="http://schemas.microsoft.com/office/drawing/2014/main" id="{B74DA8F2-2D3F-8346-B61B-A67DEF5C707F}"/>
+              </a:ext>
+            </a:extLst>
+          </p:cNvPr>
+          <p:cNvSpPr>
+            <a:spLocks noGrp="1"/>
+          </p:cNvSpPr>
+          <p:nvPr>
+            <p:ph idx="1"/>
+          </p:nvPr>
+        </p:nvSpPr>
+        <p:spPr>
+          <a:xfrm>
+            <a:off x="818711" y="2222287"/>
+            <a:ext cx="10655893" cy="3710162"/>
+          </a:xfrm>
+        </p:spPr>
+        <p:txBody>
+          <a:bodyPr>
+            <a:noAutofit/>
+          </a:bodyPr>
+          <a:lstStyle/>
+          <a:p>
+            <a:r>
+              <a:rPr lang="en-CA" sz="2400" dirty="0"/>
+              <a:t>Globalization - Right to Left (RTL) flow direction for text, layouts, and images.</a:t>
+            </a:r>
+          </a:p>
+          <a:p>
+            <a:r>
+              <a:rPr lang="en-US" sz="2400" dirty="0"/>
+              <a:t>CSS - </a:t>
+            </a:r>
+            <a:r>
+              <a:rPr lang="en-CA" sz="2400" dirty="0"/>
+              <a:t>An alternative styling implementation to complement XAML styles and support</a:t>
+            </a:r>
+            <a:r>
+              <a:rPr lang="en-CA" dirty="0"/>
+              <a:t> </a:t>
+            </a:r>
+            <a:endParaRPr lang="en-US" sz="2400" dirty="0"/>
+          </a:p>
+          <a:p>
+            <a:r>
+              <a:rPr lang="en-CA" sz="2400" dirty="0" err="1"/>
+              <a:t>FlexLayout</a:t>
+            </a:r>
+            <a:r>
+              <a:rPr lang="en-CA" sz="2400" dirty="0"/>
+              <a:t>  - A flexible box layout container using</a:t>
+            </a:r>
+          </a:p>
+          <a:p>
+            <a:r>
+              <a:rPr lang="en-CA" sz="2400" dirty="0"/>
+              <a:t>Visual State Manager  - Specify states for a control to customize appearance and behavior.</a:t>
+            </a:r>
+            <a:endParaRPr lang="en-US" sz="2400" dirty="0"/>
+          </a:p>
+        </p:txBody>
+      </p:sp>
+    </p:spTree>
+    <p:extLst>
+      <p:ext uri="{BB962C8B-B14F-4D97-AF65-F5344CB8AC3E}">
+        <p14:creationId xmlns:p14="http://schemas.microsoft.com/office/powerpoint/2010/main" val="3326134276"/>
+      </p:ext>
+    </p:extLst>
+  </p:cSld>
+  <p:clrMapOvr>
+    <a:masterClrMapping/>
+  </p:clrMapOvr>
+</p:sld>
+</file>
+
+<file path=ppt/slides/slide45.xml><?xml version="1.0" encoding="utf-8"?>
+<p:sld xmlns:a="http://schemas.openxmlformats.org/drawingml/2006/main" xmlns:r="http://schemas.openxmlformats.org/officeDocument/2006/relationships" xmlns:p="http://schemas.openxmlformats.org/presentationml/2006/main">
+  <p:cSld>
+    <p:spTree>
+      <p:nvGrpSpPr>
+        <p:cNvPr id="1" name=""/>
+        <p:cNvGrpSpPr/>
+        <p:nvPr/>
+      </p:nvGrpSpPr>
+      <p:grpSpPr>
+        <a:xfrm>
+          <a:off x="0" y="0"/>
+          <a:ext cx="0" cy="0"/>
+          <a:chOff x="0" y="0"/>
+          <a:chExt cx="0" cy="0"/>
+        </a:xfrm>
+      </p:grpSpPr>
+      <p:sp>
+        <p:nvSpPr>
+          <p:cNvPr id="2" name="Title 1">
+            <a:extLst>
+              <a:ext uri="{FF2B5EF4-FFF2-40B4-BE49-F238E27FC236}">
+                <a16:creationId xmlns:a16="http://schemas.microsoft.com/office/drawing/2014/main" id="{8DEAF37B-A65E-5947-8598-9D42C4E38EDF}"/>
+              </a:ext>
+            </a:extLst>
+          </p:cNvPr>
+          <p:cNvSpPr>
+            <a:spLocks noGrp="1"/>
+          </p:cNvSpPr>
+          <p:nvPr>
+            <p:ph type="title"/>
+          </p:nvPr>
+        </p:nvSpPr>
+        <p:spPr/>
+        <p:txBody>
+          <a:bodyPr/>
+          <a:lstStyle/>
+          <a:p>
+            <a:r>
+              <a:rPr lang="en-US" dirty="0"/>
+              <a:t>Demo</a:t>
+            </a:r>
+          </a:p>
+        </p:txBody>
+      </p:sp>
+      <p:sp>
+        <p:nvSpPr>
+          <p:cNvPr id="3" name="Content Placeholder 2">
+            <a:extLst>
+              <a:ext uri="{FF2B5EF4-FFF2-40B4-BE49-F238E27FC236}">
+                <a16:creationId xmlns:a16="http://schemas.microsoft.com/office/drawing/2014/main" id="{148A1690-9AA2-B942-AA64-E3631C84FAAD}"/>
+              </a:ext>
+            </a:extLst>
+          </p:cNvPr>
+          <p:cNvSpPr>
+            <a:spLocks noGrp="1"/>
+          </p:cNvSpPr>
+          <p:nvPr>
+            <p:ph type="body" idx="1"/>
+          </p:nvPr>
+        </p:nvSpPr>
+        <p:spPr>
+          <a:xfrm>
+            <a:off x="810000" y="5281201"/>
+            <a:ext cx="10561418" cy="433955"/>
+          </a:xfrm>
+        </p:spPr>
+        <p:txBody>
+          <a:bodyPr/>
+          <a:lstStyle/>
+          <a:p>
+            <a:r>
+              <a:rPr lang="en-US" dirty="0" err="1"/>
+              <a:t>Xamarin.Forms</a:t>
+            </a:r>
+            <a:r>
+              <a:rPr lang="en-US" baseline="0" dirty="0"/>
+              <a:t> 3.0</a:t>
+            </a:r>
+          </a:p>
+          <a:p>
+            <a:r>
+              <a:rPr lang="en-US" sz="1800" dirty="0">
+                <a:hlinkClick r:id="rId3"/>
+              </a:rPr>
+              <a:t>https://github.com/Microsoft/ConferenceVision</a:t>
+            </a:r>
+            <a:endParaRPr lang="en-US" sz="1800" dirty="0"/>
+          </a:p>
+        </p:txBody>
+      </p:sp>
+    </p:spTree>
+    <p:extLst>
+      <p:ext uri="{BB962C8B-B14F-4D97-AF65-F5344CB8AC3E}">
+        <p14:creationId xmlns:p14="http://schemas.microsoft.com/office/powerpoint/2010/main" val="3731704861"/>
+      </p:ext>
+    </p:extLst>
+  </p:cSld>
+  <p:clrMapOvr>
+    <a:masterClrMapping/>
+  </p:clrMapOvr>
+</p:sld>
+</file>
+
+<file path=ppt/slides/slide46.xml><?xml version="1.0" encoding="utf-8"?>
+<p:sld xmlns:a="http://schemas.openxmlformats.org/drawingml/2006/main" xmlns:r="http://schemas.openxmlformats.org/officeDocument/2006/relationships" xmlns:p="http://schemas.openxmlformats.org/presentationml/2006/main">
+  <p:cSld>
+    <p:spTree>
+      <p:nvGrpSpPr>
+        <p:cNvPr id="1" name=""/>
+        <p:cNvGrpSpPr/>
+        <p:nvPr/>
+      </p:nvGrpSpPr>
+      <p:grpSpPr>
+        <a:xfrm>
+          <a:off x="0" y="0"/>
+          <a:ext cx="0" cy="0"/>
+          <a:chOff x="0" y="0"/>
+          <a:chExt cx="0" cy="0"/>
+        </a:xfrm>
+      </p:grpSpPr>
+      <p:sp>
+        <p:nvSpPr>
+          <p:cNvPr id="2" name="Title 1">
+            <a:extLst>
+              <a:ext uri="{FF2B5EF4-FFF2-40B4-BE49-F238E27FC236}">
+                <a16:creationId xmlns:a16="http://schemas.microsoft.com/office/drawing/2014/main" id="{6500E32D-AFA1-6A48-A3CC-7CD2D080F6B2}"/>
+              </a:ext>
+            </a:extLst>
+          </p:cNvPr>
+          <p:cNvSpPr>
+            <a:spLocks noGrp="1"/>
+          </p:cNvSpPr>
+          <p:nvPr>
+            <p:ph type="title"/>
+          </p:nvPr>
+        </p:nvSpPr>
+        <p:spPr/>
+        <p:txBody>
+          <a:bodyPr/>
+          <a:lstStyle/>
+          <a:p>
+            <a:r>
+              <a:rPr lang="en-US" dirty="0" err="1"/>
+              <a:t>Xamarin.Forms</a:t>
+            </a:r>
+            <a:r>
+              <a:rPr lang="en-US" dirty="0"/>
+              <a:t> Roadmap</a:t>
+            </a:r>
+          </a:p>
+        </p:txBody>
+      </p:sp>
+      <p:sp>
+        <p:nvSpPr>
+          <p:cNvPr id="3" name="Content Placeholder 2">
+            <a:extLst>
+              <a:ext uri="{FF2B5EF4-FFF2-40B4-BE49-F238E27FC236}">
+                <a16:creationId xmlns:a16="http://schemas.microsoft.com/office/drawing/2014/main" id="{9FF19359-F1A1-A044-B295-00981EA74A07}"/>
+              </a:ext>
+            </a:extLst>
+          </p:cNvPr>
+          <p:cNvSpPr>
+            <a:spLocks noGrp="1"/>
+          </p:cNvSpPr>
+          <p:nvPr>
+            <p:ph idx="1"/>
+          </p:nvPr>
+        </p:nvSpPr>
+        <p:spPr/>
+        <p:txBody>
+          <a:bodyPr/>
+          <a:lstStyle/>
+          <a:p>
+            <a:r>
+              <a:rPr lang="en-US" dirty="0">
+                <a:hlinkClick r:id="rId2"/>
+              </a:rPr>
+              <a:t>https://github.com/xamarin/Xamarin.Forms/wiki/Feature-Roadmap</a:t>
+            </a:r>
+            <a:endParaRPr lang="en-US" dirty="0"/>
+          </a:p>
+        </p:txBody>
+      </p:sp>
+    </p:spTree>
+    <p:extLst>
+      <p:ext uri="{BB962C8B-B14F-4D97-AF65-F5344CB8AC3E}">
+        <p14:creationId xmlns:p14="http://schemas.microsoft.com/office/powerpoint/2010/main" val="847004070"/>
+      </p:ext>
+    </p:extLst>
+  </p:cSld>
+  <p:clrMapOvr>
+    <a:masterClrMapping/>
+  </p:clrMapOvr>
+</p:sld>
+</file>
+
+<file path=ppt/slides/slide47.xml><?xml version="1.0" encoding="utf-8"?>
+<p:sld xmlns:a="http://schemas.openxmlformats.org/drawingml/2006/main" xmlns:r="http://schemas.openxmlformats.org/officeDocument/2006/relationships" xmlns:p="http://schemas.openxmlformats.org/presentationml/2006/main">
+  <p:cSld>
+    <p:spTree>
+      <p:nvGrpSpPr>
+        <p:cNvPr id="1" name=""/>
+        <p:cNvGrpSpPr/>
+        <p:nvPr/>
+      </p:nvGrpSpPr>
+      <p:grpSpPr>
+        <a:xfrm>
+          <a:off x="0" y="0"/>
+          <a:ext cx="0" cy="0"/>
+          <a:chOff x="0" y="0"/>
+          <a:chExt cx="0" cy="0"/>
+        </a:xfrm>
+      </p:grpSpPr>
+      <p:sp>
+        <p:nvSpPr>
+          <p:cNvPr id="2" name="Title 1">
+            <a:extLst>
+              <a:ext uri="{FF2B5EF4-FFF2-40B4-BE49-F238E27FC236}">
+                <a16:creationId xmlns:a16="http://schemas.microsoft.com/office/drawing/2014/main" id="{36EEF7EE-B590-2948-804E-3969AC95922B}"/>
+              </a:ext>
+            </a:extLst>
+          </p:cNvPr>
+          <p:cNvSpPr>
+            <a:spLocks noGrp="1"/>
+          </p:cNvSpPr>
+          <p:nvPr>
+            <p:ph type="title"/>
+          </p:nvPr>
+        </p:nvSpPr>
+        <p:spPr/>
+        <p:txBody>
+          <a:bodyPr/>
+          <a:lstStyle/>
+          <a:p>
+            <a:r>
+              <a:rPr lang="en-US" dirty="0"/>
+              <a:t>Demo</a:t>
+            </a:r>
+            <a:endParaRPr lang="en-US" sz="1400" dirty="0"/>
+          </a:p>
+        </p:txBody>
+      </p:sp>
+      <p:sp>
+        <p:nvSpPr>
+          <p:cNvPr id="3" name="Text Placeholder 2">
+            <a:extLst>
+              <a:ext uri="{FF2B5EF4-FFF2-40B4-BE49-F238E27FC236}">
+                <a16:creationId xmlns:a16="http://schemas.microsoft.com/office/drawing/2014/main" id="{7E4456E3-10FC-AA43-9C88-05FB87FC62CE}"/>
+              </a:ext>
+            </a:extLst>
+          </p:cNvPr>
+          <p:cNvSpPr>
+            <a:spLocks noGrp="1"/>
+          </p:cNvSpPr>
+          <p:nvPr>
+            <p:ph type="body" idx="1"/>
+          </p:nvPr>
+        </p:nvSpPr>
+        <p:spPr/>
+        <p:txBody>
+          <a:bodyPr/>
+          <a:lstStyle/>
+          <a:p>
+            <a:r>
+              <a:rPr lang="en-US" dirty="0"/>
+              <a:t>Xamarin Live Reload</a:t>
+            </a:r>
+          </a:p>
+          <a:p>
+            <a:r>
+              <a:rPr lang="en-US" sz="1800" dirty="0">
+                <a:hlinkClick r:id="rId3"/>
+              </a:rPr>
+              <a:t>https://www.youtube.com/watch?v=-5WJZpeXlC8</a:t>
+            </a:r>
+            <a:endParaRPr lang="en-US" sz="1800" dirty="0"/>
+          </a:p>
+        </p:txBody>
+      </p:sp>
+    </p:spTree>
+    <p:extLst>
+      <p:ext uri="{BB962C8B-B14F-4D97-AF65-F5344CB8AC3E}">
+        <p14:creationId xmlns:p14="http://schemas.microsoft.com/office/powerpoint/2010/main" val="1640341913"/>
+      </p:ext>
+    </p:extLst>
+  </p:cSld>
+  <p:clrMapOvr>
+    <a:masterClrMapping/>
+  </p:clrMapOvr>
+</p:sld>
+</file>
+
+<file path=ppt/slides/slide48.xml><?xml version="1.0" encoding="utf-8"?>
+<p:sld xmlns:a="http://schemas.openxmlformats.org/drawingml/2006/main" xmlns:r="http://schemas.openxmlformats.org/officeDocument/2006/relationships" xmlns:p="http://schemas.openxmlformats.org/presentationml/2006/main">
+  <p:cSld>
+    <p:spTree>
+      <p:nvGrpSpPr>
+        <p:cNvPr id="1" name=""/>
+        <p:cNvGrpSpPr/>
+        <p:nvPr/>
+      </p:nvGrpSpPr>
+      <p:grpSpPr>
+        <a:xfrm>
+          <a:off x="0" y="0"/>
+          <a:ext cx="0" cy="0"/>
+          <a:chOff x="0" y="0"/>
+          <a:chExt cx="0" cy="0"/>
+        </a:xfrm>
+      </p:grpSpPr>
+      <p:sp>
+        <p:nvSpPr>
+          <p:cNvPr id="2" name="Title 1"/>
+          <p:cNvSpPr>
+            <a:spLocks noGrp="1"/>
+          </p:cNvSpPr>
+          <p:nvPr>
+            <p:ph type="ctrTitle"/>
+          </p:nvPr>
+        </p:nvSpPr>
+        <p:spPr/>
+        <p:txBody>
+          <a:bodyPr/>
+          <a:lstStyle/>
+          <a:p>
+            <a:r>
+              <a:rPr lang="en-US" dirty="0"/>
+              <a:t>Thank You!</a:t>
+            </a:r>
+          </a:p>
+        </p:txBody>
+      </p:sp>
+      <p:sp>
+        <p:nvSpPr>
+          <p:cNvPr id="3" name="Content Placeholder 2"/>
+          <p:cNvSpPr>
+            <a:spLocks noGrp="1"/>
+          </p:cNvSpPr>
+          <p:nvPr>
+            <p:ph type="subTitle" idx="1"/>
+          </p:nvPr>
+        </p:nvSpPr>
+        <p:spPr/>
+        <p:txBody>
+          <a:bodyPr>
+            <a:normAutofit fontScale="85000" lnSpcReduction="20000"/>
+          </a:bodyPr>
+          <a:lstStyle/>
+          <a:p>
+            <a:endParaRPr lang="en-US" dirty="0"/>
+          </a:p>
+        </p:txBody>
+      </p:sp>
+      <p:pic>
+        <p:nvPicPr>
+          <p:cNvPr id="4" name="Picture 3">
+            <a:extLst>
+              <a:ext uri="{FF2B5EF4-FFF2-40B4-BE49-F238E27FC236}">
+                <a16:creationId xmlns:a16="http://schemas.microsoft.com/office/drawing/2014/main" id="{3693010A-8884-5348-A3E4-A41DB4C799A3}"/>
+              </a:ext>
+            </a:extLst>
+          </p:cNvPr>
+          <p:cNvPicPr>
+            <a:picLocks noChangeAspect="1"/>
+          </p:cNvPicPr>
+          <p:nvPr/>
+        </p:nvPicPr>
+        <p:blipFill>
+          <a:blip r:embed="rId3">
+            <a:extLst>
+              <a:ext uri="{28A0092B-C50C-407E-A947-70E740481C1C}">
+                <a14:useLocalDpi xmlns:a14="http://schemas.microsoft.com/office/drawing/2010/main" val="0"/>
+              </a:ext>
+            </a:extLst>
+          </a:blip>
+          <a:stretch>
+            <a:fillRect/>
+          </a:stretch>
+        </p:blipFill>
+        <p:spPr>
+          <a:xfrm>
+            <a:off x="8335369" y="5280847"/>
+            <a:ext cx="3046632" cy="1049509"/>
+          </a:xfrm>
+          <a:prstGeom prst="rect">
+            <a:avLst/>
+          </a:prstGeom>
+        </p:spPr>
+      </p:pic>
+    </p:spTree>
+    <p:extLst>
+      <p:ext uri="{BB962C8B-B14F-4D97-AF65-F5344CB8AC3E}">
+        <p14:creationId xmlns:p14="http://schemas.microsoft.com/office/powerpoint/2010/main" val="158586706"/>
+      </p:ext>
+    </p:extLst>
+  </p:cSld>
+  <p:clrMapOvr>
+    <a:masterClrMapping/>
+  </p:clrMapOvr>
+</p:sld>
+</file>
+
 <file path=ppt/slides/slide5.xml><?xml version="1.0" encoding="utf-8"?>
 <p:sld xmlns:a="http://schemas.openxmlformats.org/drawingml/2006/main" xmlns:r="http://schemas.openxmlformats.org/officeDocument/2006/relationships" xmlns:p="http://schemas.openxmlformats.org/presentationml/2006/main">
   <p:cSld>
@@ -8653,11 +15401,17 @@
           <a:p>
             <a:r>
               <a:rPr lang="en-US" dirty="0"/>
-              <a:t>https://</a:t>
+              <a:t>https://tinyurl.com/TOMobileYouTube</a:t>
+            </a:r>
+          </a:p>
+          <a:p>
+            <a:r>
+              <a:rPr lang="en-US" dirty="0"/>
+              <a:t>WhatsApp https://</a:t>
             </a:r>
             <a:r>
               <a:rPr lang="en-US" dirty="0" err="1"/>
-              <a:t>tinyurl.com</a:t>
+              <a:t>goo.gl</a:t>
             </a:r>
             <a:r>
               <a:rPr lang="en-US" dirty="0"/>
@@ -8665,7 +15419,7 @@
             </a:r>
             <a:r>
               <a:rPr lang="en-US" dirty="0" err="1"/>
-              <a:t>TOMobileYouTube</a:t>
+              <a:t>hTNLhW</a:t>
             </a:r>
             <a:endParaRPr lang="en-US" dirty="0"/>
           </a:p>
@@ -8791,12 +15545,6 @@
             </a:r>
             <a:endParaRPr lang="en-US" dirty="0"/>
           </a:p>
-          <a:p>
-            <a:endParaRPr lang="en-US" dirty="0"/>
-          </a:p>
-          <a:p>
-            <a:endParaRPr lang="en-US" dirty="0"/>
-          </a:p>
         </p:txBody>
       </p:sp>
       <p:pic>
@@ -8808,7 +15556,7 @@
           <p:nvPr/>
         </p:nvPicPr>
         <p:blipFill>
-          <a:blip r:embed="rId2">
+          <a:blip r:embed="rId3">
             <a:extLst>
               <a:ext uri="{28A0092B-C50C-407E-A947-70E740481C1C}">
                 <a14:useLocalDpi xmlns:a14="http://schemas.microsoft.com/office/drawing/2010/main" val="0"/>
@@ -8838,7 +15586,7 @@
           <p:nvPr/>
         </p:nvPicPr>
         <p:blipFill>
-          <a:blip r:embed="rId3"/>
+          <a:blip r:embed="rId4"/>
           <a:stretch>
             <a:fillRect/>
           </a:stretch>
@@ -9695,7 +16443,7 @@
             </a:pPr>
             <a:r>
               <a:rPr lang="en-US" sz="3200" b="1" dirty="0"/>
-              <a:t>CI/CD and SQL Server &amp; Migrating to VSTS</a:t>
+              <a:t>NoSQL for .NET &amp; Azure Event Grid</a:t>
             </a:r>
           </a:p>
           <a:p>
@@ -9704,7 +16452,7 @@
             </a:pPr>
             <a:r>
               <a:rPr lang="en-US" dirty="0"/>
-              <a:t>Tuesday, Feb 28</a:t>
+              <a:t>Tuesday, May 29</a:t>
             </a:r>
             <a:r>
               <a:rPr lang="en-US" baseline="30000" dirty="0"/>
@@ -9768,23 +16516,22 @@
             </a:pPr>
             <a:r>
               <a:rPr lang="en-US" b="1" dirty="0"/>
-              <a:t>Dave Lloyd</a:t>
-            </a:r>
-            <a:endParaRPr lang="en-US" dirty="0"/>
+              <a:t>Matthew D. Groves</a:t>
+            </a:r>
           </a:p>
           <a:p>
             <a:pPr marL="0" indent="0">
               <a:buNone/>
             </a:pPr>
             <a:r>
-              <a:rPr lang="en-US" dirty="0"/>
-              <a:t>Founding Partner @ </a:t>
-            </a:r>
-            <a:r>
-              <a:rPr lang="en-US" dirty="0" err="1"/>
-              <a:t>ObjectSharp</a:t>
-            </a:r>
-            <a:endParaRPr lang="en-US" dirty="0"/>
+              <a:rPr lang="en-CA" b="1" dirty="0" err="1"/>
+              <a:t>Callon</a:t>
+            </a:r>
+            <a:r>
+              <a:rPr lang="en-CA" b="1" dirty="0"/>
+              <a:t> Campbell</a:t>
+            </a:r>
+            <a:endParaRPr lang="en-US" b="1" dirty="0"/>
           </a:p>
         </p:txBody>
       </p:sp>
@@ -9797,7 +16544,7 @@
           <p:nvPr/>
         </p:nvPicPr>
         <p:blipFill>
-          <a:blip r:embed="rId2"/>
+          <a:blip r:embed="rId3"/>
           <a:stretch>
             <a:fillRect/>
           </a:stretch>
